--- a/docs/Midterm-Presentation/SoftwareEngineering_Präsi.pptx
+++ b/docs/Midterm-Presentation/SoftwareEngineering_Präsi.pptx
@@ -7,26 +7,38 @@
   <p:sldIdLst>
     <p:sldId id="256" r:id="rId2"/>
     <p:sldId id="257" r:id="rId3"/>
-    <p:sldId id="260" r:id="rId4"/>
-    <p:sldId id="265" r:id="rId5"/>
-    <p:sldId id="264" r:id="rId6"/>
+    <p:sldId id="281" r:id="rId4"/>
+    <p:sldId id="260" r:id="rId5"/>
+    <p:sldId id="280" r:id="rId6"/>
     <p:sldId id="266" r:id="rId7"/>
-    <p:sldId id="267" r:id="rId8"/>
-    <p:sldId id="268" r:id="rId9"/>
-    <p:sldId id="270" r:id="rId10"/>
-    <p:sldId id="271" r:id="rId11"/>
-    <p:sldId id="258" r:id="rId12"/>
-    <p:sldId id="269" r:id="rId13"/>
-    <p:sldId id="278" r:id="rId14"/>
-    <p:sldId id="259" r:id="rId15"/>
-    <p:sldId id="276" r:id="rId16"/>
-    <p:sldId id="277" r:id="rId17"/>
-    <p:sldId id="274" r:id="rId18"/>
-    <p:sldId id="262" r:id="rId19"/>
-    <p:sldId id="275" r:id="rId20"/>
-    <p:sldId id="273" r:id="rId21"/>
-    <p:sldId id="263" r:id="rId22"/>
-    <p:sldId id="279" r:id="rId23"/>
+    <p:sldId id="299" r:id="rId8"/>
+    <p:sldId id="267" r:id="rId9"/>
+    <p:sldId id="268" r:id="rId10"/>
+    <p:sldId id="270" r:id="rId11"/>
+    <p:sldId id="287" r:id="rId12"/>
+    <p:sldId id="283" r:id="rId13"/>
+    <p:sldId id="258" r:id="rId14"/>
+    <p:sldId id="269" r:id="rId15"/>
+    <p:sldId id="278" r:id="rId16"/>
+    <p:sldId id="288" r:id="rId17"/>
+    <p:sldId id="290" r:id="rId18"/>
+    <p:sldId id="294" r:id="rId19"/>
+    <p:sldId id="295" r:id="rId20"/>
+    <p:sldId id="293" r:id="rId21"/>
+    <p:sldId id="262" r:id="rId22"/>
+    <p:sldId id="284" r:id="rId23"/>
+    <p:sldId id="285" r:id="rId24"/>
+    <p:sldId id="286" r:id="rId25"/>
+    <p:sldId id="289" r:id="rId26"/>
+    <p:sldId id="273" r:id="rId27"/>
+    <p:sldId id="291" r:id="rId28"/>
+    <p:sldId id="298" r:id="rId29"/>
+    <p:sldId id="274" r:id="rId30"/>
+    <p:sldId id="297" r:id="rId31"/>
+    <p:sldId id="296" r:id="rId32"/>
+    <p:sldId id="277" r:id="rId33"/>
+    <p:sldId id="263" r:id="rId34"/>
+    <p:sldId id="279" r:id="rId35"/>
   </p:sldIdLst>
   <p:sldSz cx="12192000" cy="6858000"/>
   <p:notesSz cx="6858000" cy="9144000"/>
@@ -127,7 +139,18 @@
   </p:defaultTextStyle>
   <p:extLst>
     <p:ext uri="{EFAFB233-063F-42B5-8137-9DF3F51BA10A}">
-      <p15:sldGuideLst xmlns:p15="http://schemas.microsoft.com/office/powerpoint/2012/main"/>
+      <p15:sldGuideLst xmlns:p15="http://schemas.microsoft.com/office/powerpoint/2012/main">
+        <p15:guide id="1" orient="horz" pos="2160">
+          <p15:clr>
+            <a:srgbClr val="A4A3A4"/>
+          </p15:clr>
+        </p15:guide>
+        <p15:guide id="2" pos="3840">
+          <p15:clr>
+            <a:srgbClr val="A4A3A4"/>
+          </p15:clr>
+        </p15:guide>
+      </p15:sldGuideLst>
     </p:ext>
   </p:extLst>
 </p:presentation>
@@ -189,8 +212,8 @@
           </a:prstGeom>
           <a:noFill/>
           <a:extLst>
-            <a:ext uri="{909E8E84-426E-40dd-AFC4-6F175D3DCCD1}">
-              <a14:hiddenFill xmlns:a14="http://schemas.microsoft.com/office/drawing/2010/main" xmlns="">
+            <a:ext uri="{909E8E84-426E-40DD-AFC4-6F175D3DCCD1}">
+              <a14:hiddenFill xmlns:a14="http://schemas.microsoft.com/office/drawing/2010/main">
                 <a:solidFill>
                   <a:srgbClr val="FFFFFF"/>
                 </a:solidFill>
@@ -248,8 +271,8 @@
               <a:noFill/>
             </a:ln>
             <a:extLst>
-              <a:ext uri="{91240B29-F687-4f45-9708-019B960494DF}">
-                <a14:hiddenLine xmlns:a14="http://schemas.microsoft.com/office/drawing/2010/main" xmlns="" w="9525">
+              <a:ext uri="{91240B29-F687-4F45-9708-019B960494DF}">
+                <a14:hiddenLine xmlns:a14="http://schemas.microsoft.com/office/drawing/2010/main" w="9525">
                   <a:solidFill>
                     <a:srgbClr val="000000"/>
                   </a:solidFill>
@@ -338,8 +361,8 @@
               <a:noFill/>
             </a:ln>
             <a:extLst>
-              <a:ext uri="{91240B29-F687-4f45-9708-019B960494DF}">
-                <a14:hiddenLine xmlns:a14="http://schemas.microsoft.com/office/drawing/2010/main" xmlns="" w="9525">
+              <a:ext uri="{91240B29-F687-4F45-9708-019B960494DF}">
+                <a14:hiddenLine xmlns:a14="http://schemas.microsoft.com/office/drawing/2010/main" w="9525">
                   <a:solidFill>
                     <a:srgbClr val="000000"/>
                   </a:solidFill>
@@ -428,8 +451,8 @@
               <a:noFill/>
             </a:ln>
             <a:extLst>
-              <a:ext uri="{91240B29-F687-4f45-9708-019B960494DF}">
-                <a14:hiddenLine xmlns:a14="http://schemas.microsoft.com/office/drawing/2010/main" xmlns="" w="9525">
+              <a:ext uri="{91240B29-F687-4F45-9708-019B960494DF}">
+                <a14:hiddenLine xmlns:a14="http://schemas.microsoft.com/office/drawing/2010/main" w="9525">
                   <a:solidFill>
                     <a:srgbClr val="000000"/>
                   </a:solidFill>
@@ -462,8 +485,8 @@
               <a:noFill/>
             </a:ln>
             <a:extLst>
-              <a:ext uri="{91240B29-F687-4f45-9708-019B960494DF}">
-                <a14:hiddenLine xmlns:a14="http://schemas.microsoft.com/office/drawing/2010/main" xmlns="" w="9525">
+              <a:ext uri="{91240B29-F687-4F45-9708-019B960494DF}">
+                <a14:hiddenLine xmlns:a14="http://schemas.microsoft.com/office/drawing/2010/main" w="9525">
                   <a:solidFill>
                     <a:srgbClr val="000000"/>
                   </a:solidFill>
@@ -552,8 +575,8 @@
               <a:noFill/>
             </a:ln>
             <a:extLst>
-              <a:ext uri="{91240B29-F687-4f45-9708-019B960494DF}">
-                <a14:hiddenLine xmlns:a14="http://schemas.microsoft.com/office/drawing/2010/main" xmlns="" w="9525">
+              <a:ext uri="{91240B29-F687-4F45-9708-019B960494DF}">
+                <a14:hiddenLine xmlns:a14="http://schemas.microsoft.com/office/drawing/2010/main" w="9525">
                   <a:solidFill>
                     <a:srgbClr val="000000"/>
                   </a:solidFill>
@@ -614,8 +637,8 @@
               <a:noFill/>
             </a:ln>
             <a:extLst>
-              <a:ext uri="{91240B29-F687-4f45-9708-019B960494DF}">
-                <a14:hiddenLine xmlns:a14="http://schemas.microsoft.com/office/drawing/2010/main" xmlns="" w="9525">
+              <a:ext uri="{91240B29-F687-4F45-9708-019B960494DF}">
+                <a14:hiddenLine xmlns:a14="http://schemas.microsoft.com/office/drawing/2010/main" w="9525">
                   <a:solidFill>
                     <a:srgbClr val="000000"/>
                   </a:solidFill>
@@ -676,8 +699,8 @@
               <a:noFill/>
             </a:ln>
             <a:extLst>
-              <a:ext uri="{91240B29-F687-4f45-9708-019B960494DF}">
-                <a14:hiddenLine xmlns:a14="http://schemas.microsoft.com/office/drawing/2010/main" xmlns="" w="9525">
+              <a:ext uri="{91240B29-F687-4F45-9708-019B960494DF}">
+                <a14:hiddenLine xmlns:a14="http://schemas.microsoft.com/office/drawing/2010/main" w="9525">
                   <a:solidFill>
                     <a:srgbClr val="000000"/>
                   </a:solidFill>
@@ -766,8 +789,8 @@
               <a:noFill/>
             </a:ln>
             <a:extLst>
-              <a:ext uri="{91240B29-F687-4f45-9708-019B960494DF}">
-                <a14:hiddenLine xmlns:a14="http://schemas.microsoft.com/office/drawing/2010/main" xmlns="" w="9525">
+              <a:ext uri="{91240B29-F687-4F45-9708-019B960494DF}">
+                <a14:hiddenLine xmlns:a14="http://schemas.microsoft.com/office/drawing/2010/main" w="9525">
                   <a:solidFill>
                     <a:srgbClr val="000000"/>
                   </a:solidFill>
@@ -828,8 +851,8 @@
               <a:noFill/>
             </a:ln>
             <a:extLst>
-              <a:ext uri="{91240B29-F687-4f45-9708-019B960494DF}">
-                <a14:hiddenLine xmlns:a14="http://schemas.microsoft.com/office/drawing/2010/main" xmlns="" w="9525">
+              <a:ext uri="{91240B29-F687-4F45-9708-019B960494DF}">
+                <a14:hiddenLine xmlns:a14="http://schemas.microsoft.com/office/drawing/2010/main" w="9525">
                   <a:solidFill>
                     <a:srgbClr val="000000"/>
                   </a:solidFill>
@@ -890,8 +913,8 @@
               <a:noFill/>
             </a:ln>
             <a:extLst>
-              <a:ext uri="{91240B29-F687-4f45-9708-019B960494DF}">
-                <a14:hiddenLine xmlns:a14="http://schemas.microsoft.com/office/drawing/2010/main" xmlns="" w="9525">
+              <a:ext uri="{91240B29-F687-4F45-9708-019B960494DF}">
+                <a14:hiddenLine xmlns:a14="http://schemas.microsoft.com/office/drawing/2010/main" w="9525">
                   <a:solidFill>
                     <a:srgbClr val="000000"/>
                   </a:solidFill>
@@ -980,8 +1003,8 @@
               <a:noFill/>
             </a:ln>
             <a:extLst>
-              <a:ext uri="{91240B29-F687-4f45-9708-019B960494DF}">
-                <a14:hiddenLine xmlns:a14="http://schemas.microsoft.com/office/drawing/2010/main" xmlns="" w="9525">
+              <a:ext uri="{91240B29-F687-4F45-9708-019B960494DF}">
+                <a14:hiddenLine xmlns:a14="http://schemas.microsoft.com/office/drawing/2010/main" w="9525">
                   <a:solidFill>
                     <a:srgbClr val="000000"/>
                   </a:solidFill>
@@ -1070,8 +1093,8 @@
               <a:noFill/>
             </a:ln>
             <a:extLst>
-              <a:ext uri="{91240B29-F687-4f45-9708-019B960494DF}">
-                <a14:hiddenLine xmlns:a14="http://schemas.microsoft.com/office/drawing/2010/main" xmlns="" w="9525">
+              <a:ext uri="{91240B29-F687-4F45-9708-019B960494DF}">
+                <a14:hiddenLine xmlns:a14="http://schemas.microsoft.com/office/drawing/2010/main" w="9525">
                   <a:solidFill>
                     <a:srgbClr val="000000"/>
                   </a:solidFill>
@@ -1132,8 +1155,8 @@
               <a:noFill/>
             </a:ln>
             <a:extLst>
-              <a:ext uri="{91240B29-F687-4f45-9708-019B960494DF}">
-                <a14:hiddenLine xmlns:a14="http://schemas.microsoft.com/office/drawing/2010/main" xmlns="" w="9525">
+              <a:ext uri="{91240B29-F687-4F45-9708-019B960494DF}">
+                <a14:hiddenLine xmlns:a14="http://schemas.microsoft.com/office/drawing/2010/main" w="9525">
                   <a:solidFill>
                     <a:srgbClr val="000000"/>
                   </a:solidFill>
@@ -1242,8 +1265,8 @@
               <a:noFill/>
             </a:ln>
             <a:extLst>
-              <a:ext uri="{91240B29-F687-4f45-9708-019B960494DF}">
-                <a14:hiddenLine xmlns:a14="http://schemas.microsoft.com/office/drawing/2010/main" xmlns="" w="9525">
+              <a:ext uri="{91240B29-F687-4F45-9708-019B960494DF}">
+                <a14:hiddenLine xmlns:a14="http://schemas.microsoft.com/office/drawing/2010/main" w="9525">
                   <a:solidFill>
                     <a:srgbClr val="000000"/>
                   </a:solidFill>
@@ -1304,8 +1327,8 @@
               <a:noFill/>
             </a:ln>
             <a:extLst>
-              <a:ext uri="{91240B29-F687-4f45-9708-019B960494DF}">
-                <a14:hiddenLine xmlns:a14="http://schemas.microsoft.com/office/drawing/2010/main" xmlns="" w="9525">
+              <a:ext uri="{91240B29-F687-4F45-9708-019B960494DF}">
+                <a14:hiddenLine xmlns:a14="http://schemas.microsoft.com/office/drawing/2010/main" w="9525">
                   <a:solidFill>
                     <a:srgbClr val="000000"/>
                   </a:solidFill>
@@ -1394,8 +1417,8 @@
               <a:noFill/>
             </a:ln>
             <a:extLst>
-              <a:ext uri="{91240B29-F687-4f45-9708-019B960494DF}">
-                <a14:hiddenLine xmlns:a14="http://schemas.microsoft.com/office/drawing/2010/main" xmlns="" w="9525">
+              <a:ext uri="{91240B29-F687-4F45-9708-019B960494DF}">
+                <a14:hiddenLine xmlns:a14="http://schemas.microsoft.com/office/drawing/2010/main" w="9525">
                   <a:solidFill>
                     <a:srgbClr val="000000"/>
                   </a:solidFill>
@@ -1484,8 +1507,8 @@
               <a:noFill/>
             </a:ln>
             <a:extLst>
-              <a:ext uri="{91240B29-F687-4f45-9708-019B960494DF}">
-                <a14:hiddenLine xmlns:a14="http://schemas.microsoft.com/office/drawing/2010/main" xmlns="" w="9525">
+              <a:ext uri="{91240B29-F687-4F45-9708-019B960494DF}">
+                <a14:hiddenLine xmlns:a14="http://schemas.microsoft.com/office/drawing/2010/main" w="9525">
                   <a:solidFill>
                     <a:srgbClr val="000000"/>
                   </a:solidFill>
@@ -1546,8 +1569,8 @@
               <a:noFill/>
             </a:ln>
             <a:extLst>
-              <a:ext uri="{91240B29-F687-4f45-9708-019B960494DF}">
-                <a14:hiddenLine xmlns:a14="http://schemas.microsoft.com/office/drawing/2010/main" xmlns="" w="9525">
+              <a:ext uri="{91240B29-F687-4F45-9708-019B960494DF}">
+                <a14:hiddenLine xmlns:a14="http://schemas.microsoft.com/office/drawing/2010/main" w="9525">
                   <a:solidFill>
                     <a:srgbClr val="000000"/>
                   </a:solidFill>
@@ -1636,8 +1659,8 @@
               <a:noFill/>
             </a:ln>
             <a:extLst>
-              <a:ext uri="{91240B29-F687-4f45-9708-019B960494DF}">
-                <a14:hiddenLine xmlns:a14="http://schemas.microsoft.com/office/drawing/2010/main" xmlns="" w="9525">
+              <a:ext uri="{91240B29-F687-4F45-9708-019B960494DF}">
+                <a14:hiddenLine xmlns:a14="http://schemas.microsoft.com/office/drawing/2010/main" w="9525">
                   <a:solidFill>
                     <a:srgbClr val="000000"/>
                   </a:solidFill>
@@ -1726,8 +1749,8 @@
               <a:noFill/>
             </a:ln>
             <a:extLst>
-              <a:ext uri="{91240B29-F687-4f45-9708-019B960494DF}">
-                <a14:hiddenLine xmlns:a14="http://schemas.microsoft.com/office/drawing/2010/main" xmlns="" w="9525">
+              <a:ext uri="{91240B29-F687-4F45-9708-019B960494DF}">
+                <a14:hiddenLine xmlns:a14="http://schemas.microsoft.com/office/drawing/2010/main" w="9525">
                   <a:solidFill>
                     <a:srgbClr val="000000"/>
                   </a:solidFill>
@@ -1782,8 +1805,8 @@
               <a:noFill/>
             </a:ln>
             <a:extLst>
-              <a:ext uri="{91240B29-F687-4f45-9708-019B960494DF}">
-                <a14:hiddenLine xmlns:a14="http://schemas.microsoft.com/office/drawing/2010/main" xmlns="" w="9525">
+              <a:ext uri="{91240B29-F687-4F45-9708-019B960494DF}">
+                <a14:hiddenLine xmlns:a14="http://schemas.microsoft.com/office/drawing/2010/main" w="9525">
                   <a:solidFill>
                     <a:srgbClr val="000000"/>
                   </a:solidFill>
@@ -1872,8 +1895,8 @@
               <a:noFill/>
             </a:ln>
             <a:extLst>
-              <a:ext uri="{91240B29-F687-4f45-9708-019B960494DF}">
-                <a14:hiddenLine xmlns:a14="http://schemas.microsoft.com/office/drawing/2010/main" xmlns="" w="9525">
+              <a:ext uri="{91240B29-F687-4F45-9708-019B960494DF}">
+                <a14:hiddenLine xmlns:a14="http://schemas.microsoft.com/office/drawing/2010/main" w="9525">
                   <a:solidFill>
                     <a:srgbClr val="000000"/>
                   </a:solidFill>
@@ -1928,8 +1951,8 @@
               <a:noFill/>
             </a:ln>
             <a:extLst>
-              <a:ext uri="{91240B29-F687-4f45-9708-019B960494DF}">
-                <a14:hiddenLine xmlns:a14="http://schemas.microsoft.com/office/drawing/2010/main" xmlns="" w="9525">
+              <a:ext uri="{91240B29-F687-4F45-9708-019B960494DF}">
+                <a14:hiddenLine xmlns:a14="http://schemas.microsoft.com/office/drawing/2010/main" w="9525">
                   <a:solidFill>
                     <a:srgbClr val="000000"/>
                   </a:solidFill>
@@ -2018,8 +2041,8 @@
               <a:noFill/>
             </a:ln>
             <a:extLst>
-              <a:ext uri="{91240B29-F687-4f45-9708-019B960494DF}">
-                <a14:hiddenLine xmlns:a14="http://schemas.microsoft.com/office/drawing/2010/main" xmlns="" w="9525">
+              <a:ext uri="{91240B29-F687-4F45-9708-019B960494DF}">
+                <a14:hiddenLine xmlns:a14="http://schemas.microsoft.com/office/drawing/2010/main" w="9525">
                   <a:solidFill>
                     <a:srgbClr val="000000"/>
                   </a:solidFill>
@@ -2086,8 +2109,8 @@
               <a:noFill/>
             </a:ln>
             <a:extLst>
-              <a:ext uri="{91240B29-F687-4f45-9708-019B960494DF}">
-                <a14:hiddenLine xmlns:a14="http://schemas.microsoft.com/office/drawing/2010/main" xmlns="" w="9525">
+              <a:ext uri="{91240B29-F687-4F45-9708-019B960494DF}">
+                <a14:hiddenLine xmlns:a14="http://schemas.microsoft.com/office/drawing/2010/main" w="9525">
                   <a:solidFill>
                     <a:srgbClr val="000000"/>
                   </a:solidFill>
@@ -2176,8 +2199,8 @@
               <a:noFill/>
             </a:ln>
             <a:extLst>
-              <a:ext uri="{91240B29-F687-4f45-9708-019B960494DF}">
-                <a14:hiddenLine xmlns:a14="http://schemas.microsoft.com/office/drawing/2010/main" xmlns="" w="9525">
+              <a:ext uri="{91240B29-F687-4F45-9708-019B960494DF}">
+                <a14:hiddenLine xmlns:a14="http://schemas.microsoft.com/office/drawing/2010/main" w="9525">
                   <a:solidFill>
                     <a:srgbClr val="000000"/>
                   </a:solidFill>
@@ -2244,8 +2267,8 @@
               <a:noFill/>
             </a:ln>
             <a:extLst>
-              <a:ext uri="{91240B29-F687-4f45-9708-019B960494DF}">
-                <a14:hiddenLine xmlns:a14="http://schemas.microsoft.com/office/drawing/2010/main" xmlns="" w="9525">
+              <a:ext uri="{91240B29-F687-4F45-9708-019B960494DF}">
+                <a14:hiddenLine xmlns:a14="http://schemas.microsoft.com/office/drawing/2010/main" w="9525">
                   <a:solidFill>
                     <a:srgbClr val="000000"/>
                   </a:solidFill>
@@ -2334,8 +2357,8 @@
               <a:noFill/>
             </a:ln>
             <a:extLst>
-              <a:ext uri="{91240B29-F687-4f45-9708-019B960494DF}">
-                <a14:hiddenLine xmlns:a14="http://schemas.microsoft.com/office/drawing/2010/main" xmlns="" w="9525">
+              <a:ext uri="{91240B29-F687-4F45-9708-019B960494DF}">
+                <a14:hiddenLine xmlns:a14="http://schemas.microsoft.com/office/drawing/2010/main" w="9525">
                   <a:solidFill>
                     <a:srgbClr val="000000"/>
                   </a:solidFill>
@@ -2368,8 +2391,8 @@
               <a:noFill/>
             </a:ln>
             <a:extLst>
-              <a:ext uri="{91240B29-F687-4f45-9708-019B960494DF}">
-                <a14:hiddenLine xmlns:a14="http://schemas.microsoft.com/office/drawing/2010/main" xmlns="" w="9525">
+              <a:ext uri="{91240B29-F687-4F45-9708-019B960494DF}">
+                <a14:hiddenLine xmlns:a14="http://schemas.microsoft.com/office/drawing/2010/main" w="9525">
                   <a:solidFill>
                     <a:srgbClr val="000000"/>
                   </a:solidFill>
@@ -2458,8 +2481,8 @@
               <a:noFill/>
             </a:ln>
             <a:extLst>
-              <a:ext uri="{91240B29-F687-4f45-9708-019B960494DF}">
-                <a14:hiddenLine xmlns:a14="http://schemas.microsoft.com/office/drawing/2010/main" xmlns="" w="9525">
+              <a:ext uri="{91240B29-F687-4F45-9708-019B960494DF}">
+                <a14:hiddenLine xmlns:a14="http://schemas.microsoft.com/office/drawing/2010/main" w="9525">
                   <a:solidFill>
                     <a:srgbClr val="000000"/>
                   </a:solidFill>
@@ -2520,8 +2543,8 @@
               <a:noFill/>
             </a:ln>
             <a:extLst>
-              <a:ext uri="{91240B29-F687-4f45-9708-019B960494DF}">
-                <a14:hiddenLine xmlns:a14="http://schemas.microsoft.com/office/drawing/2010/main" xmlns="" w="9525">
+              <a:ext uri="{91240B29-F687-4F45-9708-019B960494DF}">
+                <a14:hiddenLine xmlns:a14="http://schemas.microsoft.com/office/drawing/2010/main" w="9525">
                   <a:solidFill>
                     <a:srgbClr val="000000"/>
                   </a:solidFill>
@@ -2582,8 +2605,8 @@
               <a:noFill/>
             </a:ln>
             <a:extLst>
-              <a:ext uri="{91240B29-F687-4f45-9708-019B960494DF}">
-                <a14:hiddenLine xmlns:a14="http://schemas.microsoft.com/office/drawing/2010/main" xmlns="" w="9525">
+              <a:ext uri="{91240B29-F687-4F45-9708-019B960494DF}">
+                <a14:hiddenLine xmlns:a14="http://schemas.microsoft.com/office/drawing/2010/main" w="9525">
                   <a:solidFill>
                     <a:srgbClr val="000000"/>
                   </a:solidFill>
@@ -2672,8 +2695,8 @@
               <a:noFill/>
             </a:ln>
             <a:extLst>
-              <a:ext uri="{91240B29-F687-4f45-9708-019B960494DF}">
-                <a14:hiddenLine xmlns:a14="http://schemas.microsoft.com/office/drawing/2010/main" xmlns="" w="9525">
+              <a:ext uri="{91240B29-F687-4F45-9708-019B960494DF}">
+                <a14:hiddenLine xmlns:a14="http://schemas.microsoft.com/office/drawing/2010/main" w="9525">
                   <a:solidFill>
                     <a:srgbClr val="000000"/>
                   </a:solidFill>
@@ -2740,8 +2763,8 @@
               <a:noFill/>
             </a:ln>
             <a:extLst>
-              <a:ext uri="{91240B29-F687-4f45-9708-019B960494DF}">
-                <a14:hiddenLine xmlns:a14="http://schemas.microsoft.com/office/drawing/2010/main" xmlns="" w="9525">
+              <a:ext uri="{91240B29-F687-4F45-9708-019B960494DF}">
+                <a14:hiddenLine xmlns:a14="http://schemas.microsoft.com/office/drawing/2010/main" w="9525">
                   <a:solidFill>
                     <a:srgbClr val="000000"/>
                   </a:solidFill>
@@ -2802,8 +2825,8 @@
               <a:noFill/>
             </a:ln>
             <a:extLst>
-              <a:ext uri="{91240B29-F687-4f45-9708-019B960494DF}">
-                <a14:hiddenLine xmlns:a14="http://schemas.microsoft.com/office/drawing/2010/main" xmlns="" w="9525">
+              <a:ext uri="{91240B29-F687-4F45-9708-019B960494DF}">
+                <a14:hiddenLine xmlns:a14="http://schemas.microsoft.com/office/drawing/2010/main" w="9525">
                   <a:solidFill>
                     <a:srgbClr val="000000"/>
                   </a:solidFill>
@@ -2892,8 +2915,8 @@
               <a:noFill/>
             </a:ln>
             <a:extLst>
-              <a:ext uri="{91240B29-F687-4f45-9708-019B960494DF}">
-                <a14:hiddenLine xmlns:a14="http://schemas.microsoft.com/office/drawing/2010/main" xmlns="" w="9525">
+              <a:ext uri="{91240B29-F687-4F45-9708-019B960494DF}">
+                <a14:hiddenLine xmlns:a14="http://schemas.microsoft.com/office/drawing/2010/main" w="9525">
                   <a:solidFill>
                     <a:srgbClr val="000000"/>
                   </a:solidFill>
@@ -2954,8 +2977,8 @@
               <a:noFill/>
             </a:ln>
             <a:extLst>
-              <a:ext uri="{91240B29-F687-4f45-9708-019B960494DF}">
-                <a14:hiddenLine xmlns:a14="http://schemas.microsoft.com/office/drawing/2010/main" xmlns="" w="9525">
+              <a:ext uri="{91240B29-F687-4F45-9708-019B960494DF}">
+                <a14:hiddenLine xmlns:a14="http://schemas.microsoft.com/office/drawing/2010/main" w="9525">
                   <a:solidFill>
                     <a:srgbClr val="000000"/>
                   </a:solidFill>
@@ -3044,8 +3067,8 @@
               <a:noFill/>
             </a:ln>
             <a:extLst>
-              <a:ext uri="{91240B29-F687-4f45-9708-019B960494DF}">
-                <a14:hiddenLine xmlns:a14="http://schemas.microsoft.com/office/drawing/2010/main" xmlns="" w="9525">
+              <a:ext uri="{91240B29-F687-4F45-9708-019B960494DF}">
+                <a14:hiddenLine xmlns:a14="http://schemas.microsoft.com/office/drawing/2010/main" w="9525">
                   <a:solidFill>
                     <a:srgbClr val="000000"/>
                   </a:solidFill>
@@ -3106,8 +3129,8 @@
               <a:noFill/>
             </a:ln>
             <a:extLst>
-              <a:ext uri="{91240B29-F687-4f45-9708-019B960494DF}">
-                <a14:hiddenLine xmlns:a14="http://schemas.microsoft.com/office/drawing/2010/main" xmlns="" w="9525">
+              <a:ext uri="{91240B29-F687-4F45-9708-019B960494DF}">
+                <a14:hiddenLine xmlns:a14="http://schemas.microsoft.com/office/drawing/2010/main" w="9525">
                   <a:solidFill>
                     <a:srgbClr val="000000"/>
                   </a:solidFill>
@@ -3196,8 +3219,8 @@
               <a:noFill/>
             </a:ln>
             <a:extLst>
-              <a:ext uri="{91240B29-F687-4f45-9708-019B960494DF}">
-                <a14:hiddenLine xmlns:a14="http://schemas.microsoft.com/office/drawing/2010/main" xmlns="" w="9525">
+              <a:ext uri="{91240B29-F687-4F45-9708-019B960494DF}">
+                <a14:hiddenLine xmlns:a14="http://schemas.microsoft.com/office/drawing/2010/main" w="9525">
                   <a:solidFill>
                     <a:srgbClr val="000000"/>
                   </a:solidFill>
@@ -3230,8 +3253,8 @@
               <a:noFill/>
             </a:ln>
             <a:extLst>
-              <a:ext uri="{91240B29-F687-4f45-9708-019B960494DF}">
-                <a14:hiddenLine xmlns:a14="http://schemas.microsoft.com/office/drawing/2010/main" xmlns="" w="9525">
+              <a:ext uri="{91240B29-F687-4F45-9708-019B960494DF}">
+                <a14:hiddenLine xmlns:a14="http://schemas.microsoft.com/office/drawing/2010/main" w="9525">
                   <a:solidFill>
                     <a:srgbClr val="000000"/>
                   </a:solidFill>
@@ -3295,8 +3318,8 @@
               <a:noFill/>
             </a:ln>
             <a:extLst>
-              <a:ext uri="{91240B29-F687-4f45-9708-019B960494DF}">
-                <a14:hiddenLine xmlns:a14="http://schemas.microsoft.com/office/drawing/2010/main" xmlns="" w="9525">
+              <a:ext uri="{91240B29-F687-4F45-9708-019B960494DF}">
+                <a14:hiddenLine xmlns:a14="http://schemas.microsoft.com/office/drawing/2010/main" w="9525">
                   <a:solidFill>
                     <a:srgbClr val="000000"/>
                   </a:solidFill>
@@ -3385,8 +3408,8 @@
               <a:noFill/>
             </a:ln>
             <a:extLst>
-              <a:ext uri="{91240B29-F687-4f45-9708-019B960494DF}">
-                <a14:hiddenLine xmlns:a14="http://schemas.microsoft.com/office/drawing/2010/main" xmlns="" w="9525">
+              <a:ext uri="{91240B29-F687-4F45-9708-019B960494DF}">
+                <a14:hiddenLine xmlns:a14="http://schemas.microsoft.com/office/drawing/2010/main" w="9525">
                   <a:solidFill>
                     <a:srgbClr val="000000"/>
                   </a:solidFill>
@@ -3447,8 +3470,8 @@
               <a:noFill/>
             </a:ln>
             <a:extLst>
-              <a:ext uri="{91240B29-F687-4f45-9708-019B960494DF}">
-                <a14:hiddenLine xmlns:a14="http://schemas.microsoft.com/office/drawing/2010/main" xmlns="" w="9525">
+              <a:ext uri="{91240B29-F687-4F45-9708-019B960494DF}">
+                <a14:hiddenLine xmlns:a14="http://schemas.microsoft.com/office/drawing/2010/main" w="9525">
                   <a:solidFill>
                     <a:srgbClr val="000000"/>
                   </a:solidFill>
@@ -3537,8 +3560,8 @@
               <a:noFill/>
             </a:ln>
             <a:extLst>
-              <a:ext uri="{91240B29-F687-4f45-9708-019B960494DF}">
-                <a14:hiddenLine xmlns:a14="http://schemas.microsoft.com/office/drawing/2010/main" xmlns="" w="9525">
+              <a:ext uri="{91240B29-F687-4F45-9708-019B960494DF}">
+                <a14:hiddenLine xmlns:a14="http://schemas.microsoft.com/office/drawing/2010/main" w="9525">
                   <a:solidFill>
                     <a:srgbClr val="000000"/>
                   </a:solidFill>
@@ -3627,8 +3650,8 @@
               <a:noFill/>
             </a:ln>
             <a:extLst>
-              <a:ext uri="{91240B29-F687-4f45-9708-019B960494DF}">
-                <a14:hiddenLine xmlns:a14="http://schemas.microsoft.com/office/drawing/2010/main" xmlns="" w="9525">
+              <a:ext uri="{91240B29-F687-4F45-9708-019B960494DF}">
+                <a14:hiddenLine xmlns:a14="http://schemas.microsoft.com/office/drawing/2010/main" w="9525">
                   <a:solidFill>
                     <a:srgbClr val="000000"/>
                   </a:solidFill>
@@ -3692,8 +3715,8 @@
               <a:noFill/>
             </a:ln>
             <a:extLst>
-              <a:ext uri="{91240B29-F687-4f45-9708-019B960494DF}">
-                <a14:hiddenLine xmlns:a14="http://schemas.microsoft.com/office/drawing/2010/main" xmlns="" w="9525">
+              <a:ext uri="{91240B29-F687-4F45-9708-019B960494DF}">
+                <a14:hiddenLine xmlns:a14="http://schemas.microsoft.com/office/drawing/2010/main" w="9525">
                   <a:solidFill>
                     <a:srgbClr val="000000"/>
                   </a:solidFill>
@@ -3754,8 +3777,8 @@
               <a:noFill/>
             </a:ln>
             <a:extLst>
-              <a:ext uri="{91240B29-F687-4f45-9708-019B960494DF}">
-                <a14:hiddenLine xmlns:a14="http://schemas.microsoft.com/office/drawing/2010/main" xmlns="" w="9525">
+              <a:ext uri="{91240B29-F687-4F45-9708-019B960494DF}">
+                <a14:hiddenLine xmlns:a14="http://schemas.microsoft.com/office/drawing/2010/main" w="9525">
                   <a:solidFill>
                     <a:srgbClr val="000000"/>
                   </a:solidFill>
@@ -3844,8 +3867,8 @@
               <a:noFill/>
             </a:ln>
             <a:extLst>
-              <a:ext uri="{91240B29-F687-4f45-9708-019B960494DF}">
-                <a14:hiddenLine xmlns:a14="http://schemas.microsoft.com/office/drawing/2010/main" xmlns="" w="9525">
+              <a:ext uri="{91240B29-F687-4F45-9708-019B960494DF}">
+                <a14:hiddenLine xmlns:a14="http://schemas.microsoft.com/office/drawing/2010/main" w="9525">
                   <a:solidFill>
                     <a:srgbClr val="000000"/>
                   </a:solidFill>
@@ -3934,8 +3957,8 @@
               <a:noFill/>
             </a:ln>
             <a:extLst>
-              <a:ext uri="{91240B29-F687-4f45-9708-019B960494DF}">
-                <a14:hiddenLine xmlns:a14="http://schemas.microsoft.com/office/drawing/2010/main" xmlns="" w="9525">
+              <a:ext uri="{91240B29-F687-4F45-9708-019B960494DF}">
+                <a14:hiddenLine xmlns:a14="http://schemas.microsoft.com/office/drawing/2010/main" w="9525">
                   <a:solidFill>
                     <a:srgbClr val="000000"/>
                   </a:solidFill>
@@ -3996,8 +4019,8 @@
               <a:noFill/>
             </a:ln>
             <a:extLst>
-              <a:ext uri="{91240B29-F687-4f45-9708-019B960494DF}">
-                <a14:hiddenLine xmlns:a14="http://schemas.microsoft.com/office/drawing/2010/main" xmlns="" w="9525">
+              <a:ext uri="{91240B29-F687-4F45-9708-019B960494DF}">
+                <a14:hiddenLine xmlns:a14="http://schemas.microsoft.com/office/drawing/2010/main" w="9525">
                   <a:solidFill>
                     <a:srgbClr val="000000"/>
                   </a:solidFill>
@@ -4116,8 +4139,8 @@
               <a:noFill/>
             </a:ln>
             <a:extLst>
-              <a:ext uri="{91240B29-F687-4f45-9708-019B960494DF}">
-                <a14:hiddenLine xmlns:a14="http://schemas.microsoft.com/office/drawing/2010/main" xmlns="" w="9525">
+              <a:ext uri="{91240B29-F687-4F45-9708-019B960494DF}">
+                <a14:hiddenLine xmlns:a14="http://schemas.microsoft.com/office/drawing/2010/main" w="9525">
                   <a:solidFill>
                     <a:srgbClr val="000000"/>
                   </a:solidFill>
@@ -4184,8 +4207,8 @@
               <a:noFill/>
             </a:ln>
             <a:extLst>
-              <a:ext uri="{91240B29-F687-4f45-9708-019B960494DF}">
-                <a14:hiddenLine xmlns:a14="http://schemas.microsoft.com/office/drawing/2010/main" xmlns="" w="9525">
+              <a:ext uri="{91240B29-F687-4F45-9708-019B960494DF}">
+                <a14:hiddenLine xmlns:a14="http://schemas.microsoft.com/office/drawing/2010/main" w="9525">
                   <a:solidFill>
                     <a:srgbClr val="000000"/>
                   </a:solidFill>
@@ -4274,8 +4297,8 @@
               <a:noFill/>
             </a:ln>
             <a:extLst>
-              <a:ext uri="{91240B29-F687-4f45-9708-019B960494DF}">
-                <a14:hiddenLine xmlns:a14="http://schemas.microsoft.com/office/drawing/2010/main" xmlns="" w="9525">
+              <a:ext uri="{91240B29-F687-4F45-9708-019B960494DF}">
+                <a14:hiddenLine xmlns:a14="http://schemas.microsoft.com/office/drawing/2010/main" w="9525">
                   <a:solidFill>
                     <a:srgbClr val="000000"/>
                   </a:solidFill>
@@ -4415,7 +4438,7 @@
           <a:p>
             <a:fld id="{48A87A34-81AB-432B-8DAE-1953F412C126}" type="datetimeFigureOut">
               <a:rPr lang="en-US" dirty="0"/>
-              <a:t>12/14/2016</a:t>
+              <a:t>6/21/2017</a:t>
             </a:fld>
             <a:endParaRPr lang="en-US" dirty="0"/>
           </a:p>
@@ -4677,7 +4700,7 @@
           <a:p>
             <a:fld id="{48A87A34-81AB-432B-8DAE-1953F412C126}" type="datetimeFigureOut">
               <a:rPr lang="en-US" dirty="0"/>
-              <a:t>12/14/2016</a:t>
+              <a:t>6/21/2017</a:t>
             </a:fld>
             <a:endParaRPr lang="en-US" dirty="0"/>
           </a:p>
@@ -4868,7 +4891,7 @@
           <a:p>
             <a:fld id="{48A87A34-81AB-432B-8DAE-1953F412C126}" type="datetimeFigureOut">
               <a:rPr lang="en-US" dirty="0"/>
-              <a:t>12/14/2016</a:t>
+              <a:t>6/21/2017</a:t>
             </a:fld>
             <a:endParaRPr lang="en-US" dirty="0"/>
           </a:p>
@@ -5126,7 +5149,7 @@
           <a:p>
             <a:fld id="{48A87A34-81AB-432B-8DAE-1953F412C126}" type="datetimeFigureOut">
               <a:rPr lang="en-US" dirty="0"/>
-              <a:t>12/14/2016</a:t>
+              <a:t>6/21/2017</a:t>
             </a:fld>
             <a:endParaRPr lang="en-US" dirty="0"/>
           </a:p>
@@ -5555,7 +5578,7 @@
           <a:p>
             <a:fld id="{48A87A34-81AB-432B-8DAE-1953F412C126}" type="datetimeFigureOut">
               <a:rPr lang="en-US" dirty="0"/>
-              <a:t>12/14/2016</a:t>
+              <a:t>6/21/2017</a:t>
             </a:fld>
             <a:endParaRPr lang="en-US" dirty="0"/>
           </a:p>
@@ -6096,7 +6119,7 @@
           <a:p>
             <a:fld id="{48A87A34-81AB-432B-8DAE-1953F412C126}" type="datetimeFigureOut">
               <a:rPr lang="en-US" dirty="0"/>
-              <a:t>12/14/2016</a:t>
+              <a:t>6/21/2017</a:t>
             </a:fld>
             <a:endParaRPr lang="en-US" dirty="0"/>
           </a:p>
@@ -6811,7 +6834,7 @@
           <a:p>
             <a:fld id="{48A87A34-81AB-432B-8DAE-1953F412C126}" type="datetimeFigureOut">
               <a:rPr lang="en-US" dirty="0"/>
-              <a:t>12/14/2016</a:t>
+              <a:t>6/21/2017</a:t>
             </a:fld>
             <a:endParaRPr lang="en-US" dirty="0"/>
           </a:p>
@@ -6976,7 +6999,7 @@
           <a:p>
             <a:fld id="{48A87A34-81AB-432B-8DAE-1953F412C126}" type="datetimeFigureOut">
               <a:rPr lang="en-US" dirty="0"/>
-              <a:t>12/14/2016</a:t>
+              <a:t>6/21/2017</a:t>
             </a:fld>
             <a:endParaRPr lang="en-US" dirty="0"/>
           </a:p>
@@ -7151,7 +7174,7 @@
           <a:p>
             <a:fld id="{48A87A34-81AB-432B-8DAE-1953F412C126}" type="datetimeFigureOut">
               <a:rPr lang="en-US" dirty="0"/>
-              <a:t>12/14/2016</a:t>
+              <a:t>6/21/2017</a:t>
             </a:fld>
             <a:endParaRPr lang="en-US" dirty="0"/>
           </a:p>
@@ -7316,7 +7339,7 @@
           <a:p>
             <a:fld id="{48A87A34-81AB-432B-8DAE-1953F412C126}" type="datetimeFigureOut">
               <a:rPr lang="en-US" dirty="0"/>
-              <a:t>12/14/2016</a:t>
+              <a:t>6/21/2017</a:t>
             </a:fld>
             <a:endParaRPr lang="en-US" dirty="0"/>
           </a:p>
@@ -7561,7 +7584,7 @@
           <a:p>
             <a:fld id="{48A87A34-81AB-432B-8DAE-1953F412C126}" type="datetimeFigureOut">
               <a:rPr lang="en-US" dirty="0"/>
-              <a:t>12/14/2016</a:t>
+              <a:t>6/21/2017</a:t>
             </a:fld>
             <a:endParaRPr lang="en-US" dirty="0"/>
           </a:p>
@@ -7788,7 +7811,7 @@
           <a:p>
             <a:fld id="{48A87A34-81AB-432B-8DAE-1953F412C126}" type="datetimeFigureOut">
               <a:rPr lang="en-US" dirty="0"/>
-              <a:t>12/14/2016</a:t>
+              <a:t>6/21/2017</a:t>
             </a:fld>
             <a:endParaRPr lang="en-US" dirty="0"/>
           </a:p>
@@ -8164,7 +8187,7 @@
           <a:p>
             <a:fld id="{48A87A34-81AB-432B-8DAE-1953F412C126}" type="datetimeFigureOut">
               <a:rPr lang="en-US" dirty="0"/>
-              <a:t>12/14/2016</a:t>
+              <a:t>6/21/2017</a:t>
             </a:fld>
             <a:endParaRPr lang="en-US" dirty="0"/>
           </a:p>
@@ -8277,7 +8300,7 @@
           <a:p>
             <a:fld id="{48A87A34-81AB-432B-8DAE-1953F412C126}" type="datetimeFigureOut">
               <a:rPr lang="en-US" dirty="0"/>
-              <a:t>12/14/2016</a:t>
+              <a:t>6/21/2017</a:t>
             </a:fld>
             <a:endParaRPr lang="en-US" dirty="0"/>
           </a:p>
@@ -8367,7 +8390,7 @@
           <a:p>
             <a:fld id="{48A87A34-81AB-432B-8DAE-1953F412C126}" type="datetimeFigureOut">
               <a:rPr lang="en-US" dirty="0"/>
-              <a:t>12/14/2016</a:t>
+              <a:t>6/21/2017</a:t>
             </a:fld>
             <a:endParaRPr lang="en-US" dirty="0"/>
           </a:p>
@@ -8611,7 +8634,7 @@
           <a:p>
             <a:fld id="{48A87A34-81AB-432B-8DAE-1953F412C126}" type="datetimeFigureOut">
               <a:rPr lang="en-US" dirty="0"/>
-              <a:t>12/14/2016</a:t>
+              <a:t>6/21/2017</a:t>
             </a:fld>
             <a:endParaRPr lang="en-US" dirty="0"/>
           </a:p>
@@ -8886,7 +8909,7 @@
           <a:p>
             <a:fld id="{48A87A34-81AB-432B-8DAE-1953F412C126}" type="datetimeFigureOut">
               <a:rPr lang="en-US" dirty="0"/>
-              <a:t>12/14/2016</a:t>
+              <a:t>6/21/2017</a:t>
             </a:fld>
             <a:endParaRPr lang="en-US" dirty="0"/>
           </a:p>
@@ -9003,8 +9026,8 @@
           </a:prstGeom>
           <a:noFill/>
           <a:extLst>
-            <a:ext uri="{909E8E84-426E-40dd-AFC4-6F175D3DCCD1}">
-              <a14:hiddenFill xmlns:a14="http://schemas.microsoft.com/office/drawing/2010/main" xmlns="">
+            <a:ext uri="{909E8E84-426E-40DD-AFC4-6F175D3DCCD1}">
+              <a14:hiddenFill xmlns:a14="http://schemas.microsoft.com/office/drawing/2010/main">
                 <a:solidFill>
                   <a:srgbClr val="FFFFFF"/>
                 </a:solidFill>
@@ -9077,8 +9100,8 @@
                 <a:noFill/>
               </a:ln>
               <a:extLst>
-                <a:ext uri="{91240B29-F687-4f45-9708-019B960494DF}">
-                  <a14:hiddenLine xmlns:a14="http://schemas.microsoft.com/office/drawing/2010/main" xmlns="" w="9525">
+                <a:ext uri="{91240B29-F687-4F45-9708-019B960494DF}">
+                  <a14:hiddenLine xmlns:a14="http://schemas.microsoft.com/office/drawing/2010/main" w="9525">
                     <a:solidFill>
                       <a:srgbClr val="000000"/>
                     </a:solidFill>
@@ -9167,8 +9190,8 @@
                 <a:noFill/>
               </a:ln>
               <a:extLst>
-                <a:ext uri="{91240B29-F687-4f45-9708-019B960494DF}">
-                  <a14:hiddenLine xmlns:a14="http://schemas.microsoft.com/office/drawing/2010/main" xmlns="" w="9525">
+                <a:ext uri="{91240B29-F687-4F45-9708-019B960494DF}">
+                  <a14:hiddenLine xmlns:a14="http://schemas.microsoft.com/office/drawing/2010/main" w="9525">
                     <a:solidFill>
                       <a:srgbClr val="000000"/>
                     </a:solidFill>
@@ -9257,8 +9280,8 @@
                 <a:noFill/>
               </a:ln>
               <a:extLst>
-                <a:ext uri="{91240B29-F687-4f45-9708-019B960494DF}">
-                  <a14:hiddenLine xmlns:a14="http://schemas.microsoft.com/office/drawing/2010/main" xmlns="" w="9525">
+                <a:ext uri="{91240B29-F687-4F45-9708-019B960494DF}">
+                  <a14:hiddenLine xmlns:a14="http://schemas.microsoft.com/office/drawing/2010/main" w="9525">
                     <a:solidFill>
                       <a:srgbClr val="000000"/>
                     </a:solidFill>
@@ -9319,8 +9342,8 @@
                 <a:noFill/>
               </a:ln>
               <a:extLst>
-                <a:ext uri="{91240B29-F687-4f45-9708-019B960494DF}">
-                  <a14:hiddenLine xmlns:a14="http://schemas.microsoft.com/office/drawing/2010/main" xmlns="" w="9525">
+                <a:ext uri="{91240B29-F687-4F45-9708-019B960494DF}">
+                  <a14:hiddenLine xmlns:a14="http://schemas.microsoft.com/office/drawing/2010/main" w="9525">
                     <a:solidFill>
                       <a:srgbClr val="000000"/>
                     </a:solidFill>
@@ -9409,8 +9432,8 @@
                 <a:noFill/>
               </a:ln>
               <a:extLst>
-                <a:ext uri="{91240B29-F687-4f45-9708-019B960494DF}">
-                  <a14:hiddenLine xmlns:a14="http://schemas.microsoft.com/office/drawing/2010/main" xmlns="" w="9525">
+                <a:ext uri="{91240B29-F687-4F45-9708-019B960494DF}">
+                  <a14:hiddenLine xmlns:a14="http://schemas.microsoft.com/office/drawing/2010/main" w="9525">
                     <a:solidFill>
                       <a:srgbClr val="000000"/>
                     </a:solidFill>
@@ -9471,8 +9494,8 @@
                 <a:noFill/>
               </a:ln>
               <a:extLst>
-                <a:ext uri="{91240B29-F687-4f45-9708-019B960494DF}">
-                  <a14:hiddenLine xmlns:a14="http://schemas.microsoft.com/office/drawing/2010/main" xmlns="" w="9525">
+                <a:ext uri="{91240B29-F687-4F45-9708-019B960494DF}">
+                  <a14:hiddenLine xmlns:a14="http://schemas.microsoft.com/office/drawing/2010/main" w="9525">
                     <a:solidFill>
                       <a:srgbClr val="000000"/>
                     </a:solidFill>
@@ -9533,8 +9556,8 @@
                 <a:noFill/>
               </a:ln>
               <a:extLst>
-                <a:ext uri="{91240B29-F687-4f45-9708-019B960494DF}">
-                  <a14:hiddenLine xmlns:a14="http://schemas.microsoft.com/office/drawing/2010/main" xmlns="" w="9525">
+                <a:ext uri="{91240B29-F687-4F45-9708-019B960494DF}">
+                  <a14:hiddenLine xmlns:a14="http://schemas.microsoft.com/office/drawing/2010/main" w="9525">
                     <a:solidFill>
                       <a:srgbClr val="000000"/>
                     </a:solidFill>
@@ -9623,8 +9646,8 @@
                 <a:noFill/>
               </a:ln>
               <a:extLst>
-                <a:ext uri="{91240B29-F687-4f45-9708-019B960494DF}">
-                  <a14:hiddenLine xmlns:a14="http://schemas.microsoft.com/office/drawing/2010/main" xmlns="" w="9525">
+                <a:ext uri="{91240B29-F687-4F45-9708-019B960494DF}">
+                  <a14:hiddenLine xmlns:a14="http://schemas.microsoft.com/office/drawing/2010/main" w="9525">
                     <a:solidFill>
                       <a:srgbClr val="000000"/>
                     </a:solidFill>
@@ -9713,8 +9736,8 @@
                 <a:noFill/>
               </a:ln>
               <a:extLst>
-                <a:ext uri="{91240B29-F687-4f45-9708-019B960494DF}">
-                  <a14:hiddenLine xmlns:a14="http://schemas.microsoft.com/office/drawing/2010/main" xmlns="" w="9525">
+                <a:ext uri="{91240B29-F687-4F45-9708-019B960494DF}">
+                  <a14:hiddenLine xmlns:a14="http://schemas.microsoft.com/office/drawing/2010/main" w="9525">
                     <a:solidFill>
                       <a:srgbClr val="000000"/>
                     </a:solidFill>
@@ -9775,8 +9798,8 @@
                 <a:noFill/>
               </a:ln>
               <a:extLst>
-                <a:ext uri="{91240B29-F687-4f45-9708-019B960494DF}">
-                  <a14:hiddenLine xmlns:a14="http://schemas.microsoft.com/office/drawing/2010/main" xmlns="" w="9525">
+                <a:ext uri="{91240B29-F687-4F45-9708-019B960494DF}">
+                  <a14:hiddenLine xmlns:a14="http://schemas.microsoft.com/office/drawing/2010/main" w="9525">
                     <a:solidFill>
                       <a:srgbClr val="000000"/>
                     </a:solidFill>
@@ -9885,8 +9908,8 @@
                 <a:noFill/>
               </a:ln>
               <a:extLst>
-                <a:ext uri="{91240B29-F687-4f45-9708-019B960494DF}">
-                  <a14:hiddenLine xmlns:a14="http://schemas.microsoft.com/office/drawing/2010/main" xmlns="" w="9525">
+                <a:ext uri="{91240B29-F687-4F45-9708-019B960494DF}">
+                  <a14:hiddenLine xmlns:a14="http://schemas.microsoft.com/office/drawing/2010/main" w="9525">
                     <a:solidFill>
                       <a:srgbClr val="000000"/>
                     </a:solidFill>
@@ -9969,8 +9992,8 @@
                 <a:noFill/>
               </a:ln>
               <a:extLst>
-                <a:ext uri="{91240B29-F687-4f45-9708-019B960494DF}">
-                  <a14:hiddenLine xmlns:a14="http://schemas.microsoft.com/office/drawing/2010/main" xmlns="" w="9525">
+                <a:ext uri="{91240B29-F687-4F45-9708-019B960494DF}">
+                  <a14:hiddenLine xmlns:a14="http://schemas.microsoft.com/office/drawing/2010/main" w="9525">
                     <a:solidFill>
                       <a:srgbClr val="000000"/>
                     </a:solidFill>
@@ -10031,8 +10054,8 @@
                 <a:noFill/>
               </a:ln>
               <a:extLst>
-                <a:ext uri="{91240B29-F687-4f45-9708-019B960494DF}">
-                  <a14:hiddenLine xmlns:a14="http://schemas.microsoft.com/office/drawing/2010/main" xmlns="" w="9525">
+                <a:ext uri="{91240B29-F687-4F45-9708-019B960494DF}">
+                  <a14:hiddenLine xmlns:a14="http://schemas.microsoft.com/office/drawing/2010/main" w="9525">
                     <a:solidFill>
                       <a:srgbClr val="000000"/>
                     </a:solidFill>
@@ -10093,8 +10116,8 @@
                 <a:noFill/>
               </a:ln>
               <a:extLst>
-                <a:ext uri="{91240B29-F687-4f45-9708-019B960494DF}">
-                  <a14:hiddenLine xmlns:a14="http://schemas.microsoft.com/office/drawing/2010/main" xmlns="" w="9525">
+                <a:ext uri="{91240B29-F687-4F45-9708-019B960494DF}">
+                  <a14:hiddenLine xmlns:a14="http://schemas.microsoft.com/office/drawing/2010/main" w="9525">
                     <a:solidFill>
                       <a:srgbClr val="000000"/>
                     </a:solidFill>
@@ -10183,8 +10206,8 @@
                 <a:noFill/>
               </a:ln>
               <a:extLst>
-                <a:ext uri="{91240B29-F687-4f45-9708-019B960494DF}">
-                  <a14:hiddenLine xmlns:a14="http://schemas.microsoft.com/office/drawing/2010/main" xmlns="" w="9525">
+                <a:ext uri="{91240B29-F687-4F45-9708-019B960494DF}">
+                  <a14:hiddenLine xmlns:a14="http://schemas.microsoft.com/office/drawing/2010/main" w="9525">
                     <a:solidFill>
                       <a:srgbClr val="000000"/>
                     </a:solidFill>
@@ -10217,8 +10240,8 @@
                 <a:noFill/>
               </a:ln>
               <a:extLst>
-                <a:ext uri="{91240B29-F687-4f45-9708-019B960494DF}">
-                  <a14:hiddenLine xmlns:a14="http://schemas.microsoft.com/office/drawing/2010/main" xmlns="" w="9525">
+                <a:ext uri="{91240B29-F687-4F45-9708-019B960494DF}">
+                  <a14:hiddenLine xmlns:a14="http://schemas.microsoft.com/office/drawing/2010/main" w="9525">
                     <a:solidFill>
                       <a:srgbClr val="000000"/>
                     </a:solidFill>
@@ -10282,8 +10305,8 @@
                 <a:noFill/>
               </a:ln>
               <a:extLst>
-                <a:ext uri="{91240B29-F687-4f45-9708-019B960494DF}">
-                  <a14:hiddenLine xmlns:a14="http://schemas.microsoft.com/office/drawing/2010/main" xmlns="" w="9525">
+                <a:ext uri="{91240B29-F687-4F45-9708-019B960494DF}">
+                  <a14:hiddenLine xmlns:a14="http://schemas.microsoft.com/office/drawing/2010/main" w="9525">
                     <a:solidFill>
                       <a:srgbClr val="000000"/>
                     </a:solidFill>
@@ -10372,8 +10395,8 @@
                 <a:noFill/>
               </a:ln>
               <a:extLst>
-                <a:ext uri="{91240B29-F687-4f45-9708-019B960494DF}">
-                  <a14:hiddenLine xmlns:a14="http://schemas.microsoft.com/office/drawing/2010/main" xmlns="" w="9525">
+                <a:ext uri="{91240B29-F687-4F45-9708-019B960494DF}">
+                  <a14:hiddenLine xmlns:a14="http://schemas.microsoft.com/office/drawing/2010/main" w="9525">
                     <a:solidFill>
                       <a:srgbClr val="000000"/>
                     </a:solidFill>
@@ -10434,8 +10457,8 @@
                 <a:noFill/>
               </a:ln>
               <a:extLst>
-                <a:ext uri="{91240B29-F687-4f45-9708-019B960494DF}">
-                  <a14:hiddenLine xmlns:a14="http://schemas.microsoft.com/office/drawing/2010/main" xmlns="" w="9525">
+                <a:ext uri="{91240B29-F687-4F45-9708-019B960494DF}">
+                  <a14:hiddenLine xmlns:a14="http://schemas.microsoft.com/office/drawing/2010/main" w="9525">
                     <a:solidFill>
                       <a:srgbClr val="000000"/>
                     </a:solidFill>
@@ -10524,8 +10547,8 @@
                 <a:noFill/>
               </a:ln>
               <a:extLst>
-                <a:ext uri="{91240B29-F687-4f45-9708-019B960494DF}">
-                  <a14:hiddenLine xmlns:a14="http://schemas.microsoft.com/office/drawing/2010/main" xmlns="" w="9525">
+                <a:ext uri="{91240B29-F687-4F45-9708-019B960494DF}">
+                  <a14:hiddenLine xmlns:a14="http://schemas.microsoft.com/office/drawing/2010/main" w="9525">
                     <a:solidFill>
                       <a:srgbClr val="000000"/>
                     </a:solidFill>
@@ -10589,8 +10612,8 @@
                 <a:noFill/>
               </a:ln>
               <a:extLst>
-                <a:ext uri="{91240B29-F687-4f45-9708-019B960494DF}">
-                  <a14:hiddenLine xmlns:a14="http://schemas.microsoft.com/office/drawing/2010/main" xmlns="" w="9525">
+                <a:ext uri="{91240B29-F687-4F45-9708-019B960494DF}">
+                  <a14:hiddenLine xmlns:a14="http://schemas.microsoft.com/office/drawing/2010/main" w="9525">
                     <a:solidFill>
                       <a:srgbClr val="000000"/>
                     </a:solidFill>
@@ -10651,8 +10674,8 @@
                 <a:noFill/>
               </a:ln>
               <a:extLst>
-                <a:ext uri="{91240B29-F687-4f45-9708-019B960494DF}">
-                  <a14:hiddenLine xmlns:a14="http://schemas.microsoft.com/office/drawing/2010/main" xmlns="" w="9525">
+                <a:ext uri="{91240B29-F687-4F45-9708-019B960494DF}">
+                  <a14:hiddenLine xmlns:a14="http://schemas.microsoft.com/office/drawing/2010/main" w="9525">
                     <a:solidFill>
                       <a:srgbClr val="000000"/>
                     </a:solidFill>
@@ -10741,8 +10764,8 @@
                 <a:noFill/>
               </a:ln>
               <a:extLst>
-                <a:ext uri="{91240B29-F687-4f45-9708-019B960494DF}">
-                  <a14:hiddenLine xmlns:a14="http://schemas.microsoft.com/office/drawing/2010/main" xmlns="" w="9525">
+                <a:ext uri="{91240B29-F687-4F45-9708-019B960494DF}">
+                  <a14:hiddenLine xmlns:a14="http://schemas.microsoft.com/office/drawing/2010/main" w="9525">
                     <a:solidFill>
                       <a:srgbClr val="000000"/>
                     </a:solidFill>
@@ -10831,8 +10854,8 @@
                 <a:noFill/>
               </a:ln>
               <a:extLst>
-                <a:ext uri="{91240B29-F687-4f45-9708-019B960494DF}">
-                  <a14:hiddenLine xmlns:a14="http://schemas.microsoft.com/office/drawing/2010/main" xmlns="" w="9525">
+                <a:ext uri="{91240B29-F687-4F45-9708-019B960494DF}">
+                  <a14:hiddenLine xmlns:a14="http://schemas.microsoft.com/office/drawing/2010/main" w="9525">
                     <a:solidFill>
                       <a:srgbClr val="000000"/>
                     </a:solidFill>
@@ -10896,8 +10919,8 @@
                 <a:noFill/>
               </a:ln>
               <a:extLst>
-                <a:ext uri="{91240B29-F687-4f45-9708-019B960494DF}">
-                  <a14:hiddenLine xmlns:a14="http://schemas.microsoft.com/office/drawing/2010/main" xmlns="" w="9525">
+                <a:ext uri="{91240B29-F687-4F45-9708-019B960494DF}">
+                  <a14:hiddenLine xmlns:a14="http://schemas.microsoft.com/office/drawing/2010/main" w="9525">
                     <a:solidFill>
                       <a:srgbClr val="000000"/>
                     </a:solidFill>
@@ -11016,8 +11039,8 @@
                 <a:noFill/>
               </a:ln>
               <a:extLst>
-                <a:ext uri="{91240B29-F687-4f45-9708-019B960494DF}">
-                  <a14:hiddenLine xmlns:a14="http://schemas.microsoft.com/office/drawing/2010/main" xmlns="" w="9525">
+                <a:ext uri="{91240B29-F687-4F45-9708-019B960494DF}">
+                  <a14:hiddenLine xmlns:a14="http://schemas.microsoft.com/office/drawing/2010/main" w="9525">
                     <a:solidFill>
                       <a:srgbClr val="000000"/>
                     </a:solidFill>
@@ -11097,8 +11120,8 @@
                 <a:noFill/>
               </a:ln>
               <a:extLst>
-                <a:ext uri="{91240B29-F687-4f45-9708-019B960494DF}">
-                  <a14:hiddenLine xmlns:a14="http://schemas.microsoft.com/office/drawing/2010/main" xmlns="" w="9525">
+                <a:ext uri="{91240B29-F687-4F45-9708-019B960494DF}">
+                  <a14:hiddenLine xmlns:a14="http://schemas.microsoft.com/office/drawing/2010/main" w="9525">
                     <a:solidFill>
                       <a:srgbClr val="000000"/>
                     </a:solidFill>
@@ -11212,8 +11235,8 @@
                 <a:noFill/>
               </a:ln>
               <a:extLst>
-                <a:ext uri="{91240B29-F687-4f45-9708-019B960494DF}">
-                  <a14:hiddenLine xmlns:a14="http://schemas.microsoft.com/office/drawing/2010/main" xmlns="" w="9525">
+                <a:ext uri="{91240B29-F687-4F45-9708-019B960494DF}">
+                  <a14:hiddenLine xmlns:a14="http://schemas.microsoft.com/office/drawing/2010/main" w="9525">
                     <a:solidFill>
                       <a:srgbClr val="000000"/>
                     </a:solidFill>
@@ -11302,8 +11325,8 @@
                 <a:noFill/>
               </a:ln>
               <a:extLst>
-                <a:ext uri="{91240B29-F687-4f45-9708-019B960494DF}">
-                  <a14:hiddenLine xmlns:a14="http://schemas.microsoft.com/office/drawing/2010/main" xmlns="" w="9525">
+                <a:ext uri="{91240B29-F687-4F45-9708-019B960494DF}">
+                  <a14:hiddenLine xmlns:a14="http://schemas.microsoft.com/office/drawing/2010/main" w="9525">
                     <a:solidFill>
                       <a:srgbClr val="000000"/>
                     </a:solidFill>
@@ -11367,8 +11390,8 @@
                 <a:noFill/>
               </a:ln>
               <a:extLst>
-                <a:ext uri="{91240B29-F687-4f45-9708-019B960494DF}">
-                  <a14:hiddenLine xmlns:a14="http://schemas.microsoft.com/office/drawing/2010/main" xmlns="" w="9525">
+                <a:ext uri="{91240B29-F687-4F45-9708-019B960494DF}">
+                  <a14:hiddenLine xmlns:a14="http://schemas.microsoft.com/office/drawing/2010/main" w="9525">
                     <a:solidFill>
                       <a:srgbClr val="000000"/>
                     </a:solidFill>
@@ -11457,8 +11480,8 @@
                 <a:noFill/>
               </a:ln>
               <a:extLst>
-                <a:ext uri="{91240B29-F687-4f45-9708-019B960494DF}">
-                  <a14:hiddenLine xmlns:a14="http://schemas.microsoft.com/office/drawing/2010/main" xmlns="" w="9525">
+                <a:ext uri="{91240B29-F687-4F45-9708-019B960494DF}">
+                  <a14:hiddenLine xmlns:a14="http://schemas.microsoft.com/office/drawing/2010/main" w="9525">
                     <a:solidFill>
                       <a:srgbClr val="000000"/>
                     </a:solidFill>
@@ -11525,8 +11548,8 @@
                 <a:noFill/>
               </a:ln>
               <a:extLst>
-                <a:ext uri="{91240B29-F687-4f45-9708-019B960494DF}">
-                  <a14:hiddenLine xmlns:a14="http://schemas.microsoft.com/office/drawing/2010/main" xmlns="" w="9525">
+                <a:ext uri="{91240B29-F687-4F45-9708-019B960494DF}">
+                  <a14:hiddenLine xmlns:a14="http://schemas.microsoft.com/office/drawing/2010/main" w="9525">
                     <a:solidFill>
                       <a:srgbClr val="000000"/>
                     </a:solidFill>
@@ -11615,8 +11638,8 @@
                 <a:noFill/>
               </a:ln>
               <a:extLst>
-                <a:ext uri="{91240B29-F687-4f45-9708-019B960494DF}">
-                  <a14:hiddenLine xmlns:a14="http://schemas.microsoft.com/office/drawing/2010/main" xmlns="" w="9525">
+                <a:ext uri="{91240B29-F687-4F45-9708-019B960494DF}">
+                  <a14:hiddenLine xmlns:a14="http://schemas.microsoft.com/office/drawing/2010/main" w="9525">
                     <a:solidFill>
                       <a:srgbClr val="000000"/>
                     </a:solidFill>
@@ -11683,8 +11706,8 @@
                 <a:noFill/>
               </a:ln>
               <a:extLst>
-                <a:ext uri="{91240B29-F687-4f45-9708-019B960494DF}">
-                  <a14:hiddenLine xmlns:a14="http://schemas.microsoft.com/office/drawing/2010/main" xmlns="" w="9525">
+                <a:ext uri="{91240B29-F687-4F45-9708-019B960494DF}">
+                  <a14:hiddenLine xmlns:a14="http://schemas.microsoft.com/office/drawing/2010/main" w="9525">
                     <a:solidFill>
                       <a:srgbClr val="000000"/>
                     </a:solidFill>
@@ -11773,8 +11796,8 @@
                 <a:noFill/>
               </a:ln>
               <a:extLst>
-                <a:ext uri="{91240B29-F687-4f45-9708-019B960494DF}">
-                  <a14:hiddenLine xmlns:a14="http://schemas.microsoft.com/office/drawing/2010/main" xmlns="" w="9525">
+                <a:ext uri="{91240B29-F687-4F45-9708-019B960494DF}">
+                  <a14:hiddenLine xmlns:a14="http://schemas.microsoft.com/office/drawing/2010/main" w="9525">
                     <a:solidFill>
                       <a:srgbClr val="000000"/>
                     </a:solidFill>
@@ -11807,8 +11830,8 @@
                 <a:noFill/>
               </a:ln>
               <a:extLst>
-                <a:ext uri="{91240B29-F687-4f45-9708-019B960494DF}">
-                  <a14:hiddenLine xmlns:a14="http://schemas.microsoft.com/office/drawing/2010/main" xmlns="" w="9525">
+                <a:ext uri="{91240B29-F687-4F45-9708-019B960494DF}">
+                  <a14:hiddenLine xmlns:a14="http://schemas.microsoft.com/office/drawing/2010/main" w="9525">
                     <a:solidFill>
                       <a:srgbClr val="000000"/>
                     </a:solidFill>
@@ -11949,7 +11972,7 @@
             <a:fld id="{48A87A34-81AB-432B-8DAE-1953F412C126}" type="datetimeFigureOut">
               <a:rPr lang="en-US" dirty="0"/>
               <a:pPr/>
-              <a:t>12/14/2016</a:t>
+              <a:t>6/21/2017</a:t>
             </a:fld>
             <a:endParaRPr lang="en-US" dirty="0"/>
           </a:p>
@@ -12465,7 +12488,7 @@
         </p:blipFill>
         <p:spPr>
           <a:xfrm>
-            <a:off x="7982466" y="2686779"/>
+            <a:off x="8097060" y="2640741"/>
             <a:ext cx="869222" cy="869222"/>
           </a:xfrm>
           <a:prstGeom prst="rect">
@@ -12510,40 +12533,91 @@
           <a:chExt cx="0" cy="0"/>
         </a:xfrm>
       </p:grpSpPr>
-      <p:pic>
-        <p:nvPicPr>
-          <p:cNvPr id="4" name="Grafik 3"/>
-          <p:cNvPicPr>
-            <a:picLocks noChangeAspect="1"/>
-          </p:cNvPicPr>
-          <p:nvPr/>
-        </p:nvPicPr>
-        <p:blipFill>
-          <a:blip r:embed="rId2">
-            <a:extLst>
-              <a:ext uri="{28A0092B-C50C-407E-A947-70E740481C1C}">
-                <a14:useLocalDpi xmlns:a14="http://schemas.microsoft.com/office/drawing/2010/main" val="0"/>
-              </a:ext>
-            </a:extLst>
-          </a:blip>
-          <a:stretch>
-            <a:fillRect/>
-          </a:stretch>
-        </p:blipFill>
-        <p:spPr>
-          <a:xfrm>
-            <a:off x="3213087" y="0"/>
-            <a:ext cx="5765826" cy="6858000"/>
-          </a:xfrm>
-          <a:prstGeom prst="rect">
-            <a:avLst/>
-          </a:prstGeom>
-        </p:spPr>
-      </p:pic>
+      <p:sp>
+        <p:nvSpPr>
+          <p:cNvPr id="2" name="Titel 1"/>
+          <p:cNvSpPr>
+            <a:spLocks noGrp="1"/>
+          </p:cNvSpPr>
+          <p:nvPr>
+            <p:ph type="title"/>
+          </p:nvPr>
+        </p:nvSpPr>
+        <p:spPr/>
+        <p:txBody>
+          <a:bodyPr/>
+          <a:lstStyle/>
+          <a:p>
+            <a:r>
+              <a:rPr lang="de-DE" dirty="0" smtClean="0"/>
+              <a:t>Unsere Methodik</a:t>
+            </a:r>
+            <a:endParaRPr lang="de-DE" dirty="0"/>
+          </a:p>
+        </p:txBody>
+      </p:sp>
+      <p:sp>
+        <p:nvSpPr>
+          <p:cNvPr id="3" name="Inhaltsplatzhalter 2"/>
+          <p:cNvSpPr>
+            <a:spLocks noGrp="1"/>
+          </p:cNvSpPr>
+          <p:nvPr>
+            <p:ph idx="1"/>
+          </p:nvPr>
+        </p:nvSpPr>
+        <p:spPr/>
+        <p:txBody>
+          <a:bodyPr/>
+          <a:lstStyle/>
+          <a:p>
+            <a:r>
+              <a:rPr lang="de-DE" dirty="0"/>
+              <a:t>Projektzerlegung und in Phasen geteilte Spezifizierung</a:t>
+            </a:r>
+          </a:p>
+          <a:p>
+            <a:pPr lvl="1"/>
+            <a:r>
+              <a:rPr lang="de-DE" dirty="0"/>
+              <a:t>Nutzen des RUP (Rational Unified </a:t>
+            </a:r>
+            <a:r>
+              <a:rPr lang="de-DE" dirty="0" err="1"/>
+              <a:t>Process</a:t>
+            </a:r>
+            <a:r>
+              <a:rPr lang="de-DE" dirty="0"/>
+              <a:t>)</a:t>
+            </a:r>
+          </a:p>
+          <a:p>
+            <a:pPr lvl="1"/>
+            <a:r>
+              <a:rPr lang="de-DE" dirty="0"/>
+              <a:t>Frühe tiefgehende architektonische Planung</a:t>
+            </a:r>
+          </a:p>
+          <a:p>
+            <a:pPr lvl="1"/>
+            <a:r>
+              <a:rPr lang="de-DE" dirty="0"/>
+              <a:t>Iterative phasengeteilte Vorgehensweise ermöglicht leichte spätere Änderungen</a:t>
+            </a:r>
+          </a:p>
+          <a:p>
+            <a:endParaRPr lang="de-DE" dirty="0" smtClean="0"/>
+          </a:p>
+          <a:p>
+            <a:pPr lvl="1"/>
+            <a:endParaRPr lang="de-DE" dirty="0" smtClean="0"/>
+          </a:p>
+        </p:txBody>
+      </p:sp>
     </p:spTree>
     <p:extLst>
       <p:ext uri="{BB962C8B-B14F-4D97-AF65-F5344CB8AC3E}">
-        <p14:creationId xmlns:p14="http://schemas.microsoft.com/office/powerpoint/2010/main" val="1850984519"/>
+        <p14:creationId xmlns:p14="http://schemas.microsoft.com/office/powerpoint/2010/main" val="705459828"/>
       </p:ext>
     </p:extLst>
   </p:cSld>
@@ -12553,7 +12627,190 @@
   <p:timing>
     <p:tnLst>
       <p:par>
-        <p:cTn id="1" dur="indefinite" restart="never" nodeType="tmRoot"/>
+        <p:cTn id="1" dur="indefinite" restart="never" nodeType="tmRoot">
+          <p:childTnLst>
+            <p:seq concurrent="1" nextAc="seek">
+              <p:cTn id="2" dur="indefinite" nodeType="mainSeq">
+                <p:childTnLst>
+                  <p:par>
+                    <p:cTn id="3" fill="hold">
+                      <p:stCondLst>
+                        <p:cond delay="indefinite"/>
+                      </p:stCondLst>
+                      <p:childTnLst>
+                        <p:par>
+                          <p:cTn id="4" fill="hold">
+                            <p:stCondLst>
+                              <p:cond delay="0"/>
+                            </p:stCondLst>
+                            <p:childTnLst>
+                              <p:par>
+                                <p:cTn id="5" presetID="1" presetClass="entr" presetSubtype="0" fill="hold" nodeType="clickEffect">
+                                  <p:stCondLst>
+                                    <p:cond delay="0"/>
+                                  </p:stCondLst>
+                                  <p:childTnLst>
+                                    <p:set>
+                                      <p:cBhvr>
+                                        <p:cTn id="6" dur="1" fill="hold">
+                                          <p:stCondLst>
+                                            <p:cond delay="0"/>
+                                          </p:stCondLst>
+                                        </p:cTn>
+                                        <p:tgtEl>
+                                          <p:spTgt spid="3">
+                                            <p:txEl>
+                                              <p:pRg st="0" end="0"/>
+                                            </p:txEl>
+                                          </p:spTgt>
+                                        </p:tgtEl>
+                                        <p:attrNameLst>
+                                          <p:attrName>style.visibility</p:attrName>
+                                        </p:attrNameLst>
+                                      </p:cBhvr>
+                                      <p:to>
+                                        <p:strVal val="visible"/>
+                                      </p:to>
+                                    </p:set>
+                                  </p:childTnLst>
+                                </p:cTn>
+                              </p:par>
+                            </p:childTnLst>
+                          </p:cTn>
+                        </p:par>
+                      </p:childTnLst>
+                    </p:cTn>
+                  </p:par>
+                  <p:par>
+                    <p:cTn id="7" fill="hold">
+                      <p:stCondLst>
+                        <p:cond delay="indefinite"/>
+                      </p:stCondLst>
+                      <p:childTnLst>
+                        <p:par>
+                          <p:cTn id="8" fill="hold">
+                            <p:stCondLst>
+                              <p:cond delay="0"/>
+                            </p:stCondLst>
+                            <p:childTnLst>
+                              <p:par>
+                                <p:cTn id="9" presetID="1" presetClass="entr" presetSubtype="0" fill="hold" nodeType="clickEffect">
+                                  <p:stCondLst>
+                                    <p:cond delay="0"/>
+                                  </p:stCondLst>
+                                  <p:childTnLst>
+                                    <p:set>
+                                      <p:cBhvr>
+                                        <p:cTn id="10" dur="1" fill="hold">
+                                          <p:stCondLst>
+                                            <p:cond delay="0"/>
+                                          </p:stCondLst>
+                                        </p:cTn>
+                                        <p:tgtEl>
+                                          <p:spTgt spid="3">
+                                            <p:txEl>
+                                              <p:pRg st="1" end="1"/>
+                                            </p:txEl>
+                                          </p:spTgt>
+                                        </p:tgtEl>
+                                        <p:attrNameLst>
+                                          <p:attrName>style.visibility</p:attrName>
+                                        </p:attrNameLst>
+                                      </p:cBhvr>
+                                      <p:to>
+                                        <p:strVal val="visible"/>
+                                      </p:to>
+                                    </p:set>
+                                  </p:childTnLst>
+                                </p:cTn>
+                              </p:par>
+                              <p:par>
+                                <p:cTn id="11" presetID="1" presetClass="entr" presetSubtype="0" fill="hold" nodeType="withEffect">
+                                  <p:stCondLst>
+                                    <p:cond delay="0"/>
+                                  </p:stCondLst>
+                                  <p:childTnLst>
+                                    <p:set>
+                                      <p:cBhvr>
+                                        <p:cTn id="12" dur="1" fill="hold">
+                                          <p:stCondLst>
+                                            <p:cond delay="0"/>
+                                          </p:stCondLst>
+                                        </p:cTn>
+                                        <p:tgtEl>
+                                          <p:spTgt spid="3">
+                                            <p:txEl>
+                                              <p:pRg st="2" end="2"/>
+                                            </p:txEl>
+                                          </p:spTgt>
+                                        </p:tgtEl>
+                                        <p:attrNameLst>
+                                          <p:attrName>style.visibility</p:attrName>
+                                        </p:attrNameLst>
+                                      </p:cBhvr>
+                                      <p:to>
+                                        <p:strVal val="visible"/>
+                                      </p:to>
+                                    </p:set>
+                                  </p:childTnLst>
+                                </p:cTn>
+                              </p:par>
+                              <p:par>
+                                <p:cTn id="13" presetID="1" presetClass="entr" presetSubtype="0" fill="hold" nodeType="withEffect">
+                                  <p:stCondLst>
+                                    <p:cond delay="0"/>
+                                  </p:stCondLst>
+                                  <p:childTnLst>
+                                    <p:set>
+                                      <p:cBhvr>
+                                        <p:cTn id="14" dur="1" fill="hold">
+                                          <p:stCondLst>
+                                            <p:cond delay="0"/>
+                                          </p:stCondLst>
+                                        </p:cTn>
+                                        <p:tgtEl>
+                                          <p:spTgt spid="3">
+                                            <p:txEl>
+                                              <p:pRg st="3" end="3"/>
+                                            </p:txEl>
+                                          </p:spTgt>
+                                        </p:tgtEl>
+                                        <p:attrNameLst>
+                                          <p:attrName>style.visibility</p:attrName>
+                                        </p:attrNameLst>
+                                      </p:cBhvr>
+                                      <p:to>
+                                        <p:strVal val="visible"/>
+                                      </p:to>
+                                    </p:set>
+                                  </p:childTnLst>
+                                </p:cTn>
+                              </p:par>
+                            </p:childTnLst>
+                          </p:cTn>
+                        </p:par>
+                      </p:childTnLst>
+                    </p:cTn>
+                  </p:par>
+                </p:childTnLst>
+              </p:cTn>
+              <p:prevCondLst>
+                <p:cond evt="onPrev" delay="0">
+                  <p:tgtEl>
+                    <p:sldTgt/>
+                  </p:tgtEl>
+                </p:cond>
+              </p:prevCondLst>
+              <p:nextCondLst>
+                <p:cond evt="onNext" delay="0">
+                  <p:tgtEl>
+                    <p:sldTgt/>
+                  </p:tgtEl>
+                </p:cond>
+              </p:nextCondLst>
+            </p:seq>
+          </p:childTnLst>
+        </p:cTn>
       </p:par>
     </p:tnLst>
   </p:timing>
@@ -12587,113 +12844,58 @@
             <p:ph type="title"/>
           </p:nvPr>
         </p:nvSpPr>
-        <p:spPr/>
+        <p:spPr>
+          <a:xfrm>
+            <a:off x="1149228" y="313718"/>
+            <a:ext cx="9905998" cy="1478570"/>
+          </a:xfrm>
+        </p:spPr>
         <p:txBody>
           <a:bodyPr/>
           <a:lstStyle/>
           <a:p>
+            <a:pPr algn="ctr"/>
             <a:r>
               <a:rPr lang="de-DE" dirty="0" smtClean="0"/>
-              <a:t>Unsere Methodik</a:t>
+              <a:t>RUP</a:t>
             </a:r>
             <a:endParaRPr lang="de-DE" dirty="0"/>
           </a:p>
         </p:txBody>
       </p:sp>
-      <p:sp>
-        <p:nvSpPr>
-          <p:cNvPr id="3" name="Inhaltsplatzhalter 2"/>
-          <p:cNvSpPr>
-            <a:spLocks noGrp="1"/>
-          </p:cNvSpPr>
+      <p:pic>
+        <p:nvPicPr>
+          <p:cNvPr id="4" name="Inhaltsplatzhalter 3"/>
+          <p:cNvPicPr>
+            <a:picLocks noGrp="1" noChangeAspect="1"/>
+          </p:cNvPicPr>
           <p:nvPr>
             <p:ph idx="1"/>
           </p:nvPr>
-        </p:nvSpPr>
-        <p:spPr/>
-        <p:txBody>
-          <a:bodyPr/>
-          <a:lstStyle/>
-          <a:p>
-            <a:r>
-              <a:rPr lang="de-DE" dirty="0"/>
-              <a:t>Projektzerlegung und in Phasen geteilte Spezifizierung</a:t>
-            </a:r>
-          </a:p>
-          <a:p>
-            <a:pPr lvl="1"/>
-            <a:r>
-              <a:rPr lang="de-DE" dirty="0"/>
-              <a:t>Nutzen des RUP (Rational Unified </a:t>
-            </a:r>
-            <a:r>
-              <a:rPr lang="de-DE" dirty="0" err="1"/>
-              <a:t>Process</a:t>
-            </a:r>
-            <a:r>
-              <a:rPr lang="de-DE" dirty="0"/>
-              <a:t>)</a:t>
-            </a:r>
-          </a:p>
-          <a:p>
-            <a:pPr lvl="1"/>
-            <a:r>
-              <a:rPr lang="de-DE" dirty="0"/>
-              <a:t>Frühe tiefgehende architektonische Planung</a:t>
-            </a:r>
-          </a:p>
-          <a:p>
-            <a:pPr lvl="1"/>
-            <a:r>
-              <a:rPr lang="de-DE" dirty="0"/>
-              <a:t>Iterative phasengeteilte Vorgehensweise ermöglicht leichte spätere Änderungen</a:t>
-            </a:r>
-          </a:p>
-          <a:p>
-            <a:r>
-              <a:rPr lang="de-DE" dirty="0" smtClean="0"/>
-              <a:t>Wöchentliche </a:t>
-            </a:r>
-            <a:r>
-              <a:rPr lang="de-DE" dirty="0" smtClean="0"/>
-              <a:t>neue Zielsetzung und Qualitätskontrolle des Teams</a:t>
-            </a:r>
-          </a:p>
-          <a:p>
-            <a:pPr lvl="1"/>
-            <a:r>
-              <a:rPr lang="de-DE" dirty="0" smtClean="0"/>
-              <a:t>Nutzen der angesehenen iterativen „</a:t>
-            </a:r>
-            <a:r>
-              <a:rPr lang="de-DE" dirty="0" err="1" smtClean="0"/>
-              <a:t>Scrumming</a:t>
-            </a:r>
-            <a:r>
-              <a:rPr lang="de-DE" dirty="0" smtClean="0"/>
-              <a:t>“ Entwicklungsmethode</a:t>
-            </a:r>
-          </a:p>
-          <a:p>
-            <a:pPr lvl="1"/>
-            <a:r>
-              <a:rPr lang="de-DE" dirty="0" smtClean="0"/>
-              <a:t>Softwaregestützter optimierter Ablauf per JIRA</a:t>
-            </a:r>
-          </a:p>
-          <a:p>
-            <a:endParaRPr lang="de-DE" dirty="0" smtClean="0"/>
-          </a:p>
-          <a:p>
-            <a:pPr lvl="1"/>
-            <a:endParaRPr lang="de-DE" dirty="0" smtClean="0"/>
-          </a:p>
-        </p:txBody>
-      </p:sp>
+        </p:nvPicPr>
+        <p:blipFill>
+          <a:blip r:embed="rId2">
+            <a:extLst>
+              <a:ext uri="{28A0092B-C50C-407E-A947-70E740481C1C}">
+                <a14:useLocalDpi xmlns:a14="http://schemas.microsoft.com/office/drawing/2010/main" val="0"/>
+              </a:ext>
+            </a:extLst>
+          </a:blip>
+          <a:stretch>
+            <a:fillRect/>
+          </a:stretch>
+        </p:blipFill>
+        <p:spPr>
+          <a:xfrm>
+            <a:off x="2173455" y="1407191"/>
+            <a:ext cx="7845090" cy="5044409"/>
+          </a:xfrm>
+        </p:spPr>
+      </p:pic>
     </p:spTree>
     <p:extLst>
       <p:ext uri="{BB962C8B-B14F-4D97-AF65-F5344CB8AC3E}">
-        <p14:creationId xmlns:p14="http://schemas.microsoft.com/office/powerpoint/2010/main" val="2596723615"/>
+        <p14:creationId xmlns:p14="http://schemas.microsoft.com/office/powerpoint/2010/main" val="2687447260"/>
       </p:ext>
     </p:extLst>
   </p:cSld>
@@ -12711,6 +12913,396 @@
 </file>
 
 <file path=ppt/slides/slide12.xml><?xml version="1.0" encoding="utf-8"?>
+<p:sld xmlns:a="http://schemas.openxmlformats.org/drawingml/2006/main" xmlns:r="http://schemas.openxmlformats.org/officeDocument/2006/relationships" xmlns:p="http://schemas.openxmlformats.org/presentationml/2006/main">
+  <p:cSld>
+    <p:spTree>
+      <p:nvGrpSpPr>
+        <p:cNvPr id="1" name=""/>
+        <p:cNvGrpSpPr/>
+        <p:nvPr/>
+      </p:nvGrpSpPr>
+      <p:grpSpPr>
+        <a:xfrm>
+          <a:off x="0" y="0"/>
+          <a:ext cx="0" cy="0"/>
+          <a:chOff x="0" y="0"/>
+          <a:chExt cx="0" cy="0"/>
+        </a:xfrm>
+      </p:grpSpPr>
+      <p:sp>
+        <p:nvSpPr>
+          <p:cNvPr id="2" name="Titel 1"/>
+          <p:cNvSpPr>
+            <a:spLocks noGrp="1"/>
+          </p:cNvSpPr>
+          <p:nvPr>
+            <p:ph type="title"/>
+          </p:nvPr>
+        </p:nvSpPr>
+        <p:spPr/>
+        <p:txBody>
+          <a:bodyPr/>
+          <a:lstStyle/>
+          <a:p>
+            <a:pPr algn="ctr"/>
+            <a:r>
+              <a:rPr lang="de-DE" dirty="0" smtClean="0"/>
+              <a:t>Iterative Vorgehensweise</a:t>
+            </a:r>
+            <a:endParaRPr lang="de-DE" dirty="0"/>
+          </a:p>
+        </p:txBody>
+      </p:sp>
+      <p:pic>
+        <p:nvPicPr>
+          <p:cNvPr id="4" name="Inhaltsplatzhalter 3"/>
+          <p:cNvPicPr>
+            <a:picLocks noGrp="1" noChangeAspect="1"/>
+          </p:cNvPicPr>
+          <p:nvPr>
+            <p:ph idx="1"/>
+          </p:nvPr>
+        </p:nvPicPr>
+        <p:blipFill>
+          <a:blip r:embed="rId2">
+            <a:extLst>
+              <a:ext uri="{28A0092B-C50C-407E-A947-70E740481C1C}">
+                <a14:useLocalDpi xmlns:a14="http://schemas.microsoft.com/office/drawing/2010/main" val="0"/>
+              </a:ext>
+            </a:extLst>
+          </a:blip>
+          <a:stretch>
+            <a:fillRect/>
+          </a:stretch>
+        </p:blipFill>
+        <p:spPr>
+          <a:xfrm>
+            <a:off x="1982439" y="2097088"/>
+            <a:ext cx="8223946" cy="4351838"/>
+          </a:xfrm>
+        </p:spPr>
+      </p:pic>
+    </p:spTree>
+    <p:extLst>
+      <p:ext uri="{BB962C8B-B14F-4D97-AF65-F5344CB8AC3E}">
+        <p14:creationId xmlns:p14="http://schemas.microsoft.com/office/powerpoint/2010/main" val="3329513398"/>
+      </p:ext>
+    </p:extLst>
+  </p:cSld>
+  <p:clrMapOvr>
+    <a:masterClrMapping/>
+  </p:clrMapOvr>
+  <p:timing>
+    <p:tnLst>
+      <p:par>
+        <p:cTn id="1" dur="indefinite" restart="never" nodeType="tmRoot"/>
+      </p:par>
+    </p:tnLst>
+  </p:timing>
+</p:sld>
+</file>
+
+<file path=ppt/slides/slide13.xml><?xml version="1.0" encoding="utf-8"?>
+<p:sld xmlns:a="http://schemas.openxmlformats.org/drawingml/2006/main" xmlns:r="http://schemas.openxmlformats.org/officeDocument/2006/relationships" xmlns:p="http://schemas.openxmlformats.org/presentationml/2006/main">
+  <p:cSld>
+    <p:spTree>
+      <p:nvGrpSpPr>
+        <p:cNvPr id="1" name=""/>
+        <p:cNvGrpSpPr/>
+        <p:nvPr/>
+      </p:nvGrpSpPr>
+      <p:grpSpPr>
+        <a:xfrm>
+          <a:off x="0" y="0"/>
+          <a:ext cx="0" cy="0"/>
+          <a:chOff x="0" y="0"/>
+          <a:chExt cx="0" cy="0"/>
+        </a:xfrm>
+      </p:grpSpPr>
+      <p:sp>
+        <p:nvSpPr>
+          <p:cNvPr id="2" name="Titel 1"/>
+          <p:cNvSpPr>
+            <a:spLocks noGrp="1"/>
+          </p:cNvSpPr>
+          <p:nvPr>
+            <p:ph type="title"/>
+          </p:nvPr>
+        </p:nvSpPr>
+        <p:spPr/>
+        <p:txBody>
+          <a:bodyPr/>
+          <a:lstStyle/>
+          <a:p>
+            <a:r>
+              <a:rPr lang="de-DE" dirty="0" smtClean="0"/>
+              <a:t>Unsere Methodik</a:t>
+            </a:r>
+            <a:endParaRPr lang="de-DE" dirty="0"/>
+          </a:p>
+        </p:txBody>
+      </p:sp>
+      <p:sp>
+        <p:nvSpPr>
+          <p:cNvPr id="3" name="Inhaltsplatzhalter 2"/>
+          <p:cNvSpPr>
+            <a:spLocks noGrp="1"/>
+          </p:cNvSpPr>
+          <p:nvPr>
+            <p:ph idx="1"/>
+          </p:nvPr>
+        </p:nvSpPr>
+        <p:spPr/>
+        <p:txBody>
+          <a:bodyPr>
+            <a:normAutofit/>
+          </a:bodyPr>
+          <a:lstStyle/>
+          <a:p>
+            <a:r>
+              <a:rPr lang="de-DE" dirty="0"/>
+              <a:t>Projektzerlegung und in Phasen geteilte Spezifizierung</a:t>
+            </a:r>
+          </a:p>
+          <a:p>
+            <a:pPr lvl="1"/>
+            <a:r>
+              <a:rPr lang="de-DE" dirty="0"/>
+              <a:t>Nutzen des RUP (Rational Unified </a:t>
+            </a:r>
+            <a:r>
+              <a:rPr lang="de-DE" dirty="0" err="1"/>
+              <a:t>Process</a:t>
+            </a:r>
+            <a:r>
+              <a:rPr lang="de-DE" dirty="0"/>
+              <a:t>)</a:t>
+            </a:r>
+          </a:p>
+          <a:p>
+            <a:pPr lvl="1"/>
+            <a:r>
+              <a:rPr lang="de-DE" dirty="0"/>
+              <a:t>Frühe tiefgehende architektonische Planung</a:t>
+            </a:r>
+          </a:p>
+          <a:p>
+            <a:pPr lvl="1"/>
+            <a:r>
+              <a:rPr lang="de-DE" dirty="0"/>
+              <a:t>Iterative phasengeteilte Vorgehensweise ermöglicht leichte spätere Änderungen</a:t>
+            </a:r>
+          </a:p>
+          <a:p>
+            <a:r>
+              <a:rPr lang="de-DE" dirty="0" smtClean="0"/>
+              <a:t>Wöchentliche feste Zielsetzung und Qualitätskontrolle des Teams</a:t>
+            </a:r>
+          </a:p>
+          <a:p>
+            <a:pPr lvl="1"/>
+            <a:r>
+              <a:rPr lang="de-DE" dirty="0" smtClean="0"/>
+              <a:t>Nutzen der angesehenen iterativen „</a:t>
+            </a:r>
+            <a:r>
+              <a:rPr lang="de-DE" dirty="0" err="1" smtClean="0"/>
+              <a:t>Scrumming</a:t>
+            </a:r>
+            <a:r>
+              <a:rPr lang="de-DE" dirty="0" smtClean="0"/>
+              <a:t>“ Entwicklungsmethode</a:t>
+            </a:r>
+          </a:p>
+          <a:p>
+            <a:pPr lvl="1"/>
+            <a:r>
+              <a:rPr lang="de-DE" dirty="0" smtClean="0"/>
+              <a:t>Softwaregestützter optimierter Ablauf per JIRA</a:t>
+            </a:r>
+          </a:p>
+          <a:p>
+            <a:endParaRPr lang="de-DE" dirty="0" smtClean="0"/>
+          </a:p>
+          <a:p>
+            <a:pPr lvl="1"/>
+            <a:endParaRPr lang="de-DE" dirty="0" smtClean="0"/>
+          </a:p>
+        </p:txBody>
+      </p:sp>
+    </p:spTree>
+    <p:extLst>
+      <p:ext uri="{BB962C8B-B14F-4D97-AF65-F5344CB8AC3E}">
+        <p14:creationId xmlns:p14="http://schemas.microsoft.com/office/powerpoint/2010/main" val="2596723615"/>
+      </p:ext>
+    </p:extLst>
+  </p:cSld>
+  <p:clrMapOvr>
+    <a:masterClrMapping/>
+  </p:clrMapOvr>
+  <p:timing>
+    <p:tnLst>
+      <p:par>
+        <p:cTn id="1" dur="indefinite" restart="never" nodeType="tmRoot">
+          <p:childTnLst>
+            <p:seq concurrent="1" nextAc="seek">
+              <p:cTn id="2" dur="indefinite" nodeType="mainSeq">
+                <p:childTnLst>
+                  <p:par>
+                    <p:cTn id="3" fill="hold">
+                      <p:stCondLst>
+                        <p:cond delay="indefinite"/>
+                      </p:stCondLst>
+                      <p:childTnLst>
+                        <p:par>
+                          <p:cTn id="4" fill="hold">
+                            <p:stCondLst>
+                              <p:cond delay="0"/>
+                            </p:stCondLst>
+                            <p:childTnLst>
+                              <p:par>
+                                <p:cTn id="5" presetID="1" presetClass="entr" presetSubtype="0" fill="hold" nodeType="clickEffect">
+                                  <p:stCondLst>
+                                    <p:cond delay="0"/>
+                                  </p:stCondLst>
+                                  <p:childTnLst>
+                                    <p:set>
+                                      <p:cBhvr>
+                                        <p:cTn id="6" dur="1" fill="hold">
+                                          <p:stCondLst>
+                                            <p:cond delay="0"/>
+                                          </p:stCondLst>
+                                        </p:cTn>
+                                        <p:tgtEl>
+                                          <p:spTgt spid="3">
+                                            <p:txEl>
+                                              <p:pRg st="4" end="4"/>
+                                            </p:txEl>
+                                          </p:spTgt>
+                                        </p:tgtEl>
+                                        <p:attrNameLst>
+                                          <p:attrName>style.visibility</p:attrName>
+                                        </p:attrNameLst>
+                                      </p:cBhvr>
+                                      <p:to>
+                                        <p:strVal val="visible"/>
+                                      </p:to>
+                                    </p:set>
+                                  </p:childTnLst>
+                                </p:cTn>
+                              </p:par>
+                            </p:childTnLst>
+                          </p:cTn>
+                        </p:par>
+                      </p:childTnLst>
+                    </p:cTn>
+                  </p:par>
+                  <p:par>
+                    <p:cTn id="7" fill="hold">
+                      <p:stCondLst>
+                        <p:cond delay="indefinite"/>
+                      </p:stCondLst>
+                      <p:childTnLst>
+                        <p:par>
+                          <p:cTn id="8" fill="hold">
+                            <p:stCondLst>
+                              <p:cond delay="0"/>
+                            </p:stCondLst>
+                            <p:childTnLst>
+                              <p:par>
+                                <p:cTn id="9" presetID="1" presetClass="entr" presetSubtype="0" fill="hold" nodeType="clickEffect">
+                                  <p:stCondLst>
+                                    <p:cond delay="0"/>
+                                  </p:stCondLst>
+                                  <p:childTnLst>
+                                    <p:set>
+                                      <p:cBhvr>
+                                        <p:cTn id="10" dur="1" fill="hold">
+                                          <p:stCondLst>
+                                            <p:cond delay="0"/>
+                                          </p:stCondLst>
+                                        </p:cTn>
+                                        <p:tgtEl>
+                                          <p:spTgt spid="3">
+                                            <p:txEl>
+                                              <p:pRg st="5" end="5"/>
+                                            </p:txEl>
+                                          </p:spTgt>
+                                        </p:tgtEl>
+                                        <p:attrNameLst>
+                                          <p:attrName>style.visibility</p:attrName>
+                                        </p:attrNameLst>
+                                      </p:cBhvr>
+                                      <p:to>
+                                        <p:strVal val="visible"/>
+                                      </p:to>
+                                    </p:set>
+                                  </p:childTnLst>
+                                </p:cTn>
+                              </p:par>
+                              <p:par>
+                                <p:cTn id="11" presetID="1" presetClass="entr" presetSubtype="0" fill="hold" nodeType="withEffect">
+                                  <p:stCondLst>
+                                    <p:cond delay="0"/>
+                                  </p:stCondLst>
+                                  <p:childTnLst>
+                                    <p:set>
+                                      <p:cBhvr>
+                                        <p:cTn id="12" dur="1" fill="hold">
+                                          <p:stCondLst>
+                                            <p:cond delay="0"/>
+                                          </p:stCondLst>
+                                        </p:cTn>
+                                        <p:tgtEl>
+                                          <p:spTgt spid="3">
+                                            <p:txEl>
+                                              <p:pRg st="6" end="6"/>
+                                            </p:txEl>
+                                          </p:spTgt>
+                                        </p:tgtEl>
+                                        <p:attrNameLst>
+                                          <p:attrName>style.visibility</p:attrName>
+                                        </p:attrNameLst>
+                                      </p:cBhvr>
+                                      <p:to>
+                                        <p:strVal val="visible"/>
+                                      </p:to>
+                                    </p:set>
+                                  </p:childTnLst>
+                                </p:cTn>
+                              </p:par>
+                            </p:childTnLst>
+                          </p:cTn>
+                        </p:par>
+                      </p:childTnLst>
+                    </p:cTn>
+                  </p:par>
+                </p:childTnLst>
+              </p:cTn>
+              <p:prevCondLst>
+                <p:cond evt="onPrev" delay="0">
+                  <p:tgtEl>
+                    <p:sldTgt/>
+                  </p:tgtEl>
+                </p:cond>
+              </p:prevCondLst>
+              <p:nextCondLst>
+                <p:cond evt="onNext" delay="0">
+                  <p:tgtEl>
+                    <p:sldTgt/>
+                  </p:tgtEl>
+                </p:cond>
+              </p:nextCondLst>
+            </p:seq>
+          </p:childTnLst>
+        </p:cTn>
+      </p:par>
+    </p:tnLst>
+  </p:timing>
+</p:sld>
+</file>
+
+<file path=ppt/slides/slide14.xml><?xml version="1.0" encoding="utf-8"?>
 <p:sld xmlns:a="http://schemas.openxmlformats.org/drawingml/2006/main" xmlns:r="http://schemas.openxmlformats.org/officeDocument/2006/relationships" xmlns:p="http://schemas.openxmlformats.org/presentationml/2006/main">
   <p:cSld>
     <p:spTree>
@@ -12749,8 +13341,8 @@
         </p:blipFill>
         <p:spPr>
           <a:xfrm>
-            <a:off x="1082390" y="881699"/>
-            <a:ext cx="10027221" cy="5094602"/>
+            <a:off x="0" y="320841"/>
+            <a:ext cx="12187623" cy="6192253"/>
           </a:xfrm>
           <a:prstGeom prst="rect">
             <a:avLst/>
@@ -12777,7 +13369,7 @@
 </p:sld>
 </file>
 
-<file path=ppt/slides/slide13.xml><?xml version="1.0" encoding="utf-8"?>
+<file path=ppt/slides/slide15.xml><?xml version="1.0" encoding="utf-8"?>
 <p:sld xmlns:a="http://schemas.openxmlformats.org/drawingml/2006/main" xmlns:r="http://schemas.openxmlformats.org/officeDocument/2006/relationships" xmlns:p="http://schemas.openxmlformats.org/presentationml/2006/main">
   <p:cSld>
     <p:spTree>
@@ -12818,8 +13410,8 @@
         </p:blipFill>
         <p:spPr>
           <a:xfrm>
-            <a:off x="1094757" y="882770"/>
-            <a:ext cx="10002487" cy="5092460"/>
+            <a:off x="1" y="401505"/>
+            <a:ext cx="12192000" cy="6207183"/>
           </a:xfrm>
         </p:spPr>
       </p:pic>
@@ -12827,221 +13419,6 @@
     <p:extLst>
       <p:ext uri="{BB962C8B-B14F-4D97-AF65-F5344CB8AC3E}">
         <p14:creationId xmlns:p14="http://schemas.microsoft.com/office/powerpoint/2010/main" val="2252574524"/>
-      </p:ext>
-    </p:extLst>
-  </p:cSld>
-  <p:clrMapOvr>
-    <a:masterClrMapping/>
-  </p:clrMapOvr>
-</p:sld>
-</file>
-
-<file path=ppt/slides/slide14.xml><?xml version="1.0" encoding="utf-8"?>
-<p:sld xmlns:a="http://schemas.openxmlformats.org/drawingml/2006/main" xmlns:r="http://schemas.openxmlformats.org/officeDocument/2006/relationships" xmlns:p="http://schemas.openxmlformats.org/presentationml/2006/main">
-  <p:cSld>
-    <p:spTree>
-      <p:nvGrpSpPr>
-        <p:cNvPr id="1" name=""/>
-        <p:cNvGrpSpPr/>
-        <p:nvPr/>
-      </p:nvGrpSpPr>
-      <p:grpSpPr>
-        <a:xfrm>
-          <a:off x="0" y="0"/>
-          <a:ext cx="0" cy="0"/>
-          <a:chOff x="0" y="0"/>
-          <a:chExt cx="0" cy="0"/>
-        </a:xfrm>
-      </p:grpSpPr>
-      <p:sp>
-        <p:nvSpPr>
-          <p:cNvPr id="2" name="Titel 1"/>
-          <p:cNvSpPr>
-            <a:spLocks noGrp="1"/>
-          </p:cNvSpPr>
-          <p:nvPr>
-            <p:ph type="title"/>
-          </p:nvPr>
-        </p:nvSpPr>
-        <p:spPr/>
-        <p:txBody>
-          <a:bodyPr/>
-          <a:lstStyle/>
-          <a:p>
-            <a:r>
-              <a:rPr lang="de-DE" dirty="0" smtClean="0"/>
-              <a:t>Technische Funktionalitäten</a:t>
-            </a:r>
-            <a:endParaRPr lang="de-DE" dirty="0"/>
-          </a:p>
-        </p:txBody>
-      </p:sp>
-      <p:sp>
-        <p:nvSpPr>
-          <p:cNvPr id="3" name="Inhaltsplatzhalter 2"/>
-          <p:cNvSpPr>
-            <a:spLocks noGrp="1"/>
-          </p:cNvSpPr>
-          <p:nvPr>
-            <p:ph idx="1"/>
-          </p:nvPr>
-        </p:nvSpPr>
-        <p:spPr/>
-        <p:txBody>
-          <a:bodyPr/>
-          <a:lstStyle/>
-          <a:p>
-            <a:r>
-              <a:rPr lang="de-DE" sz="2200" dirty="0" smtClean="0"/>
-              <a:t>Demo</a:t>
-            </a:r>
-          </a:p>
-          <a:p>
-            <a:endParaRPr lang="de-DE" dirty="0" smtClean="0"/>
-          </a:p>
-        </p:txBody>
-      </p:sp>
-    </p:spTree>
-    <p:extLst>
-      <p:ext uri="{BB962C8B-B14F-4D97-AF65-F5344CB8AC3E}">
-        <p14:creationId xmlns:p14="http://schemas.microsoft.com/office/powerpoint/2010/main" val="922430905"/>
-      </p:ext>
-    </p:extLst>
-  </p:cSld>
-  <p:clrMapOvr>
-    <a:masterClrMapping/>
-  </p:clrMapOvr>
-  <p:timing>
-    <p:tnLst>
-      <p:par>
-        <p:cTn id="1" dur="indefinite" restart="never" nodeType="tmRoot"/>
-      </p:par>
-    </p:tnLst>
-  </p:timing>
-</p:sld>
-</file>
-
-<file path=ppt/slides/slide15.xml><?xml version="1.0" encoding="utf-8"?>
-<p:sld xmlns:a="http://schemas.openxmlformats.org/drawingml/2006/main" xmlns:r="http://schemas.openxmlformats.org/officeDocument/2006/relationships" xmlns:p="http://schemas.openxmlformats.org/presentationml/2006/main">
-  <p:cSld>
-    <p:spTree>
-      <p:nvGrpSpPr>
-        <p:cNvPr id="1" name=""/>
-        <p:cNvGrpSpPr/>
-        <p:nvPr/>
-      </p:nvGrpSpPr>
-      <p:grpSpPr>
-        <a:xfrm>
-          <a:off x="0" y="0"/>
-          <a:ext cx="0" cy="0"/>
-          <a:chOff x="0" y="0"/>
-          <a:chExt cx="0" cy="0"/>
-        </a:xfrm>
-      </p:grpSpPr>
-      <p:sp>
-        <p:nvSpPr>
-          <p:cNvPr id="2" name="Titel 1"/>
-          <p:cNvSpPr>
-            <a:spLocks noGrp="1"/>
-          </p:cNvSpPr>
-          <p:nvPr>
-            <p:ph type="title"/>
-          </p:nvPr>
-        </p:nvSpPr>
-        <p:spPr/>
-        <p:txBody>
-          <a:bodyPr/>
-          <a:lstStyle/>
-          <a:p>
-            <a:r>
-              <a:rPr lang="de-DE" dirty="0" smtClean="0"/>
-              <a:t>Technische Funktionalitäten</a:t>
-            </a:r>
-            <a:endParaRPr lang="de-DE" dirty="0"/>
-          </a:p>
-        </p:txBody>
-      </p:sp>
-      <p:sp>
-        <p:nvSpPr>
-          <p:cNvPr id="3" name="Inhaltsplatzhalter 2"/>
-          <p:cNvSpPr>
-            <a:spLocks noGrp="1"/>
-          </p:cNvSpPr>
-          <p:nvPr>
-            <p:ph idx="1"/>
-          </p:nvPr>
-        </p:nvSpPr>
-        <p:spPr/>
-        <p:txBody>
-          <a:bodyPr/>
-          <a:lstStyle/>
-          <a:p>
-            <a:r>
-              <a:rPr lang="de-DE" sz="2200" dirty="0" smtClean="0"/>
-              <a:t>Demo</a:t>
-            </a:r>
-          </a:p>
-          <a:p>
-            <a:r>
-              <a:rPr lang="de-DE" sz="2200" dirty="0" smtClean="0"/>
-              <a:t>Bis dato </a:t>
-            </a:r>
-            <a:r>
-              <a:rPr lang="de-DE" sz="2200" dirty="0" smtClean="0"/>
-              <a:t>implementierte Funktionalitäten</a:t>
-            </a:r>
-          </a:p>
-          <a:p>
-            <a:pPr lvl="1"/>
-            <a:r>
-              <a:rPr lang="de-DE" sz="1900" dirty="0" smtClean="0"/>
-              <a:t>Login</a:t>
-            </a:r>
-          </a:p>
-          <a:p>
-            <a:pPr lvl="1"/>
-            <a:r>
-              <a:rPr lang="de-DE" sz="1900" dirty="0" smtClean="0"/>
-              <a:t>Register -&gt; Account verifizieren</a:t>
-            </a:r>
-            <a:endParaRPr lang="de-DE" sz="1900" dirty="0" smtClean="0"/>
-          </a:p>
-          <a:p>
-            <a:pPr lvl="1"/>
-            <a:r>
-              <a:rPr lang="de-DE" sz="1900" dirty="0" smtClean="0"/>
-              <a:t>Einstellungen</a:t>
-            </a:r>
-          </a:p>
-          <a:p>
-            <a:pPr lvl="1"/>
-            <a:r>
-              <a:rPr lang="de-DE" sz="1900" dirty="0" err="1" smtClean="0"/>
-              <a:t>About</a:t>
-            </a:r>
-            <a:r>
-              <a:rPr lang="de-DE" sz="1900" dirty="0" smtClean="0"/>
-              <a:t> </a:t>
-            </a:r>
-            <a:r>
-              <a:rPr lang="de-DE" sz="1900" dirty="0" err="1" smtClean="0"/>
-              <a:t>u</a:t>
-            </a:r>
-            <a:r>
-              <a:rPr lang="de-DE" sz="1900" dirty="0" err="1" smtClean="0"/>
-              <a:t>s</a:t>
-            </a:r>
-            <a:endParaRPr lang="de-DE" sz="1900" dirty="0" smtClean="0"/>
-          </a:p>
-          <a:p>
-            <a:endParaRPr lang="de-DE" dirty="0" smtClean="0"/>
-          </a:p>
-        </p:txBody>
-      </p:sp>
-    </p:spTree>
-    <p:extLst>
-      <p:ext uri="{BB962C8B-B14F-4D97-AF65-F5344CB8AC3E}">
-        <p14:creationId xmlns:p14="http://schemas.microsoft.com/office/powerpoint/2010/main" val="3916426474"/>
       </p:ext>
     </p:extLst>
   </p:cSld>
@@ -13075,139 +13452,39 @@
           <a:chExt cx="0" cy="0"/>
         </a:xfrm>
       </p:grpSpPr>
-      <p:sp>
-        <p:nvSpPr>
-          <p:cNvPr id="2" name="Titel 1"/>
-          <p:cNvSpPr>
-            <a:spLocks noGrp="1"/>
-          </p:cNvSpPr>
+      <p:pic>
+        <p:nvPicPr>
+          <p:cNvPr id="4" name="Inhaltsplatzhalter 3"/>
+          <p:cNvPicPr>
+            <a:picLocks noGrp="1" noChangeAspect="1"/>
+          </p:cNvPicPr>
           <p:nvPr>
-            <p:ph type="title"/>
+            <p:ph idx="4294967295"/>
           </p:nvPr>
-        </p:nvSpPr>
-        <p:spPr/>
-        <p:txBody>
-          <a:bodyPr/>
-          <a:lstStyle/>
-          <a:p>
-            <a:r>
-              <a:rPr lang="de-DE" dirty="0" smtClean="0"/>
-              <a:t>Technische Funktionalitäten</a:t>
-            </a:r>
-            <a:endParaRPr lang="de-DE" dirty="0"/>
-          </a:p>
-        </p:txBody>
-      </p:sp>
-      <p:sp>
-        <p:nvSpPr>
-          <p:cNvPr id="3" name="Inhaltsplatzhalter 2"/>
-          <p:cNvSpPr>
-            <a:spLocks noGrp="1"/>
-          </p:cNvSpPr>
-          <p:nvPr>
-            <p:ph idx="1"/>
-          </p:nvPr>
-        </p:nvSpPr>
-        <p:spPr/>
-        <p:txBody>
-          <a:bodyPr>
-            <a:normAutofit fontScale="92500" lnSpcReduction="10000"/>
-          </a:bodyPr>
-          <a:lstStyle/>
-          <a:p>
-            <a:r>
-              <a:rPr lang="de-DE" dirty="0" smtClean="0"/>
-              <a:t>Demo</a:t>
-            </a:r>
-          </a:p>
-          <a:p>
-            <a:r>
-              <a:rPr lang="de-DE" dirty="0" smtClean="0"/>
-              <a:t>Bis dato </a:t>
-            </a:r>
-            <a:r>
-              <a:rPr lang="de-DE" dirty="0" smtClean="0"/>
-              <a:t>implementierte Funktionalitäten</a:t>
-            </a:r>
-          </a:p>
-          <a:p>
-            <a:pPr lvl="1"/>
-            <a:r>
-              <a:rPr lang="de-DE" dirty="0" smtClean="0"/>
-              <a:t>Login</a:t>
-            </a:r>
-          </a:p>
-          <a:p>
-            <a:pPr lvl="1"/>
-            <a:r>
-              <a:rPr lang="de-DE" dirty="0"/>
-              <a:t>Register -&gt; Account </a:t>
-            </a:r>
-            <a:r>
-              <a:rPr lang="de-DE" dirty="0" smtClean="0"/>
-              <a:t>verifizieren</a:t>
-            </a:r>
-            <a:endParaRPr lang="de-DE" dirty="0" smtClean="0"/>
-          </a:p>
-          <a:p>
-            <a:pPr lvl="1"/>
-            <a:r>
-              <a:rPr lang="de-DE" dirty="0" smtClean="0"/>
-              <a:t>Einstellungen</a:t>
-            </a:r>
-            <a:endParaRPr lang="de-DE" dirty="0" smtClean="0"/>
-          </a:p>
-          <a:p>
-            <a:pPr lvl="1"/>
-            <a:r>
-              <a:rPr lang="de-DE" dirty="0" err="1" smtClean="0"/>
-              <a:t>About</a:t>
-            </a:r>
-            <a:r>
-              <a:rPr lang="de-DE" dirty="0" smtClean="0"/>
-              <a:t> </a:t>
-            </a:r>
-            <a:r>
-              <a:rPr lang="de-DE" dirty="0" err="1" smtClean="0"/>
-              <a:t>us</a:t>
-            </a:r>
-            <a:endParaRPr lang="de-DE" dirty="0" smtClean="0"/>
-          </a:p>
-          <a:p>
-            <a:r>
-              <a:rPr lang="de-DE" dirty="0" smtClean="0"/>
-              <a:t>Klassendiagramm</a:t>
-            </a:r>
-          </a:p>
-          <a:p>
-            <a:pPr lvl="1"/>
-            <a:r>
-              <a:rPr lang="de-DE" dirty="0" smtClean="0"/>
-              <a:t>Strukturierte </a:t>
-            </a:r>
-            <a:r>
-              <a:rPr lang="de-DE" dirty="0"/>
-              <a:t>A</a:t>
-            </a:r>
-            <a:r>
-              <a:rPr lang="de-DE" dirty="0" smtClean="0"/>
-              <a:t>ufteilung des </a:t>
-            </a:r>
-            <a:r>
-              <a:rPr lang="de-DE" dirty="0" err="1" smtClean="0"/>
-              <a:t>Sourcecodes</a:t>
-            </a:r>
-            <a:endParaRPr lang="de-DE" dirty="0" smtClean="0"/>
-          </a:p>
-          <a:p>
-            <a:endParaRPr lang="de-DE" dirty="0" smtClean="0"/>
-          </a:p>
-        </p:txBody>
-      </p:sp>
+        </p:nvPicPr>
+        <p:blipFill>
+          <a:blip r:embed="rId2">
+            <a:extLst>
+              <a:ext uri="{28A0092B-C50C-407E-A947-70E740481C1C}">
+                <a14:useLocalDpi xmlns:a14="http://schemas.microsoft.com/office/drawing/2010/main" val="0"/>
+              </a:ext>
+            </a:extLst>
+          </a:blip>
+          <a:stretch>
+            <a:fillRect/>
+          </a:stretch>
+        </p:blipFill>
+        <p:spPr>
+          <a:xfrm>
+            <a:off x="0" y="452772"/>
+            <a:ext cx="12192000" cy="5951937"/>
+          </a:xfrm>
+        </p:spPr>
+      </p:pic>
     </p:spTree>
     <p:extLst>
       <p:ext uri="{BB962C8B-B14F-4D97-AF65-F5344CB8AC3E}">
-        <p14:creationId xmlns:p14="http://schemas.microsoft.com/office/powerpoint/2010/main" val="3128819621"/>
+        <p14:creationId xmlns:p14="http://schemas.microsoft.com/office/powerpoint/2010/main" val="1289771238"/>
       </p:ext>
     </p:extLst>
   </p:cSld>
@@ -13241,40 +13518,89 @@
           <a:chExt cx="0" cy="0"/>
         </a:xfrm>
       </p:grpSpPr>
-      <p:pic>
-        <p:nvPicPr>
-          <p:cNvPr id="2" name="Grafik 1"/>
-          <p:cNvPicPr>
-            <a:picLocks noChangeAspect="1"/>
-          </p:cNvPicPr>
-          <p:nvPr/>
-        </p:nvPicPr>
-        <p:blipFill>
-          <a:blip r:embed="rId2">
-            <a:extLst>
-              <a:ext uri="{28A0092B-C50C-407E-A947-70E740481C1C}">
-                <a14:useLocalDpi xmlns:a14="http://schemas.microsoft.com/office/drawing/2010/main" val="0"/>
-              </a:ext>
-            </a:extLst>
-          </a:blip>
-          <a:stretch>
-            <a:fillRect/>
-          </a:stretch>
-        </p:blipFill>
+      <p:sp>
+        <p:nvSpPr>
+          <p:cNvPr id="2" name="Titel 1"/>
+          <p:cNvSpPr>
+            <a:spLocks noGrp="1"/>
+          </p:cNvSpPr>
+          <p:nvPr>
+            <p:ph type="title"/>
+          </p:nvPr>
+        </p:nvSpPr>
+        <p:spPr/>
+        <p:txBody>
+          <a:bodyPr/>
+          <a:lstStyle/>
+          <a:p>
+            <a:r>
+              <a:rPr lang="de-DE" dirty="0" smtClean="0"/>
+              <a:t>Unsere Vorausplanung</a:t>
+            </a:r>
+            <a:endParaRPr lang="de-DE" dirty="0"/>
+          </a:p>
+        </p:txBody>
+      </p:sp>
+      <p:sp>
+        <p:nvSpPr>
+          <p:cNvPr id="3" name="Inhaltsplatzhalter 2"/>
+          <p:cNvSpPr>
+            <a:spLocks noGrp="1"/>
+          </p:cNvSpPr>
+          <p:nvPr>
+            <p:ph idx="1"/>
+          </p:nvPr>
+        </p:nvSpPr>
         <p:spPr>
           <a:xfrm>
-            <a:off x="3843212" y="0"/>
-            <a:ext cx="4505575" cy="6858000"/>
+            <a:off x="1094519" y="2233856"/>
+            <a:ext cx="9905999" cy="3541714"/>
           </a:xfrm>
-          <a:prstGeom prst="rect">
-            <a:avLst/>
-          </a:prstGeom>
         </p:spPr>
-      </p:pic>
+        <p:txBody>
+          <a:bodyPr/>
+          <a:lstStyle/>
+          <a:p>
+            <a:r>
+              <a:rPr lang="de-DE" dirty="0" smtClean="0"/>
+              <a:t>Zeitmanagement</a:t>
+            </a:r>
+          </a:p>
+          <a:p>
+            <a:pPr lvl="1"/>
+            <a:r>
+              <a:rPr lang="de-DE" dirty="0" smtClean="0"/>
+              <a:t>Nutzen der </a:t>
+            </a:r>
+            <a:r>
+              <a:rPr lang="de-DE" dirty="0" err="1" smtClean="0"/>
+              <a:t>Function</a:t>
+            </a:r>
+            <a:r>
+              <a:rPr lang="de-DE" dirty="0" smtClean="0"/>
+              <a:t> Point Methode</a:t>
+            </a:r>
+          </a:p>
+          <a:p>
+            <a:pPr lvl="1"/>
+            <a:r>
+              <a:rPr lang="de-DE" dirty="0" smtClean="0"/>
+              <a:t>Daraus erstellen einer vorzeitigen Zeitanalyse</a:t>
+            </a:r>
+          </a:p>
+          <a:p>
+            <a:pPr lvl="1"/>
+            <a:endParaRPr lang="de-DE" dirty="0" smtClean="0"/>
+          </a:p>
+          <a:p>
+            <a:endParaRPr lang="de-DE" dirty="0"/>
+          </a:p>
+        </p:txBody>
+      </p:sp>
     </p:spTree>
     <p:extLst>
       <p:ext uri="{BB962C8B-B14F-4D97-AF65-F5344CB8AC3E}">
-        <p14:creationId xmlns:p14="http://schemas.microsoft.com/office/powerpoint/2010/main" val="565943781"/>
+        <p14:creationId xmlns:p14="http://schemas.microsoft.com/office/powerpoint/2010/main" val="3555983706"/>
       </p:ext>
     </p:extLst>
   </p:cSld>
@@ -13284,7 +13610,159 @@
   <p:timing>
     <p:tnLst>
       <p:par>
-        <p:cTn id="1" dur="indefinite" restart="never" nodeType="tmRoot"/>
+        <p:cTn id="1" dur="indefinite" restart="never" nodeType="tmRoot">
+          <p:childTnLst>
+            <p:seq concurrent="1" nextAc="seek">
+              <p:cTn id="2" dur="indefinite" nodeType="mainSeq">
+                <p:childTnLst>
+                  <p:par>
+                    <p:cTn id="3" fill="hold">
+                      <p:stCondLst>
+                        <p:cond delay="indefinite"/>
+                      </p:stCondLst>
+                      <p:childTnLst>
+                        <p:par>
+                          <p:cTn id="4" fill="hold">
+                            <p:stCondLst>
+                              <p:cond delay="0"/>
+                            </p:stCondLst>
+                            <p:childTnLst>
+                              <p:par>
+                                <p:cTn id="5" presetID="1" presetClass="entr" presetSubtype="0" fill="hold" nodeType="clickEffect">
+                                  <p:stCondLst>
+                                    <p:cond delay="0"/>
+                                  </p:stCondLst>
+                                  <p:childTnLst>
+                                    <p:set>
+                                      <p:cBhvr>
+                                        <p:cTn id="6" dur="1" fill="hold">
+                                          <p:stCondLst>
+                                            <p:cond delay="0"/>
+                                          </p:stCondLst>
+                                        </p:cTn>
+                                        <p:tgtEl>
+                                          <p:spTgt spid="3">
+                                            <p:txEl>
+                                              <p:pRg st="0" end="0"/>
+                                            </p:txEl>
+                                          </p:spTgt>
+                                        </p:tgtEl>
+                                        <p:attrNameLst>
+                                          <p:attrName>style.visibility</p:attrName>
+                                        </p:attrNameLst>
+                                      </p:cBhvr>
+                                      <p:to>
+                                        <p:strVal val="visible"/>
+                                      </p:to>
+                                    </p:set>
+                                  </p:childTnLst>
+                                </p:cTn>
+                              </p:par>
+                            </p:childTnLst>
+                          </p:cTn>
+                        </p:par>
+                      </p:childTnLst>
+                    </p:cTn>
+                  </p:par>
+                  <p:par>
+                    <p:cTn id="7" fill="hold">
+                      <p:stCondLst>
+                        <p:cond delay="indefinite"/>
+                      </p:stCondLst>
+                      <p:childTnLst>
+                        <p:par>
+                          <p:cTn id="8" fill="hold">
+                            <p:stCondLst>
+                              <p:cond delay="0"/>
+                            </p:stCondLst>
+                            <p:childTnLst>
+                              <p:par>
+                                <p:cTn id="9" presetID="1" presetClass="entr" presetSubtype="0" fill="hold" nodeType="clickEffect">
+                                  <p:stCondLst>
+                                    <p:cond delay="0"/>
+                                  </p:stCondLst>
+                                  <p:childTnLst>
+                                    <p:set>
+                                      <p:cBhvr>
+                                        <p:cTn id="10" dur="1" fill="hold">
+                                          <p:stCondLst>
+                                            <p:cond delay="0"/>
+                                          </p:stCondLst>
+                                        </p:cTn>
+                                        <p:tgtEl>
+                                          <p:spTgt spid="3">
+                                            <p:txEl>
+                                              <p:pRg st="1" end="1"/>
+                                            </p:txEl>
+                                          </p:spTgt>
+                                        </p:tgtEl>
+                                        <p:attrNameLst>
+                                          <p:attrName>style.visibility</p:attrName>
+                                        </p:attrNameLst>
+                                      </p:cBhvr>
+                                      <p:to>
+                                        <p:strVal val="visible"/>
+                                      </p:to>
+                                    </p:set>
+                                  </p:childTnLst>
+                                </p:cTn>
+                              </p:par>
+                              <p:par>
+                                <p:cTn id="11" presetID="1" presetClass="entr" presetSubtype="0" fill="hold" nodeType="withEffect">
+                                  <p:stCondLst>
+                                    <p:cond delay="0"/>
+                                  </p:stCondLst>
+                                  <p:childTnLst>
+                                    <p:set>
+                                      <p:cBhvr>
+                                        <p:cTn id="12" dur="1" fill="hold">
+                                          <p:stCondLst>
+                                            <p:cond delay="0"/>
+                                          </p:stCondLst>
+                                        </p:cTn>
+                                        <p:tgtEl>
+                                          <p:spTgt spid="3">
+                                            <p:txEl>
+                                              <p:pRg st="2" end="2"/>
+                                            </p:txEl>
+                                          </p:spTgt>
+                                        </p:tgtEl>
+                                        <p:attrNameLst>
+                                          <p:attrName>style.visibility</p:attrName>
+                                        </p:attrNameLst>
+                                      </p:cBhvr>
+                                      <p:to>
+                                        <p:strVal val="visible"/>
+                                      </p:to>
+                                    </p:set>
+                                  </p:childTnLst>
+                                </p:cTn>
+                              </p:par>
+                            </p:childTnLst>
+                          </p:cTn>
+                        </p:par>
+                      </p:childTnLst>
+                    </p:cTn>
+                  </p:par>
+                </p:childTnLst>
+              </p:cTn>
+              <p:prevCondLst>
+                <p:cond evt="onPrev" delay="0">
+                  <p:tgtEl>
+                    <p:sldTgt/>
+                  </p:tgtEl>
+                </p:cond>
+              </p:prevCondLst>
+              <p:nextCondLst>
+                <p:cond evt="onNext" delay="0">
+                  <p:tgtEl>
+                    <p:sldTgt/>
+                  </p:tgtEl>
+                </p:cond>
+              </p:nextCondLst>
+            </p:seq>
+          </p:childTnLst>
+        </p:cTn>
       </p:par>
     </p:tnLst>
   </p:timing>
@@ -13308,87 +13786,51 @@
           <a:chExt cx="0" cy="0"/>
         </a:xfrm>
       </p:grpSpPr>
-      <p:sp>
-        <p:nvSpPr>
-          <p:cNvPr id="2" name="Titel 1"/>
-          <p:cNvSpPr>
-            <a:spLocks noGrp="1"/>
-          </p:cNvSpPr>
-          <p:nvPr>
-            <p:ph type="title"/>
-          </p:nvPr>
-        </p:nvSpPr>
-        <p:spPr/>
-        <p:txBody>
-          <a:bodyPr/>
-          <a:lstStyle/>
-          <a:p>
-            <a:r>
-              <a:rPr lang="de-DE" dirty="0" err="1" smtClean="0"/>
-              <a:t>qualität</a:t>
-            </a:r>
-            <a:endParaRPr lang="de-DE" dirty="0"/>
-          </a:p>
-        </p:txBody>
-      </p:sp>
-      <p:sp>
-        <p:nvSpPr>
-          <p:cNvPr id="3" name="Inhaltsplatzhalter 2"/>
-          <p:cNvSpPr>
-            <a:spLocks noGrp="1"/>
-          </p:cNvSpPr>
-          <p:nvPr>
-            <p:ph idx="1"/>
-          </p:nvPr>
-        </p:nvSpPr>
-        <p:spPr/>
-        <p:txBody>
-          <a:bodyPr/>
-          <a:lstStyle/>
-          <a:p>
-            <a:r>
-              <a:rPr lang="de-DE" dirty="0" smtClean="0"/>
-              <a:t>Nutzen des 4-Augen Prinzips</a:t>
-            </a:r>
-            <a:endParaRPr lang="de-DE" dirty="0" smtClean="0"/>
-          </a:p>
-          <a:p>
-            <a:pPr lvl="1"/>
-            <a:r>
-              <a:rPr lang="de-DE" dirty="0" err="1" smtClean="0"/>
-              <a:t>Deployment</a:t>
-            </a:r>
-            <a:r>
-              <a:rPr lang="de-DE" dirty="0" smtClean="0"/>
-              <a:t> nur über standardisierte </a:t>
-            </a:r>
-            <a:r>
-              <a:rPr lang="de-DE" dirty="0" err="1" smtClean="0"/>
-              <a:t>Git</a:t>
-            </a:r>
-            <a:r>
-              <a:rPr lang="de-DE" dirty="0" smtClean="0"/>
-              <a:t>-</a:t>
-            </a:r>
-            <a:r>
-              <a:rPr lang="de-DE" dirty="0" smtClean="0"/>
-              <a:t>Schnittstelle</a:t>
-            </a:r>
-          </a:p>
-          <a:p>
-            <a:pPr lvl="1"/>
-            <a:r>
-              <a:rPr lang="de-DE" dirty="0" smtClean="0"/>
-              <a:t>Gegenseitige Prüfung vor Änderung des Produkts</a:t>
-            </a:r>
-            <a:endParaRPr lang="de-DE" dirty="0" smtClean="0"/>
-          </a:p>
-        </p:txBody>
-      </p:sp>
+      <p:pic>
+        <p:nvPicPr>
+          <p:cNvPr id="2050" name="Picture 2" descr="C:\Users\Simon\Desktop\SoftwareEngineering_Midterm_Presentation\fp_time.png"/>
+          <p:cNvPicPr>
+            <a:picLocks noChangeAspect="1" noChangeArrowheads="1"/>
+          </p:cNvPicPr>
+          <p:nvPr/>
+        </p:nvPicPr>
+        <p:blipFill>
+          <a:blip r:embed="rId2">
+            <a:extLst>
+              <a:ext uri="{28A0092B-C50C-407E-A947-70E740481C1C}">
+                <a14:useLocalDpi xmlns:a14="http://schemas.microsoft.com/office/drawing/2010/main" val="0"/>
+              </a:ext>
+            </a:extLst>
+          </a:blip>
+          <a:srcRect/>
+          <a:stretch>
+            <a:fillRect/>
+          </a:stretch>
+        </p:blipFill>
+        <p:spPr bwMode="auto">
+          <a:xfrm>
+            <a:off x="2861904" y="339969"/>
+            <a:ext cx="6468192" cy="6178062"/>
+          </a:xfrm>
+          <a:prstGeom prst="rect">
+            <a:avLst/>
+          </a:prstGeom>
+          <a:noFill/>
+          <a:extLst>
+            <a:ext uri="{909E8E84-426E-40DD-AFC4-6F175D3DCCD1}">
+              <a14:hiddenFill xmlns:a14="http://schemas.microsoft.com/office/drawing/2010/main">
+                <a:solidFill>
+                  <a:srgbClr val="FFFFFF"/>
+                </a:solidFill>
+              </a14:hiddenFill>
+            </a:ext>
+          </a:extLst>
+        </p:spPr>
+      </p:pic>
     </p:spTree>
     <p:extLst>
       <p:ext uri="{BB962C8B-B14F-4D97-AF65-F5344CB8AC3E}">
-        <p14:creationId xmlns:p14="http://schemas.microsoft.com/office/powerpoint/2010/main" val="2586671235"/>
+        <p14:creationId xmlns:p14="http://schemas.microsoft.com/office/powerpoint/2010/main" val="1140780340"/>
       </p:ext>
     </p:extLst>
   </p:cSld>
@@ -13438,8 +13880,8 @@
           <a:lstStyle/>
           <a:p>
             <a:r>
-              <a:rPr lang="de-DE" dirty="0" err="1" smtClean="0"/>
-              <a:t>qualität</a:t>
+              <a:rPr lang="de-DE" dirty="0" smtClean="0"/>
+              <a:t>Unsere Vorausplanung</a:t>
             </a:r>
             <a:endParaRPr lang="de-DE" dirty="0"/>
           </a:p>
@@ -13455,92 +13897,64 @@
             <p:ph idx="1"/>
           </p:nvPr>
         </p:nvSpPr>
-        <p:spPr/>
+        <p:spPr>
+          <a:xfrm>
+            <a:off x="1094519" y="2233856"/>
+            <a:ext cx="9905999" cy="3541714"/>
+          </a:xfrm>
+        </p:spPr>
         <p:txBody>
           <a:bodyPr/>
           <a:lstStyle/>
           <a:p>
             <a:r>
+              <a:rPr lang="de-DE" dirty="0" smtClean="0"/>
+              <a:t>Zeitmanagement</a:t>
+            </a:r>
+          </a:p>
+          <a:p>
+            <a:pPr lvl="1"/>
+            <a:r>
+              <a:rPr lang="de-DE" dirty="0" smtClean="0"/>
+              <a:t>Vorzeitige umfangreiche Zeitanalyse</a:t>
+            </a:r>
+          </a:p>
+          <a:p>
+            <a:r>
               <a:rPr lang="de-DE" dirty="0"/>
-              <a:t>Nutzen des 4-Augen Prinzips</a:t>
+              <a:t>Risikomanagement</a:t>
             </a:r>
           </a:p>
           <a:p>
             <a:pPr lvl="1"/>
             <a:r>
-              <a:rPr lang="de-DE" dirty="0" err="1"/>
-              <a:t>Deployment</a:t>
-            </a:r>
-            <a:r>
               <a:rPr lang="de-DE" dirty="0"/>
-              <a:t> nur über standardisierte </a:t>
-            </a:r>
-            <a:r>
-              <a:rPr lang="de-DE" dirty="0" err="1"/>
-              <a:t>Git</a:t>
-            </a:r>
+              <a:t>Vorzeitige umfangreiche Risikobetrachtung</a:t>
+            </a:r>
+          </a:p>
+          <a:p>
+            <a:pPr lvl="1"/>
             <a:r>
               <a:rPr lang="de-DE" dirty="0"/>
-              <a:t>-Schnittstelle</a:t>
+              <a:t>Geplante Entgegenwirkung für jeden Fall</a:t>
             </a:r>
           </a:p>
           <a:p>
             <a:pPr lvl="1"/>
             <a:r>
               <a:rPr lang="de-DE" dirty="0"/>
-              <a:t>Gegenseitige Prüfung vor Änderung des </a:t>
-            </a:r>
-            <a:r>
-              <a:rPr lang="de-DE" dirty="0" smtClean="0"/>
-              <a:t>Produkts</a:t>
-            </a:r>
-          </a:p>
-          <a:p>
-            <a:r>
-              <a:rPr lang="de-DE" dirty="0" smtClean="0"/>
-              <a:t>Nutzung manueller, sowie automatisierter Testmöglichkeiten</a:t>
-            </a:r>
-          </a:p>
-          <a:p>
-            <a:pPr lvl="1"/>
-            <a:r>
-              <a:rPr lang="de-DE" dirty="0" smtClean="0"/>
-              <a:t>Sichert Funktionalität des Produkts</a:t>
-            </a:r>
-          </a:p>
-          <a:p>
-            <a:pPr lvl="1"/>
-            <a:r>
-              <a:rPr lang="de-DE" dirty="0" smtClean="0"/>
-              <a:t>Einhaltung der im </a:t>
-            </a:r>
-            <a:r>
-              <a:rPr lang="de-DE" dirty="0" err="1" smtClean="0"/>
-              <a:t>Use</a:t>
-            </a:r>
-            <a:r>
-              <a:rPr lang="de-DE" dirty="0" smtClean="0"/>
-              <a:t>-Case definierten Bedingungen</a:t>
-            </a:r>
-          </a:p>
-          <a:p>
-            <a:pPr lvl="1"/>
-            <a:r>
-              <a:rPr lang="de-DE" dirty="0" smtClean="0"/>
-              <a:t>Testmöglichkeit über bereits konfigurierten Web-Server</a:t>
-            </a:r>
+              <a:t>Stetiges aktualisieren der möglichen Risiken</a:t>
+            </a:r>
+          </a:p>
+          <a:p>
             <a:endParaRPr lang="de-DE" dirty="0"/>
-          </a:p>
-          <a:p>
-            <a:pPr lvl="1"/>
-            <a:endParaRPr lang="de-DE" dirty="0" smtClean="0"/>
           </a:p>
         </p:txBody>
       </p:sp>
     </p:spTree>
     <p:extLst>
       <p:ext uri="{BB962C8B-B14F-4D97-AF65-F5344CB8AC3E}">
-        <p14:creationId xmlns:p14="http://schemas.microsoft.com/office/powerpoint/2010/main" val="1489814986"/>
+        <p14:creationId xmlns:p14="http://schemas.microsoft.com/office/powerpoint/2010/main" val="946492225"/>
       </p:ext>
     </p:extLst>
   </p:cSld>
@@ -13550,7 +13964,190 @@
   <p:timing>
     <p:tnLst>
       <p:par>
-        <p:cTn id="1" dur="indefinite" restart="never" nodeType="tmRoot"/>
+        <p:cTn id="1" dur="indefinite" restart="never" nodeType="tmRoot">
+          <p:childTnLst>
+            <p:seq concurrent="1" nextAc="seek">
+              <p:cTn id="2" dur="indefinite" nodeType="mainSeq">
+                <p:childTnLst>
+                  <p:par>
+                    <p:cTn id="3" fill="hold">
+                      <p:stCondLst>
+                        <p:cond delay="indefinite"/>
+                      </p:stCondLst>
+                      <p:childTnLst>
+                        <p:par>
+                          <p:cTn id="4" fill="hold">
+                            <p:stCondLst>
+                              <p:cond delay="0"/>
+                            </p:stCondLst>
+                            <p:childTnLst>
+                              <p:par>
+                                <p:cTn id="5" presetID="1" presetClass="entr" presetSubtype="0" fill="hold" nodeType="clickEffect">
+                                  <p:stCondLst>
+                                    <p:cond delay="0"/>
+                                  </p:stCondLst>
+                                  <p:childTnLst>
+                                    <p:set>
+                                      <p:cBhvr>
+                                        <p:cTn id="6" dur="1" fill="hold">
+                                          <p:stCondLst>
+                                            <p:cond delay="0"/>
+                                          </p:stCondLst>
+                                        </p:cTn>
+                                        <p:tgtEl>
+                                          <p:spTgt spid="3">
+                                            <p:txEl>
+                                              <p:pRg st="2" end="2"/>
+                                            </p:txEl>
+                                          </p:spTgt>
+                                        </p:tgtEl>
+                                        <p:attrNameLst>
+                                          <p:attrName>style.visibility</p:attrName>
+                                        </p:attrNameLst>
+                                      </p:cBhvr>
+                                      <p:to>
+                                        <p:strVal val="visible"/>
+                                      </p:to>
+                                    </p:set>
+                                  </p:childTnLst>
+                                </p:cTn>
+                              </p:par>
+                            </p:childTnLst>
+                          </p:cTn>
+                        </p:par>
+                      </p:childTnLst>
+                    </p:cTn>
+                  </p:par>
+                  <p:par>
+                    <p:cTn id="7" fill="hold">
+                      <p:stCondLst>
+                        <p:cond delay="indefinite"/>
+                      </p:stCondLst>
+                      <p:childTnLst>
+                        <p:par>
+                          <p:cTn id="8" fill="hold">
+                            <p:stCondLst>
+                              <p:cond delay="0"/>
+                            </p:stCondLst>
+                            <p:childTnLst>
+                              <p:par>
+                                <p:cTn id="9" presetID="1" presetClass="entr" presetSubtype="0" fill="hold" nodeType="clickEffect">
+                                  <p:stCondLst>
+                                    <p:cond delay="0"/>
+                                  </p:stCondLst>
+                                  <p:childTnLst>
+                                    <p:set>
+                                      <p:cBhvr>
+                                        <p:cTn id="10" dur="1" fill="hold">
+                                          <p:stCondLst>
+                                            <p:cond delay="0"/>
+                                          </p:stCondLst>
+                                        </p:cTn>
+                                        <p:tgtEl>
+                                          <p:spTgt spid="3">
+                                            <p:txEl>
+                                              <p:pRg st="3" end="3"/>
+                                            </p:txEl>
+                                          </p:spTgt>
+                                        </p:tgtEl>
+                                        <p:attrNameLst>
+                                          <p:attrName>style.visibility</p:attrName>
+                                        </p:attrNameLst>
+                                      </p:cBhvr>
+                                      <p:to>
+                                        <p:strVal val="visible"/>
+                                      </p:to>
+                                    </p:set>
+                                  </p:childTnLst>
+                                </p:cTn>
+                              </p:par>
+                              <p:par>
+                                <p:cTn id="11" presetID="1" presetClass="entr" presetSubtype="0" fill="hold" nodeType="withEffect">
+                                  <p:stCondLst>
+                                    <p:cond delay="0"/>
+                                  </p:stCondLst>
+                                  <p:childTnLst>
+                                    <p:set>
+                                      <p:cBhvr>
+                                        <p:cTn id="12" dur="1" fill="hold">
+                                          <p:stCondLst>
+                                            <p:cond delay="0"/>
+                                          </p:stCondLst>
+                                        </p:cTn>
+                                        <p:tgtEl>
+                                          <p:spTgt spid="3">
+                                            <p:txEl>
+                                              <p:pRg st="4" end="4"/>
+                                            </p:txEl>
+                                          </p:spTgt>
+                                        </p:tgtEl>
+                                        <p:attrNameLst>
+                                          <p:attrName>style.visibility</p:attrName>
+                                        </p:attrNameLst>
+                                      </p:cBhvr>
+                                      <p:to>
+                                        <p:strVal val="visible"/>
+                                      </p:to>
+                                    </p:set>
+                                  </p:childTnLst>
+                                </p:cTn>
+                              </p:par>
+                              <p:par>
+                                <p:cTn id="13" presetID="1" presetClass="entr" presetSubtype="0" fill="hold" nodeType="withEffect">
+                                  <p:stCondLst>
+                                    <p:cond delay="0"/>
+                                  </p:stCondLst>
+                                  <p:childTnLst>
+                                    <p:set>
+                                      <p:cBhvr>
+                                        <p:cTn id="14" dur="1" fill="hold">
+                                          <p:stCondLst>
+                                            <p:cond delay="0"/>
+                                          </p:stCondLst>
+                                        </p:cTn>
+                                        <p:tgtEl>
+                                          <p:spTgt spid="3">
+                                            <p:txEl>
+                                              <p:pRg st="5" end="5"/>
+                                            </p:txEl>
+                                          </p:spTgt>
+                                        </p:tgtEl>
+                                        <p:attrNameLst>
+                                          <p:attrName>style.visibility</p:attrName>
+                                        </p:attrNameLst>
+                                      </p:cBhvr>
+                                      <p:to>
+                                        <p:strVal val="visible"/>
+                                      </p:to>
+                                    </p:set>
+                                  </p:childTnLst>
+                                </p:cTn>
+                              </p:par>
+                            </p:childTnLst>
+                          </p:cTn>
+                        </p:par>
+                      </p:childTnLst>
+                    </p:cTn>
+                  </p:par>
+                </p:childTnLst>
+              </p:cTn>
+              <p:prevCondLst>
+                <p:cond evt="onPrev" delay="0">
+                  <p:tgtEl>
+                    <p:sldTgt/>
+                  </p:tgtEl>
+                </p:cond>
+              </p:prevCondLst>
+              <p:nextCondLst>
+                <p:cond evt="onNext" delay="0">
+                  <p:tgtEl>
+                    <p:sldTgt/>
+                  </p:tgtEl>
+                </p:cond>
+              </p:nextCondLst>
+            </p:seq>
+          </p:childTnLst>
+        </p:cTn>
       </p:par>
     </p:tnLst>
   </p:timing>
@@ -13591,11 +14188,7 @@
           <a:p>
             <a:r>
               <a:rPr lang="de-DE" dirty="0" smtClean="0"/>
-              <a:t>Unsere </a:t>
-            </a:r>
-            <a:r>
-              <a:rPr lang="de-DE" dirty="0" err="1" smtClean="0"/>
-              <a:t>vision</a:t>
+              <a:t>Unsere Vision</a:t>
             </a:r>
             <a:endParaRPr lang="de-DE" dirty="0"/>
           </a:p>
@@ -13624,19 +14217,25 @@
           <a:p>
             <a:r>
               <a:rPr lang="de-DE" dirty="0" smtClean="0"/>
-              <a:t>Algorithmisch erfasste Geschmacksanalyse</a:t>
+              <a:t>Algorithmisch basierte Geschmacksanalyse</a:t>
             </a:r>
           </a:p>
           <a:p>
             <a:r>
               <a:rPr lang="de-DE" dirty="0" smtClean="0"/>
-              <a:t>Persistente sichere Datenspeicherung</a:t>
+              <a:t>Kontinuierlich steigende Genauigkeit</a:t>
             </a:r>
           </a:p>
           <a:p>
             <a:r>
               <a:rPr lang="de-DE" dirty="0" smtClean="0"/>
-              <a:t>Global erreichbar per Android Gerät</a:t>
+              <a:t>Sichere persistente Datenspeicherung</a:t>
+            </a:r>
+          </a:p>
+          <a:p>
+            <a:r>
+              <a:rPr lang="de-DE" dirty="0" smtClean="0"/>
+              <a:t>Globale Nutzbarkeit per Android Gerät</a:t>
             </a:r>
           </a:p>
           <a:p>
@@ -13657,7 +14256,203 @@
   <p:timing>
     <p:tnLst>
       <p:par>
-        <p:cTn id="1" dur="indefinite" restart="never" nodeType="tmRoot"/>
+        <p:cTn id="1" dur="indefinite" restart="never" nodeType="tmRoot">
+          <p:childTnLst>
+            <p:seq concurrent="1" nextAc="seek">
+              <p:cTn id="2" dur="indefinite" nodeType="mainSeq">
+                <p:childTnLst>
+                  <p:par>
+                    <p:cTn id="3" fill="hold">
+                      <p:stCondLst>
+                        <p:cond delay="indefinite"/>
+                      </p:stCondLst>
+                      <p:childTnLst>
+                        <p:par>
+                          <p:cTn id="4" fill="hold">
+                            <p:stCondLst>
+                              <p:cond delay="0"/>
+                            </p:stCondLst>
+                            <p:childTnLst>
+                              <p:par>
+                                <p:cTn id="5" presetID="1" presetClass="entr" presetSubtype="0" fill="hold" nodeType="clickEffect">
+                                  <p:stCondLst>
+                                    <p:cond delay="0"/>
+                                  </p:stCondLst>
+                                  <p:childTnLst>
+                                    <p:set>
+                                      <p:cBhvr>
+                                        <p:cTn id="6" dur="1" fill="hold">
+                                          <p:stCondLst>
+                                            <p:cond delay="0"/>
+                                          </p:stCondLst>
+                                        </p:cTn>
+                                        <p:tgtEl>
+                                          <p:spTgt spid="3">
+                                            <p:txEl>
+                                              <p:pRg st="0" end="0"/>
+                                            </p:txEl>
+                                          </p:spTgt>
+                                        </p:tgtEl>
+                                        <p:attrNameLst>
+                                          <p:attrName>style.visibility</p:attrName>
+                                        </p:attrNameLst>
+                                      </p:cBhvr>
+                                      <p:to>
+                                        <p:strVal val="visible"/>
+                                      </p:to>
+                                    </p:set>
+                                  </p:childTnLst>
+                                </p:cTn>
+                              </p:par>
+                              <p:par>
+                                <p:cTn id="7" presetID="1" presetClass="entr" presetSubtype="0" fill="hold" nodeType="withEffect">
+                                  <p:stCondLst>
+                                    <p:cond delay="0"/>
+                                  </p:stCondLst>
+                                  <p:childTnLst>
+                                    <p:set>
+                                      <p:cBhvr>
+                                        <p:cTn id="8" dur="1" fill="hold">
+                                          <p:stCondLst>
+                                            <p:cond delay="0"/>
+                                          </p:stCondLst>
+                                        </p:cTn>
+                                        <p:tgtEl>
+                                          <p:spTgt spid="3">
+                                            <p:txEl>
+                                              <p:pRg st="1" end="1"/>
+                                            </p:txEl>
+                                          </p:spTgt>
+                                        </p:tgtEl>
+                                        <p:attrNameLst>
+                                          <p:attrName>style.visibility</p:attrName>
+                                        </p:attrNameLst>
+                                      </p:cBhvr>
+                                      <p:to>
+                                        <p:strVal val="visible"/>
+                                      </p:to>
+                                    </p:set>
+                                  </p:childTnLst>
+                                </p:cTn>
+                              </p:par>
+                              <p:par>
+                                <p:cTn id="9" presetID="1" presetClass="entr" presetSubtype="0" fill="hold" nodeType="withEffect">
+                                  <p:stCondLst>
+                                    <p:cond delay="0"/>
+                                  </p:stCondLst>
+                                  <p:childTnLst>
+                                    <p:set>
+                                      <p:cBhvr>
+                                        <p:cTn id="10" dur="1" fill="hold">
+                                          <p:stCondLst>
+                                            <p:cond delay="0"/>
+                                          </p:stCondLst>
+                                        </p:cTn>
+                                        <p:tgtEl>
+                                          <p:spTgt spid="3">
+                                            <p:txEl>
+                                              <p:pRg st="2" end="2"/>
+                                            </p:txEl>
+                                          </p:spTgt>
+                                        </p:tgtEl>
+                                        <p:attrNameLst>
+                                          <p:attrName>style.visibility</p:attrName>
+                                        </p:attrNameLst>
+                                      </p:cBhvr>
+                                      <p:to>
+                                        <p:strVal val="visible"/>
+                                      </p:to>
+                                    </p:set>
+                                  </p:childTnLst>
+                                </p:cTn>
+                              </p:par>
+                              <p:par>
+                                <p:cTn id="11" presetID="1" presetClass="entr" presetSubtype="0" fill="hold" nodeType="withEffect">
+                                  <p:stCondLst>
+                                    <p:cond delay="0"/>
+                                  </p:stCondLst>
+                                  <p:childTnLst>
+                                    <p:set>
+                                      <p:cBhvr>
+                                        <p:cTn id="12" dur="1" fill="hold">
+                                          <p:stCondLst>
+                                            <p:cond delay="0"/>
+                                          </p:stCondLst>
+                                        </p:cTn>
+                                        <p:tgtEl>
+                                          <p:spTgt spid="3">
+                                            <p:txEl>
+                                              <p:pRg st="3" end="3"/>
+                                            </p:txEl>
+                                          </p:spTgt>
+                                        </p:tgtEl>
+                                        <p:attrNameLst>
+                                          <p:attrName>style.visibility</p:attrName>
+                                        </p:attrNameLst>
+                                      </p:cBhvr>
+                                      <p:to>
+                                        <p:strVal val="visible"/>
+                                      </p:to>
+                                    </p:set>
+                                  </p:childTnLst>
+                                </p:cTn>
+                              </p:par>
+                              <p:par>
+                                <p:cTn id="13" presetID="1" presetClass="entr" presetSubtype="0" fill="hold" nodeType="withEffect">
+                                  <p:stCondLst>
+                                    <p:cond delay="0"/>
+                                  </p:stCondLst>
+                                  <p:childTnLst>
+                                    <p:set>
+                                      <p:cBhvr>
+                                        <p:cTn id="14" dur="1" fill="hold">
+                                          <p:stCondLst>
+                                            <p:cond delay="0"/>
+                                          </p:stCondLst>
+                                        </p:cTn>
+                                        <p:tgtEl>
+                                          <p:spTgt spid="3">
+                                            <p:txEl>
+                                              <p:pRg st="4" end="4"/>
+                                            </p:txEl>
+                                          </p:spTgt>
+                                        </p:tgtEl>
+                                        <p:attrNameLst>
+                                          <p:attrName>style.visibility</p:attrName>
+                                        </p:attrNameLst>
+                                      </p:cBhvr>
+                                      <p:to>
+                                        <p:strVal val="visible"/>
+                                      </p:to>
+                                    </p:set>
+                                  </p:childTnLst>
+                                </p:cTn>
+                              </p:par>
+                            </p:childTnLst>
+                          </p:cTn>
+                        </p:par>
+                      </p:childTnLst>
+                    </p:cTn>
+                  </p:par>
+                </p:childTnLst>
+              </p:cTn>
+              <p:prevCondLst>
+                <p:cond evt="onPrev" delay="0">
+                  <p:tgtEl>
+                    <p:sldTgt/>
+                  </p:tgtEl>
+                </p:cond>
+              </p:prevCondLst>
+              <p:nextCondLst>
+                <p:cond evt="onNext" delay="0">
+                  <p:tgtEl>
+                    <p:sldTgt/>
+                  </p:tgtEl>
+                </p:cond>
+              </p:nextCondLst>
+            </p:seq>
+          </p:childTnLst>
+        </p:cTn>
       </p:par>
     </p:tnLst>
   </p:timing>
@@ -13683,9 +14478,9 @@
       </p:grpSpPr>
       <p:pic>
         <p:nvPicPr>
-          <p:cNvPr id="2" name="Grafik 1"/>
+          <p:cNvPr id="1026" name="Picture 2" descr="C:\Users\Simon\Desktop\SoftwareEngineering_Midterm_Presentation\risks.png"/>
           <p:cNvPicPr>
-            <a:picLocks noChangeAspect="1"/>
+            <a:picLocks noChangeAspect="1" noChangeArrowheads="1"/>
           </p:cNvPicPr>
           <p:nvPr/>
         </p:nvPicPr>
@@ -13697,24 +14492,35 @@
               </a:ext>
             </a:extLst>
           </a:blip>
+          <a:srcRect/>
           <a:stretch>
             <a:fillRect/>
           </a:stretch>
         </p:blipFill>
-        <p:spPr>
+        <p:spPr bwMode="auto">
           <a:xfrm>
-            <a:off x="1452563" y="1604963"/>
-            <a:ext cx="9286875" cy="3648075"/>
+            <a:off x="2763471" y="185102"/>
+            <a:ext cx="6665058" cy="6487797"/>
           </a:xfrm>
           <a:prstGeom prst="rect">
             <a:avLst/>
           </a:prstGeom>
+          <a:noFill/>
+          <a:extLst>
+            <a:ext uri="{909E8E84-426E-40DD-AFC4-6F175D3DCCD1}">
+              <a14:hiddenFill xmlns:a14="http://schemas.microsoft.com/office/drawing/2010/main">
+                <a:solidFill>
+                  <a:srgbClr val="FFFFFF"/>
+                </a:solidFill>
+              </a14:hiddenFill>
+            </a:ext>
+          </a:extLst>
         </p:spPr>
       </p:pic>
     </p:spTree>
     <p:extLst>
       <p:ext uri="{BB962C8B-B14F-4D97-AF65-F5344CB8AC3E}">
-        <p14:creationId xmlns:p14="http://schemas.microsoft.com/office/powerpoint/2010/main" val="1443016775"/>
+        <p14:creationId xmlns:p14="http://schemas.microsoft.com/office/powerpoint/2010/main" val="2105729422"/>
       </p:ext>
     </p:extLst>
   </p:cSld>
@@ -13765,7 +14571,7 @@
           <a:p>
             <a:r>
               <a:rPr lang="de-DE" dirty="0" smtClean="0"/>
-              <a:t>Präsentation</a:t>
+              <a:t>Qualität</a:t>
             </a:r>
             <a:endParaRPr lang="de-DE" dirty="0"/>
           </a:p>
@@ -13783,21 +14589,267 @@
         </p:nvSpPr>
         <p:spPr/>
         <p:txBody>
-          <a:bodyPr/>
+          <a:bodyPr>
+            <a:normAutofit/>
+          </a:bodyPr>
           <a:lstStyle/>
           <a:p>
             <a:r>
               <a:rPr lang="de-DE" dirty="0" smtClean="0"/>
-              <a:t>Live Test</a:t>
-            </a:r>
-            <a:endParaRPr lang="de-DE" dirty="0"/>
+              <a:t>Nutzen des 4-Augen Prinzips</a:t>
+            </a:r>
+          </a:p>
+          <a:p>
+            <a:pPr lvl="1"/>
+            <a:r>
+              <a:rPr lang="de-DE" dirty="0" err="1" smtClean="0"/>
+              <a:t>Deployment</a:t>
+            </a:r>
+            <a:r>
+              <a:rPr lang="de-DE" dirty="0" smtClean="0"/>
+              <a:t> nur über standardisierte </a:t>
+            </a:r>
+            <a:r>
+              <a:rPr lang="de-DE" dirty="0" err="1" smtClean="0"/>
+              <a:t>Git</a:t>
+            </a:r>
+            <a:r>
+              <a:rPr lang="de-DE" dirty="0" smtClean="0"/>
+              <a:t>-Schnittstelle</a:t>
+            </a:r>
+          </a:p>
+          <a:p>
+            <a:pPr lvl="1"/>
+            <a:r>
+              <a:rPr lang="de-DE" dirty="0" smtClean="0"/>
+              <a:t>Gegenseitige Prüfung vor Änderung des Produkts</a:t>
+            </a:r>
           </a:p>
         </p:txBody>
       </p:sp>
     </p:spTree>
     <p:extLst>
       <p:ext uri="{BB962C8B-B14F-4D97-AF65-F5344CB8AC3E}">
-        <p14:creationId xmlns:p14="http://schemas.microsoft.com/office/powerpoint/2010/main" val="1830894185"/>
+        <p14:creationId xmlns:p14="http://schemas.microsoft.com/office/powerpoint/2010/main" val="2586671235"/>
+      </p:ext>
+    </p:extLst>
+  </p:cSld>
+  <p:clrMapOvr>
+    <a:masterClrMapping/>
+  </p:clrMapOvr>
+  <p:timing>
+    <p:tnLst>
+      <p:par>
+        <p:cTn id="1" dur="indefinite" restart="never" nodeType="tmRoot">
+          <p:childTnLst>
+            <p:seq concurrent="1" nextAc="seek">
+              <p:cTn id="2" dur="indefinite" nodeType="mainSeq">
+                <p:childTnLst>
+                  <p:par>
+                    <p:cTn id="3" fill="hold">
+                      <p:stCondLst>
+                        <p:cond delay="indefinite"/>
+                      </p:stCondLst>
+                      <p:childTnLst>
+                        <p:par>
+                          <p:cTn id="4" fill="hold">
+                            <p:stCondLst>
+                              <p:cond delay="0"/>
+                            </p:stCondLst>
+                            <p:childTnLst>
+                              <p:par>
+                                <p:cTn id="5" presetID="1" presetClass="entr" presetSubtype="0" fill="hold" nodeType="clickEffect">
+                                  <p:stCondLst>
+                                    <p:cond delay="0"/>
+                                  </p:stCondLst>
+                                  <p:childTnLst>
+                                    <p:set>
+                                      <p:cBhvr>
+                                        <p:cTn id="6" dur="1" fill="hold">
+                                          <p:stCondLst>
+                                            <p:cond delay="0"/>
+                                          </p:stCondLst>
+                                        </p:cTn>
+                                        <p:tgtEl>
+                                          <p:spTgt spid="3">
+                                            <p:txEl>
+                                              <p:pRg st="0" end="0"/>
+                                            </p:txEl>
+                                          </p:spTgt>
+                                        </p:tgtEl>
+                                        <p:attrNameLst>
+                                          <p:attrName>style.visibility</p:attrName>
+                                        </p:attrNameLst>
+                                      </p:cBhvr>
+                                      <p:to>
+                                        <p:strVal val="visible"/>
+                                      </p:to>
+                                    </p:set>
+                                  </p:childTnLst>
+                                </p:cTn>
+                              </p:par>
+                            </p:childTnLst>
+                          </p:cTn>
+                        </p:par>
+                      </p:childTnLst>
+                    </p:cTn>
+                  </p:par>
+                  <p:par>
+                    <p:cTn id="7" fill="hold">
+                      <p:stCondLst>
+                        <p:cond delay="indefinite"/>
+                      </p:stCondLst>
+                      <p:childTnLst>
+                        <p:par>
+                          <p:cTn id="8" fill="hold">
+                            <p:stCondLst>
+                              <p:cond delay="0"/>
+                            </p:stCondLst>
+                            <p:childTnLst>
+                              <p:par>
+                                <p:cTn id="9" presetID="1" presetClass="entr" presetSubtype="0" fill="hold" nodeType="clickEffect">
+                                  <p:stCondLst>
+                                    <p:cond delay="0"/>
+                                  </p:stCondLst>
+                                  <p:childTnLst>
+                                    <p:set>
+                                      <p:cBhvr>
+                                        <p:cTn id="10" dur="1" fill="hold">
+                                          <p:stCondLst>
+                                            <p:cond delay="0"/>
+                                          </p:stCondLst>
+                                        </p:cTn>
+                                        <p:tgtEl>
+                                          <p:spTgt spid="3">
+                                            <p:txEl>
+                                              <p:pRg st="1" end="1"/>
+                                            </p:txEl>
+                                          </p:spTgt>
+                                        </p:tgtEl>
+                                        <p:attrNameLst>
+                                          <p:attrName>style.visibility</p:attrName>
+                                        </p:attrNameLst>
+                                      </p:cBhvr>
+                                      <p:to>
+                                        <p:strVal val="visible"/>
+                                      </p:to>
+                                    </p:set>
+                                  </p:childTnLst>
+                                </p:cTn>
+                              </p:par>
+                              <p:par>
+                                <p:cTn id="11" presetID="1" presetClass="entr" presetSubtype="0" fill="hold" nodeType="withEffect">
+                                  <p:stCondLst>
+                                    <p:cond delay="0"/>
+                                  </p:stCondLst>
+                                  <p:childTnLst>
+                                    <p:set>
+                                      <p:cBhvr>
+                                        <p:cTn id="12" dur="1" fill="hold">
+                                          <p:stCondLst>
+                                            <p:cond delay="0"/>
+                                          </p:stCondLst>
+                                        </p:cTn>
+                                        <p:tgtEl>
+                                          <p:spTgt spid="3">
+                                            <p:txEl>
+                                              <p:pRg st="2" end="2"/>
+                                            </p:txEl>
+                                          </p:spTgt>
+                                        </p:tgtEl>
+                                        <p:attrNameLst>
+                                          <p:attrName>style.visibility</p:attrName>
+                                        </p:attrNameLst>
+                                      </p:cBhvr>
+                                      <p:to>
+                                        <p:strVal val="visible"/>
+                                      </p:to>
+                                    </p:set>
+                                  </p:childTnLst>
+                                </p:cTn>
+                              </p:par>
+                            </p:childTnLst>
+                          </p:cTn>
+                        </p:par>
+                      </p:childTnLst>
+                    </p:cTn>
+                  </p:par>
+                </p:childTnLst>
+              </p:cTn>
+              <p:prevCondLst>
+                <p:cond evt="onPrev" delay="0">
+                  <p:tgtEl>
+                    <p:sldTgt/>
+                  </p:tgtEl>
+                </p:cond>
+              </p:prevCondLst>
+              <p:nextCondLst>
+                <p:cond evt="onNext" delay="0">
+                  <p:tgtEl>
+                    <p:sldTgt/>
+                  </p:tgtEl>
+                </p:cond>
+              </p:nextCondLst>
+            </p:seq>
+          </p:childTnLst>
+        </p:cTn>
+      </p:par>
+    </p:tnLst>
+  </p:timing>
+</p:sld>
+</file>
+
+<file path=ppt/slides/slide22.xml><?xml version="1.0" encoding="utf-8"?>
+<p:sld xmlns:a="http://schemas.openxmlformats.org/drawingml/2006/main" xmlns:r="http://schemas.openxmlformats.org/officeDocument/2006/relationships" xmlns:p="http://schemas.openxmlformats.org/presentationml/2006/main">
+  <p:cSld>
+    <p:spTree>
+      <p:nvGrpSpPr>
+        <p:cNvPr id="1" name=""/>
+        <p:cNvGrpSpPr/>
+        <p:nvPr/>
+      </p:nvGrpSpPr>
+      <p:grpSpPr>
+        <a:xfrm>
+          <a:off x="0" y="0"/>
+          <a:ext cx="0" cy="0"/>
+          <a:chOff x="0" y="0"/>
+          <a:chExt cx="0" cy="0"/>
+        </a:xfrm>
+      </p:grpSpPr>
+      <p:pic>
+        <p:nvPicPr>
+          <p:cNvPr id="4" name="Grafik 3"/>
+          <p:cNvPicPr>
+            <a:picLocks noChangeAspect="1"/>
+          </p:cNvPicPr>
+          <p:nvPr/>
+        </p:nvPicPr>
+        <p:blipFill>
+          <a:blip r:embed="rId2">
+            <a:extLst>
+              <a:ext uri="{28A0092B-C50C-407E-A947-70E740481C1C}">
+                <a14:useLocalDpi xmlns:a14="http://schemas.microsoft.com/office/drawing/2010/main" val="0"/>
+              </a:ext>
+            </a:extLst>
+          </a:blip>
+          <a:stretch>
+            <a:fillRect/>
+          </a:stretch>
+        </p:blipFill>
+        <p:spPr>
+          <a:xfrm>
+            <a:off x="2164226" y="0"/>
+            <a:ext cx="8088135" cy="6858000"/>
+          </a:xfrm>
+          <a:prstGeom prst="rect">
+            <a:avLst/>
+          </a:prstGeom>
+        </p:spPr>
+      </p:pic>
+    </p:spTree>
+    <p:extLst>
+      <p:ext uri="{BB962C8B-B14F-4D97-AF65-F5344CB8AC3E}">
+        <p14:creationId xmlns:p14="http://schemas.microsoft.com/office/powerpoint/2010/main" val="3113602339"/>
       </p:ext>
     </p:extLst>
   </p:cSld>
@@ -13814,7 +14866,141 @@
 </p:sld>
 </file>
 
-<file path=ppt/slides/slide22.xml><?xml version="1.0" encoding="utf-8"?>
+<file path=ppt/slides/slide23.xml><?xml version="1.0" encoding="utf-8"?>
+<p:sld xmlns:a="http://schemas.openxmlformats.org/drawingml/2006/main" xmlns:r="http://schemas.openxmlformats.org/officeDocument/2006/relationships" xmlns:p="http://schemas.openxmlformats.org/presentationml/2006/main">
+  <p:cSld>
+    <p:spTree>
+      <p:nvGrpSpPr>
+        <p:cNvPr id="1" name=""/>
+        <p:cNvGrpSpPr/>
+        <p:nvPr/>
+      </p:nvGrpSpPr>
+      <p:grpSpPr>
+        <a:xfrm>
+          <a:off x="0" y="0"/>
+          <a:ext cx="0" cy="0"/>
+          <a:chOff x="0" y="0"/>
+          <a:chExt cx="0" cy="0"/>
+        </a:xfrm>
+      </p:grpSpPr>
+      <p:pic>
+        <p:nvPicPr>
+          <p:cNvPr id="2" name="Grafik 1"/>
+          <p:cNvPicPr>
+            <a:picLocks noChangeAspect="1"/>
+          </p:cNvPicPr>
+          <p:nvPr/>
+        </p:nvPicPr>
+        <p:blipFill>
+          <a:blip r:embed="rId2">
+            <a:extLst>
+              <a:ext uri="{28A0092B-C50C-407E-A947-70E740481C1C}">
+                <a14:useLocalDpi xmlns:a14="http://schemas.microsoft.com/office/drawing/2010/main" val="0"/>
+              </a:ext>
+            </a:extLst>
+          </a:blip>
+          <a:stretch>
+            <a:fillRect/>
+          </a:stretch>
+        </p:blipFill>
+        <p:spPr>
+          <a:xfrm>
+            <a:off x="1285204" y="2423972"/>
+            <a:ext cx="9621593" cy="2010056"/>
+          </a:xfrm>
+          <a:prstGeom prst="rect">
+            <a:avLst/>
+          </a:prstGeom>
+        </p:spPr>
+      </p:pic>
+    </p:spTree>
+    <p:extLst>
+      <p:ext uri="{BB962C8B-B14F-4D97-AF65-F5344CB8AC3E}">
+        <p14:creationId xmlns:p14="http://schemas.microsoft.com/office/powerpoint/2010/main" val="1836105069"/>
+      </p:ext>
+    </p:extLst>
+  </p:cSld>
+  <p:clrMapOvr>
+    <a:masterClrMapping/>
+  </p:clrMapOvr>
+  <p:timing>
+    <p:tnLst>
+      <p:par>
+        <p:cTn id="1" dur="indefinite" restart="never" nodeType="tmRoot"/>
+      </p:par>
+    </p:tnLst>
+  </p:timing>
+</p:sld>
+</file>
+
+<file path=ppt/slides/slide24.xml><?xml version="1.0" encoding="utf-8"?>
+<p:sld xmlns:a="http://schemas.openxmlformats.org/drawingml/2006/main" xmlns:r="http://schemas.openxmlformats.org/officeDocument/2006/relationships" xmlns:p="http://schemas.openxmlformats.org/presentationml/2006/main">
+  <p:cSld>
+    <p:spTree>
+      <p:nvGrpSpPr>
+        <p:cNvPr id="1" name=""/>
+        <p:cNvGrpSpPr/>
+        <p:nvPr/>
+      </p:nvGrpSpPr>
+      <p:grpSpPr>
+        <a:xfrm>
+          <a:off x="0" y="0"/>
+          <a:ext cx="0" cy="0"/>
+          <a:chOff x="0" y="0"/>
+          <a:chExt cx="0" cy="0"/>
+        </a:xfrm>
+      </p:grpSpPr>
+      <p:pic>
+        <p:nvPicPr>
+          <p:cNvPr id="2" name="Grafik 1"/>
+          <p:cNvPicPr>
+            <a:picLocks noChangeAspect="1"/>
+          </p:cNvPicPr>
+          <p:nvPr/>
+        </p:nvPicPr>
+        <p:blipFill>
+          <a:blip r:embed="rId2">
+            <a:extLst>
+              <a:ext uri="{28A0092B-C50C-407E-A947-70E740481C1C}">
+                <a14:useLocalDpi xmlns:a14="http://schemas.microsoft.com/office/drawing/2010/main" val="0"/>
+              </a:ext>
+            </a:extLst>
+          </a:blip>
+          <a:stretch>
+            <a:fillRect/>
+          </a:stretch>
+        </p:blipFill>
+        <p:spPr>
+          <a:xfrm>
+            <a:off x="2365218" y="0"/>
+            <a:ext cx="7461565" cy="6858000"/>
+          </a:xfrm>
+          <a:prstGeom prst="rect">
+            <a:avLst/>
+          </a:prstGeom>
+        </p:spPr>
+      </p:pic>
+    </p:spTree>
+    <p:extLst>
+      <p:ext uri="{BB962C8B-B14F-4D97-AF65-F5344CB8AC3E}">
+        <p14:creationId xmlns:p14="http://schemas.microsoft.com/office/powerpoint/2010/main" val="295617327"/>
+      </p:ext>
+    </p:extLst>
+  </p:cSld>
+  <p:clrMapOvr>
+    <a:masterClrMapping/>
+  </p:clrMapOvr>
+  <p:timing>
+    <p:tnLst>
+      <p:par>
+        <p:cTn id="1" dur="indefinite" restart="never" nodeType="tmRoot"/>
+      </p:par>
+    </p:tnLst>
+  </p:timing>
+</p:sld>
+</file>
+
+<file path=ppt/slides/slide25.xml><?xml version="1.0" encoding="utf-8"?>
 <p:sld xmlns:a="http://schemas.openxmlformats.org/drawingml/2006/main" xmlns:r="http://schemas.openxmlformats.org/officeDocument/2006/relationships" xmlns:p="http://schemas.openxmlformats.org/presentationml/2006/main">
   <p:cSld>
     <p:spTree>
@@ -13841,10 +15027,634 @@
             <p:ph type="title"/>
           </p:nvPr>
         </p:nvSpPr>
+        <p:spPr/>
+        <p:txBody>
+          <a:bodyPr/>
+          <a:lstStyle/>
+          <a:p>
+            <a:r>
+              <a:rPr lang="de-DE" dirty="0" smtClean="0"/>
+              <a:t>Qualitäts-Tests</a:t>
+            </a:r>
+            <a:endParaRPr lang="de-DE" dirty="0"/>
+          </a:p>
+        </p:txBody>
+      </p:sp>
+      <p:sp>
+        <p:nvSpPr>
+          <p:cNvPr id="3" name="Inhaltsplatzhalter 2"/>
+          <p:cNvSpPr>
+            <a:spLocks noGrp="1"/>
+          </p:cNvSpPr>
+          <p:nvPr>
+            <p:ph idx="1"/>
+          </p:nvPr>
+        </p:nvSpPr>
+        <p:spPr/>
+        <p:txBody>
+          <a:bodyPr>
+            <a:normAutofit fontScale="92500" lnSpcReduction="20000"/>
+          </a:bodyPr>
+          <a:lstStyle/>
+          <a:p>
+            <a:r>
+              <a:rPr lang="de-DE" dirty="0"/>
+              <a:t>Nutzung manueller, sowie automatisierter Testmöglichkeiten</a:t>
+            </a:r>
+          </a:p>
+          <a:p>
+            <a:pPr lvl="1"/>
+            <a:r>
+              <a:rPr lang="de-DE" dirty="0"/>
+              <a:t>Sichert Funktionalität des Produkts</a:t>
+            </a:r>
+          </a:p>
+          <a:p>
+            <a:pPr lvl="1"/>
+            <a:r>
+              <a:rPr lang="de-DE" dirty="0"/>
+              <a:t>Einhaltung der im </a:t>
+            </a:r>
+            <a:r>
+              <a:rPr lang="de-DE" dirty="0" err="1"/>
+              <a:t>Use</a:t>
+            </a:r>
+            <a:r>
+              <a:rPr lang="de-DE" dirty="0"/>
+              <a:t>-Case definierten Bedingungen</a:t>
+            </a:r>
+          </a:p>
+          <a:p>
+            <a:pPr lvl="1"/>
+            <a:r>
+              <a:rPr lang="de-DE" dirty="0"/>
+              <a:t>Testmöglichkeit über bereits konfigurierten </a:t>
+            </a:r>
+            <a:r>
+              <a:rPr lang="de-DE" dirty="0" smtClean="0"/>
+              <a:t>Web-Server</a:t>
+            </a:r>
+          </a:p>
+          <a:p>
+            <a:r>
+              <a:rPr lang="de-DE" dirty="0" smtClean="0"/>
+              <a:t>Testumfang beinhaltet</a:t>
+            </a:r>
+          </a:p>
+          <a:p>
+            <a:pPr lvl="1"/>
+            <a:r>
+              <a:rPr lang="de-DE" dirty="0" err="1" smtClean="0"/>
+              <a:t>JUnit</a:t>
+            </a:r>
+            <a:r>
+              <a:rPr lang="de-DE" dirty="0" smtClean="0"/>
+              <a:t> Tests für stetige automatisierte Funktionskontrolle (Logik)</a:t>
+            </a:r>
+          </a:p>
+          <a:p>
+            <a:pPr lvl="1"/>
+            <a:r>
+              <a:rPr lang="de-DE" dirty="0" err="1" smtClean="0"/>
+              <a:t>Instrumented</a:t>
+            </a:r>
+            <a:r>
+              <a:rPr lang="de-DE" dirty="0" smtClean="0"/>
+              <a:t> Tests für Funktionalität des UI (User Interface)</a:t>
+            </a:r>
+          </a:p>
+          <a:p>
+            <a:pPr lvl="1"/>
+            <a:r>
+              <a:rPr lang="de-DE" dirty="0" smtClean="0"/>
+              <a:t>Stresstest der App</a:t>
+            </a:r>
+          </a:p>
+          <a:p>
+            <a:pPr lvl="1"/>
+            <a:r>
+              <a:rPr lang="de-DE" dirty="0" smtClean="0"/>
+              <a:t>Test von Server/Datenbank</a:t>
+            </a:r>
+            <a:endParaRPr lang="de-DE" dirty="0"/>
+          </a:p>
+        </p:txBody>
+      </p:sp>
+    </p:spTree>
+    <p:extLst>
+      <p:ext uri="{BB962C8B-B14F-4D97-AF65-F5344CB8AC3E}">
+        <p14:creationId xmlns:p14="http://schemas.microsoft.com/office/powerpoint/2010/main" val="3731342656"/>
+      </p:ext>
+    </p:extLst>
+  </p:cSld>
+  <p:clrMapOvr>
+    <a:masterClrMapping/>
+  </p:clrMapOvr>
+  <p:timing>
+    <p:tnLst>
+      <p:par>
+        <p:cTn id="1" dur="indefinite" restart="never" nodeType="tmRoot">
+          <p:childTnLst>
+            <p:seq concurrent="1" nextAc="seek">
+              <p:cTn id="2" dur="indefinite" nodeType="mainSeq">
+                <p:childTnLst>
+                  <p:par>
+                    <p:cTn id="3" fill="hold">
+                      <p:stCondLst>
+                        <p:cond delay="indefinite"/>
+                      </p:stCondLst>
+                      <p:childTnLst>
+                        <p:par>
+                          <p:cTn id="4" fill="hold">
+                            <p:stCondLst>
+                              <p:cond delay="0"/>
+                            </p:stCondLst>
+                            <p:childTnLst>
+                              <p:par>
+                                <p:cTn id="5" presetID="1" presetClass="entr" presetSubtype="0" fill="hold" nodeType="clickEffect">
+                                  <p:stCondLst>
+                                    <p:cond delay="0"/>
+                                  </p:stCondLst>
+                                  <p:childTnLst>
+                                    <p:set>
+                                      <p:cBhvr>
+                                        <p:cTn id="6" dur="1" fill="hold">
+                                          <p:stCondLst>
+                                            <p:cond delay="0"/>
+                                          </p:stCondLst>
+                                        </p:cTn>
+                                        <p:tgtEl>
+                                          <p:spTgt spid="3">
+                                            <p:txEl>
+                                              <p:pRg st="0" end="0"/>
+                                            </p:txEl>
+                                          </p:spTgt>
+                                        </p:tgtEl>
+                                        <p:attrNameLst>
+                                          <p:attrName>style.visibility</p:attrName>
+                                        </p:attrNameLst>
+                                      </p:cBhvr>
+                                      <p:to>
+                                        <p:strVal val="visible"/>
+                                      </p:to>
+                                    </p:set>
+                                  </p:childTnLst>
+                                </p:cTn>
+                              </p:par>
+                            </p:childTnLst>
+                          </p:cTn>
+                        </p:par>
+                      </p:childTnLst>
+                    </p:cTn>
+                  </p:par>
+                  <p:par>
+                    <p:cTn id="7" fill="hold">
+                      <p:stCondLst>
+                        <p:cond delay="indefinite"/>
+                      </p:stCondLst>
+                      <p:childTnLst>
+                        <p:par>
+                          <p:cTn id="8" fill="hold">
+                            <p:stCondLst>
+                              <p:cond delay="0"/>
+                            </p:stCondLst>
+                            <p:childTnLst>
+                              <p:par>
+                                <p:cTn id="9" presetID="1" presetClass="entr" presetSubtype="0" fill="hold" nodeType="clickEffect">
+                                  <p:stCondLst>
+                                    <p:cond delay="0"/>
+                                  </p:stCondLst>
+                                  <p:childTnLst>
+                                    <p:set>
+                                      <p:cBhvr>
+                                        <p:cTn id="10" dur="1" fill="hold">
+                                          <p:stCondLst>
+                                            <p:cond delay="0"/>
+                                          </p:stCondLst>
+                                        </p:cTn>
+                                        <p:tgtEl>
+                                          <p:spTgt spid="3">
+                                            <p:txEl>
+                                              <p:pRg st="1" end="1"/>
+                                            </p:txEl>
+                                          </p:spTgt>
+                                        </p:tgtEl>
+                                        <p:attrNameLst>
+                                          <p:attrName>style.visibility</p:attrName>
+                                        </p:attrNameLst>
+                                      </p:cBhvr>
+                                      <p:to>
+                                        <p:strVal val="visible"/>
+                                      </p:to>
+                                    </p:set>
+                                  </p:childTnLst>
+                                </p:cTn>
+                              </p:par>
+                              <p:par>
+                                <p:cTn id="11" presetID="1" presetClass="entr" presetSubtype="0" fill="hold" nodeType="withEffect">
+                                  <p:stCondLst>
+                                    <p:cond delay="0"/>
+                                  </p:stCondLst>
+                                  <p:childTnLst>
+                                    <p:set>
+                                      <p:cBhvr>
+                                        <p:cTn id="12" dur="1" fill="hold">
+                                          <p:stCondLst>
+                                            <p:cond delay="0"/>
+                                          </p:stCondLst>
+                                        </p:cTn>
+                                        <p:tgtEl>
+                                          <p:spTgt spid="3">
+                                            <p:txEl>
+                                              <p:pRg st="2" end="2"/>
+                                            </p:txEl>
+                                          </p:spTgt>
+                                        </p:tgtEl>
+                                        <p:attrNameLst>
+                                          <p:attrName>style.visibility</p:attrName>
+                                        </p:attrNameLst>
+                                      </p:cBhvr>
+                                      <p:to>
+                                        <p:strVal val="visible"/>
+                                      </p:to>
+                                    </p:set>
+                                  </p:childTnLst>
+                                </p:cTn>
+                              </p:par>
+                              <p:par>
+                                <p:cTn id="13" presetID="1" presetClass="entr" presetSubtype="0" fill="hold" nodeType="withEffect">
+                                  <p:stCondLst>
+                                    <p:cond delay="0"/>
+                                  </p:stCondLst>
+                                  <p:childTnLst>
+                                    <p:set>
+                                      <p:cBhvr>
+                                        <p:cTn id="14" dur="1" fill="hold">
+                                          <p:stCondLst>
+                                            <p:cond delay="0"/>
+                                          </p:stCondLst>
+                                        </p:cTn>
+                                        <p:tgtEl>
+                                          <p:spTgt spid="3">
+                                            <p:txEl>
+                                              <p:pRg st="3" end="3"/>
+                                            </p:txEl>
+                                          </p:spTgt>
+                                        </p:tgtEl>
+                                        <p:attrNameLst>
+                                          <p:attrName>style.visibility</p:attrName>
+                                        </p:attrNameLst>
+                                      </p:cBhvr>
+                                      <p:to>
+                                        <p:strVal val="visible"/>
+                                      </p:to>
+                                    </p:set>
+                                  </p:childTnLst>
+                                </p:cTn>
+                              </p:par>
+                            </p:childTnLst>
+                          </p:cTn>
+                        </p:par>
+                      </p:childTnLst>
+                    </p:cTn>
+                  </p:par>
+                  <p:par>
+                    <p:cTn id="15" fill="hold">
+                      <p:stCondLst>
+                        <p:cond delay="indefinite"/>
+                      </p:stCondLst>
+                      <p:childTnLst>
+                        <p:par>
+                          <p:cTn id="16" fill="hold">
+                            <p:stCondLst>
+                              <p:cond delay="0"/>
+                            </p:stCondLst>
+                            <p:childTnLst>
+                              <p:par>
+                                <p:cTn id="17" presetID="1" presetClass="entr" presetSubtype="0" fill="hold" nodeType="clickEffect">
+                                  <p:stCondLst>
+                                    <p:cond delay="0"/>
+                                  </p:stCondLst>
+                                  <p:childTnLst>
+                                    <p:set>
+                                      <p:cBhvr>
+                                        <p:cTn id="18" dur="1" fill="hold">
+                                          <p:stCondLst>
+                                            <p:cond delay="0"/>
+                                          </p:stCondLst>
+                                        </p:cTn>
+                                        <p:tgtEl>
+                                          <p:spTgt spid="3">
+                                            <p:txEl>
+                                              <p:pRg st="4" end="4"/>
+                                            </p:txEl>
+                                          </p:spTgt>
+                                        </p:tgtEl>
+                                        <p:attrNameLst>
+                                          <p:attrName>style.visibility</p:attrName>
+                                        </p:attrNameLst>
+                                      </p:cBhvr>
+                                      <p:to>
+                                        <p:strVal val="visible"/>
+                                      </p:to>
+                                    </p:set>
+                                  </p:childTnLst>
+                                </p:cTn>
+                              </p:par>
+                            </p:childTnLst>
+                          </p:cTn>
+                        </p:par>
+                      </p:childTnLst>
+                    </p:cTn>
+                  </p:par>
+                  <p:par>
+                    <p:cTn id="19" fill="hold">
+                      <p:stCondLst>
+                        <p:cond delay="indefinite"/>
+                      </p:stCondLst>
+                      <p:childTnLst>
+                        <p:par>
+                          <p:cTn id="20" fill="hold">
+                            <p:stCondLst>
+                              <p:cond delay="0"/>
+                            </p:stCondLst>
+                            <p:childTnLst>
+                              <p:par>
+                                <p:cTn id="21" presetID="1" presetClass="entr" presetSubtype="0" fill="hold" nodeType="clickEffect">
+                                  <p:stCondLst>
+                                    <p:cond delay="0"/>
+                                  </p:stCondLst>
+                                  <p:childTnLst>
+                                    <p:set>
+                                      <p:cBhvr>
+                                        <p:cTn id="22" dur="1" fill="hold">
+                                          <p:stCondLst>
+                                            <p:cond delay="0"/>
+                                          </p:stCondLst>
+                                        </p:cTn>
+                                        <p:tgtEl>
+                                          <p:spTgt spid="3">
+                                            <p:txEl>
+                                              <p:pRg st="5" end="5"/>
+                                            </p:txEl>
+                                          </p:spTgt>
+                                        </p:tgtEl>
+                                        <p:attrNameLst>
+                                          <p:attrName>style.visibility</p:attrName>
+                                        </p:attrNameLst>
+                                      </p:cBhvr>
+                                      <p:to>
+                                        <p:strVal val="visible"/>
+                                      </p:to>
+                                    </p:set>
+                                  </p:childTnLst>
+                                </p:cTn>
+                              </p:par>
+                              <p:par>
+                                <p:cTn id="23" presetID="1" presetClass="entr" presetSubtype="0" fill="hold" nodeType="withEffect">
+                                  <p:stCondLst>
+                                    <p:cond delay="0"/>
+                                  </p:stCondLst>
+                                  <p:childTnLst>
+                                    <p:set>
+                                      <p:cBhvr>
+                                        <p:cTn id="24" dur="1" fill="hold">
+                                          <p:stCondLst>
+                                            <p:cond delay="0"/>
+                                          </p:stCondLst>
+                                        </p:cTn>
+                                        <p:tgtEl>
+                                          <p:spTgt spid="3">
+                                            <p:txEl>
+                                              <p:pRg st="6" end="6"/>
+                                            </p:txEl>
+                                          </p:spTgt>
+                                        </p:tgtEl>
+                                        <p:attrNameLst>
+                                          <p:attrName>style.visibility</p:attrName>
+                                        </p:attrNameLst>
+                                      </p:cBhvr>
+                                      <p:to>
+                                        <p:strVal val="visible"/>
+                                      </p:to>
+                                    </p:set>
+                                  </p:childTnLst>
+                                </p:cTn>
+                              </p:par>
+                              <p:par>
+                                <p:cTn id="25" presetID="1" presetClass="entr" presetSubtype="0" fill="hold" nodeType="withEffect">
+                                  <p:stCondLst>
+                                    <p:cond delay="0"/>
+                                  </p:stCondLst>
+                                  <p:childTnLst>
+                                    <p:set>
+                                      <p:cBhvr>
+                                        <p:cTn id="26" dur="1" fill="hold">
+                                          <p:stCondLst>
+                                            <p:cond delay="0"/>
+                                          </p:stCondLst>
+                                        </p:cTn>
+                                        <p:tgtEl>
+                                          <p:spTgt spid="3">
+                                            <p:txEl>
+                                              <p:pRg st="7" end="7"/>
+                                            </p:txEl>
+                                          </p:spTgt>
+                                        </p:tgtEl>
+                                        <p:attrNameLst>
+                                          <p:attrName>style.visibility</p:attrName>
+                                        </p:attrNameLst>
+                                      </p:cBhvr>
+                                      <p:to>
+                                        <p:strVal val="visible"/>
+                                      </p:to>
+                                    </p:set>
+                                  </p:childTnLst>
+                                </p:cTn>
+                              </p:par>
+                              <p:par>
+                                <p:cTn id="27" presetID="1" presetClass="entr" presetSubtype="0" fill="hold" nodeType="withEffect">
+                                  <p:stCondLst>
+                                    <p:cond delay="0"/>
+                                  </p:stCondLst>
+                                  <p:childTnLst>
+                                    <p:set>
+                                      <p:cBhvr>
+                                        <p:cTn id="28" dur="1" fill="hold">
+                                          <p:stCondLst>
+                                            <p:cond delay="0"/>
+                                          </p:stCondLst>
+                                        </p:cTn>
+                                        <p:tgtEl>
+                                          <p:spTgt spid="3">
+                                            <p:txEl>
+                                              <p:pRg st="8" end="8"/>
+                                            </p:txEl>
+                                          </p:spTgt>
+                                        </p:tgtEl>
+                                        <p:attrNameLst>
+                                          <p:attrName>style.visibility</p:attrName>
+                                        </p:attrNameLst>
+                                      </p:cBhvr>
+                                      <p:to>
+                                        <p:strVal val="visible"/>
+                                      </p:to>
+                                    </p:set>
+                                  </p:childTnLst>
+                                </p:cTn>
+                              </p:par>
+                            </p:childTnLst>
+                          </p:cTn>
+                        </p:par>
+                      </p:childTnLst>
+                    </p:cTn>
+                  </p:par>
+                </p:childTnLst>
+              </p:cTn>
+              <p:prevCondLst>
+                <p:cond evt="onPrev" delay="0">
+                  <p:tgtEl>
+                    <p:sldTgt/>
+                  </p:tgtEl>
+                </p:cond>
+              </p:prevCondLst>
+              <p:nextCondLst>
+                <p:cond evt="onNext" delay="0">
+                  <p:tgtEl>
+                    <p:sldTgt/>
+                  </p:tgtEl>
+                </p:cond>
+              </p:nextCondLst>
+            </p:seq>
+          </p:childTnLst>
+        </p:cTn>
+      </p:par>
+    </p:tnLst>
+  </p:timing>
+</p:sld>
+</file>
+
+<file path=ppt/slides/slide26.xml><?xml version="1.0" encoding="utf-8"?>
+<p:sld xmlns:a="http://schemas.openxmlformats.org/drawingml/2006/main" xmlns:r="http://schemas.openxmlformats.org/officeDocument/2006/relationships" xmlns:p="http://schemas.openxmlformats.org/presentationml/2006/main">
+  <p:cSld>
+    <p:spTree>
+      <p:nvGrpSpPr>
+        <p:cNvPr id="1" name=""/>
+        <p:cNvGrpSpPr/>
+        <p:nvPr/>
+      </p:nvGrpSpPr>
+      <p:grpSpPr>
+        <a:xfrm>
+          <a:off x="0" y="0"/>
+          <a:ext cx="0" cy="0"/>
+          <a:chOff x="0" y="0"/>
+          <a:chExt cx="0" cy="0"/>
+        </a:xfrm>
+      </p:grpSpPr>
+      <p:pic>
+        <p:nvPicPr>
+          <p:cNvPr id="2" name="Grafik 1"/>
+          <p:cNvPicPr>
+            <a:picLocks noChangeAspect="1"/>
+          </p:cNvPicPr>
+          <p:nvPr/>
+        </p:nvPicPr>
+        <p:blipFill>
+          <a:blip r:embed="rId2">
+            <a:extLst>
+              <a:ext uri="{28A0092B-C50C-407E-A947-70E740481C1C}">
+                <a14:useLocalDpi xmlns:a14="http://schemas.microsoft.com/office/drawing/2010/main" val="0"/>
+              </a:ext>
+            </a:extLst>
+          </a:blip>
+          <a:stretch>
+            <a:fillRect/>
+          </a:stretch>
+        </p:blipFill>
         <p:spPr>
           <a:xfrm>
-            <a:off x="1143001" y="2420205"/>
-            <a:ext cx="9905998" cy="2017590"/>
+            <a:off x="505031" y="1232753"/>
+            <a:ext cx="11181939" cy="4392495"/>
+          </a:xfrm>
+          <a:prstGeom prst="rect">
+            <a:avLst/>
+          </a:prstGeom>
+        </p:spPr>
+      </p:pic>
+    </p:spTree>
+    <p:extLst>
+      <p:ext uri="{BB962C8B-B14F-4D97-AF65-F5344CB8AC3E}">
+        <p14:creationId xmlns:p14="http://schemas.microsoft.com/office/powerpoint/2010/main" val="1443016775"/>
+      </p:ext>
+    </p:extLst>
+  </p:cSld>
+  <p:clrMapOvr>
+    <a:masterClrMapping/>
+  </p:clrMapOvr>
+  <p:timing>
+    <p:tnLst>
+      <p:par>
+        <p:cTn id="1" dur="indefinite" restart="never" nodeType="tmRoot"/>
+      </p:par>
+    </p:tnLst>
+  </p:timing>
+</p:sld>
+</file>
+
+<file path=ppt/slides/slide27.xml><?xml version="1.0" encoding="utf-8"?>
+<p:sld xmlns:a="http://schemas.openxmlformats.org/drawingml/2006/main" xmlns:r="http://schemas.openxmlformats.org/officeDocument/2006/relationships" xmlns:p="http://schemas.openxmlformats.org/presentationml/2006/main">
+  <p:cSld>
+    <p:spTree>
+      <p:nvGrpSpPr>
+        <p:cNvPr id="1" name=""/>
+        <p:cNvGrpSpPr/>
+        <p:nvPr/>
+      </p:nvGrpSpPr>
+      <p:grpSpPr>
+        <a:xfrm>
+          <a:off x="0" y="0"/>
+          <a:ext cx="0" cy="0"/>
+          <a:chOff x="0" y="0"/>
+          <a:chExt cx="0" cy="0"/>
+        </a:xfrm>
+      </p:grpSpPr>
+      <p:sp>
+        <p:nvSpPr>
+          <p:cNvPr id="2" name="Titel 1"/>
+          <p:cNvSpPr>
+            <a:spLocks noGrp="1"/>
+          </p:cNvSpPr>
+          <p:nvPr>
+            <p:ph type="title"/>
+          </p:nvPr>
+        </p:nvSpPr>
+        <p:spPr/>
+        <p:txBody>
+          <a:bodyPr/>
+          <a:lstStyle/>
+          <a:p>
+            <a:r>
+              <a:rPr lang="de-DE" dirty="0" smtClean="0"/>
+              <a:t>Qualitäts-Code</a:t>
+            </a:r>
+            <a:endParaRPr lang="de-DE" dirty="0"/>
+          </a:p>
+        </p:txBody>
+      </p:sp>
+      <p:sp>
+        <p:nvSpPr>
+          <p:cNvPr id="3" name="Inhaltsplatzhalter 2"/>
+          <p:cNvSpPr>
+            <a:spLocks noGrp="1"/>
+          </p:cNvSpPr>
+          <p:nvPr>
+            <p:ph idx="1"/>
+          </p:nvPr>
+        </p:nvSpPr>
+        <p:spPr>
+          <a:xfrm>
+            <a:off x="1141412" y="2249486"/>
+            <a:ext cx="9905999" cy="4151313"/>
           </a:xfrm>
         </p:spPr>
         <p:txBody>
@@ -13854,21 +15664,740 @@
           <a:lstStyle/>
           <a:p>
             <a:r>
-              <a:rPr lang="de-DE" sz="2400" dirty="0" smtClean="0"/>
-              <a:t>Für weitere fragen stehen wir ihnen gerne zur </a:t>
-            </a:r>
-            <a:r>
-              <a:rPr lang="de-DE" sz="2400" dirty="0" err="1" smtClean="0"/>
-              <a:t>verfügung</a:t>
-            </a:r>
-            <a:endParaRPr lang="de-DE" sz="2400" dirty="0"/>
+              <a:rPr lang="de-DE" sz="2200" dirty="0" smtClean="0"/>
+              <a:t>Kontinuierliche Integration </a:t>
+            </a:r>
+            <a:r>
+              <a:rPr lang="de-DE" sz="2200" dirty="0"/>
+              <a:t>mit Travis CI</a:t>
+            </a:r>
+          </a:p>
+          <a:p>
+            <a:pPr lvl="1"/>
+            <a:r>
+              <a:rPr lang="de-DE" sz="1900" dirty="0"/>
+              <a:t>Plattform zur Integration </a:t>
+            </a:r>
+            <a:r>
+              <a:rPr lang="de-DE" sz="1900" dirty="0" smtClean="0"/>
+              <a:t>der automatisierten Tests</a:t>
+            </a:r>
+          </a:p>
+          <a:p>
+            <a:pPr lvl="1"/>
+            <a:r>
+              <a:rPr lang="de-DE" sz="1900" dirty="0" smtClean="0"/>
+              <a:t>Erstellt übersichtlichen Bericht</a:t>
+            </a:r>
+          </a:p>
+          <a:p>
+            <a:pPr lvl="1"/>
+            <a:r>
+              <a:rPr lang="de-DE" sz="1900" dirty="0" smtClean="0"/>
+              <a:t>Überwacht Testumfang gesamt</a:t>
+            </a:r>
+          </a:p>
+          <a:p>
+            <a:r>
+              <a:rPr lang="de-DE" sz="2200" dirty="0" smtClean="0"/>
+              <a:t>Design-Patterns</a:t>
+            </a:r>
+          </a:p>
+          <a:p>
+            <a:pPr lvl="1"/>
+            <a:r>
+              <a:rPr lang="de-DE" sz="1900" dirty="0" smtClean="0"/>
+              <a:t>Adapter Pattern für kompatible Listendarstellung der </a:t>
+            </a:r>
+            <a:r>
+              <a:rPr lang="de-DE" sz="1900" dirty="0" smtClean="0"/>
+              <a:t>Filme</a:t>
+            </a:r>
+          </a:p>
+          <a:p>
+            <a:pPr lvl="1"/>
+            <a:r>
+              <a:rPr lang="de-DE" sz="1900" dirty="0" smtClean="0"/>
+              <a:t>Nutzen des MVC Patterns</a:t>
+            </a:r>
+            <a:endParaRPr lang="de-DE" sz="1900" dirty="0" smtClean="0"/>
           </a:p>
         </p:txBody>
       </p:sp>
+      <p:sp>
+        <p:nvSpPr>
+          <p:cNvPr id="4" name="AutoShape 2" descr="Bildergebnis für travis ci logo"/>
+          <p:cNvSpPr>
+            <a:spLocks noChangeAspect="1" noChangeArrowheads="1"/>
+          </p:cNvSpPr>
+          <p:nvPr/>
+        </p:nvSpPr>
+        <p:spPr bwMode="auto">
+          <a:xfrm>
+            <a:off x="155575" y="-144463"/>
+            <a:ext cx="304800" cy="304801"/>
+          </a:xfrm>
+          <a:prstGeom prst="rect">
+            <a:avLst/>
+          </a:prstGeom>
+          <a:noFill/>
+          <a:extLst>
+            <a:ext uri="{909E8E84-426E-40DD-AFC4-6F175D3DCCD1}">
+              <a14:hiddenFill xmlns:a14="http://schemas.microsoft.com/office/drawing/2010/main">
+                <a:solidFill>
+                  <a:srgbClr val="FFFFFF"/>
+                </a:solidFill>
+              </a14:hiddenFill>
+            </a:ext>
+          </a:extLst>
+        </p:spPr>
+        <p:txBody>
+          <a:bodyPr vert="horz" wrap="square" lIns="91440" tIns="45720" rIns="91440" bIns="45720" numCol="1" anchor="t" anchorCtr="0" compatLnSpc="1">
+            <a:prstTxWarp prst="textNoShape">
+              <a:avLst/>
+            </a:prstTxWarp>
+          </a:bodyPr>
+          <a:lstStyle/>
+          <a:p>
+            <a:endParaRPr lang="de-DE"/>
+          </a:p>
+        </p:txBody>
+      </p:sp>
+      <p:sp>
+        <p:nvSpPr>
+          <p:cNvPr id="5" name="AutoShape 5" descr="Bildergebnis für travis ci logo"/>
+          <p:cNvSpPr>
+            <a:spLocks noChangeAspect="1" noChangeArrowheads="1"/>
+          </p:cNvSpPr>
+          <p:nvPr/>
+        </p:nvSpPr>
+        <p:spPr bwMode="auto">
+          <a:xfrm>
+            <a:off x="307975" y="7937"/>
+            <a:ext cx="304800" cy="304801"/>
+          </a:xfrm>
+          <a:prstGeom prst="rect">
+            <a:avLst/>
+          </a:prstGeom>
+          <a:noFill/>
+          <a:extLst>
+            <a:ext uri="{909E8E84-426E-40DD-AFC4-6F175D3DCCD1}">
+              <a14:hiddenFill xmlns:a14="http://schemas.microsoft.com/office/drawing/2010/main">
+                <a:solidFill>
+                  <a:srgbClr val="FFFFFF"/>
+                </a:solidFill>
+              </a14:hiddenFill>
+            </a:ext>
+          </a:extLst>
+        </p:spPr>
+        <p:txBody>
+          <a:bodyPr vert="horz" wrap="square" lIns="91440" tIns="45720" rIns="91440" bIns="45720" numCol="1" anchor="t" anchorCtr="0" compatLnSpc="1">
+            <a:prstTxWarp prst="textNoShape">
+              <a:avLst/>
+            </a:prstTxWarp>
+          </a:bodyPr>
+          <a:lstStyle/>
+          <a:p>
+            <a:endParaRPr lang="de-DE"/>
+          </a:p>
+        </p:txBody>
+      </p:sp>
+      <p:sp>
+        <p:nvSpPr>
+          <p:cNvPr id="6" name="AutoShape 7" descr="Bildergebnis für travis ci logo"/>
+          <p:cNvSpPr>
+            <a:spLocks noChangeAspect="1" noChangeArrowheads="1"/>
+          </p:cNvSpPr>
+          <p:nvPr/>
+        </p:nvSpPr>
+        <p:spPr bwMode="auto">
+          <a:xfrm>
+            <a:off x="460375" y="160337"/>
+            <a:ext cx="304800" cy="304801"/>
+          </a:xfrm>
+          <a:prstGeom prst="rect">
+            <a:avLst/>
+          </a:prstGeom>
+          <a:noFill/>
+          <a:extLst>
+            <a:ext uri="{909E8E84-426E-40DD-AFC4-6F175D3DCCD1}">
+              <a14:hiddenFill xmlns:a14="http://schemas.microsoft.com/office/drawing/2010/main">
+                <a:solidFill>
+                  <a:srgbClr val="FFFFFF"/>
+                </a:solidFill>
+              </a14:hiddenFill>
+            </a:ext>
+          </a:extLst>
+        </p:spPr>
+        <p:txBody>
+          <a:bodyPr vert="horz" wrap="square" lIns="91440" tIns="45720" rIns="91440" bIns="45720" numCol="1" anchor="t" anchorCtr="0" compatLnSpc="1">
+            <a:prstTxWarp prst="textNoShape">
+              <a:avLst/>
+            </a:prstTxWarp>
+          </a:bodyPr>
+          <a:lstStyle/>
+          <a:p>
+            <a:endParaRPr lang="de-DE"/>
+          </a:p>
+        </p:txBody>
+      </p:sp>
+      <p:sp>
+        <p:nvSpPr>
+          <p:cNvPr id="7" name="AutoShape 9" descr="Bildergebnis für travis ci"/>
+          <p:cNvSpPr>
+            <a:spLocks noChangeAspect="1" noChangeArrowheads="1"/>
+          </p:cNvSpPr>
+          <p:nvPr/>
+        </p:nvSpPr>
+        <p:spPr bwMode="auto">
+          <a:xfrm>
+            <a:off x="612775" y="312737"/>
+            <a:ext cx="304800" cy="304801"/>
+          </a:xfrm>
+          <a:prstGeom prst="rect">
+            <a:avLst/>
+          </a:prstGeom>
+          <a:noFill/>
+          <a:extLst>
+            <a:ext uri="{909E8E84-426E-40DD-AFC4-6F175D3DCCD1}">
+              <a14:hiddenFill xmlns:a14="http://schemas.microsoft.com/office/drawing/2010/main">
+                <a:solidFill>
+                  <a:srgbClr val="FFFFFF"/>
+                </a:solidFill>
+              </a14:hiddenFill>
+            </a:ext>
+          </a:extLst>
+        </p:spPr>
+        <p:txBody>
+          <a:bodyPr vert="horz" wrap="square" lIns="91440" tIns="45720" rIns="91440" bIns="45720" numCol="1" anchor="t" anchorCtr="0" compatLnSpc="1">
+            <a:prstTxWarp prst="textNoShape">
+              <a:avLst/>
+            </a:prstTxWarp>
+          </a:bodyPr>
+          <a:lstStyle/>
+          <a:p>
+            <a:endParaRPr lang="de-DE"/>
+          </a:p>
+        </p:txBody>
+      </p:sp>
+      <p:pic>
+        <p:nvPicPr>
+          <p:cNvPr id="1036" name="Picture 12" descr="Bildergebnis für travis ci"/>
+          <p:cNvPicPr>
+            <a:picLocks noChangeAspect="1" noChangeArrowheads="1"/>
+          </p:cNvPicPr>
+          <p:nvPr/>
+        </p:nvPicPr>
+        <p:blipFill>
+          <a:blip r:embed="rId2">
+            <a:extLst>
+              <a:ext uri="{28A0092B-C50C-407E-A947-70E740481C1C}">
+                <a14:useLocalDpi xmlns:a14="http://schemas.microsoft.com/office/drawing/2010/main" val="0"/>
+              </a:ext>
+            </a:extLst>
+          </a:blip>
+          <a:srcRect/>
+          <a:stretch>
+            <a:fillRect/>
+          </a:stretch>
+        </p:blipFill>
+        <p:spPr bwMode="auto">
+          <a:xfrm>
+            <a:off x="8492136" y="2010214"/>
+            <a:ext cx="3696420" cy="1232140"/>
+          </a:xfrm>
+          <a:prstGeom prst="rect">
+            <a:avLst/>
+          </a:prstGeom>
+          <a:noFill/>
+          <a:extLst>
+            <a:ext uri="{909E8E84-426E-40DD-AFC4-6F175D3DCCD1}">
+              <a14:hiddenFill xmlns:a14="http://schemas.microsoft.com/office/drawing/2010/main">
+                <a:solidFill>
+                  <a:srgbClr val="FFFFFF"/>
+                </a:solidFill>
+              </a14:hiddenFill>
+            </a:ext>
+          </a:extLst>
+        </p:spPr>
+      </p:pic>
     </p:spTree>
     <p:extLst>
       <p:ext uri="{BB962C8B-B14F-4D97-AF65-F5344CB8AC3E}">
-        <p14:creationId xmlns:p14="http://schemas.microsoft.com/office/powerpoint/2010/main" val="983586435"/>
+        <p14:creationId xmlns:p14="http://schemas.microsoft.com/office/powerpoint/2010/main" val="3197994365"/>
+      </p:ext>
+    </p:extLst>
+  </p:cSld>
+  <p:clrMapOvr>
+    <a:masterClrMapping/>
+  </p:clrMapOvr>
+  <p:timing>
+    <p:tnLst>
+      <p:par>
+        <p:cTn id="1" dur="indefinite" restart="never" nodeType="tmRoot">
+          <p:childTnLst>
+            <p:seq concurrent="1" nextAc="seek">
+              <p:cTn id="2" dur="indefinite" nodeType="mainSeq">
+                <p:childTnLst>
+                  <p:par>
+                    <p:cTn id="3" fill="hold">
+                      <p:stCondLst>
+                        <p:cond delay="indefinite"/>
+                      </p:stCondLst>
+                      <p:childTnLst>
+                        <p:par>
+                          <p:cTn id="4" fill="hold">
+                            <p:stCondLst>
+                              <p:cond delay="0"/>
+                            </p:stCondLst>
+                            <p:childTnLst>
+                              <p:par>
+                                <p:cTn id="5" presetID="1" presetClass="entr" presetSubtype="0" fill="hold" nodeType="clickEffect">
+                                  <p:stCondLst>
+                                    <p:cond delay="0"/>
+                                  </p:stCondLst>
+                                  <p:childTnLst>
+                                    <p:set>
+                                      <p:cBhvr>
+                                        <p:cTn id="6" dur="1" fill="hold">
+                                          <p:stCondLst>
+                                            <p:cond delay="0"/>
+                                          </p:stCondLst>
+                                        </p:cTn>
+                                        <p:tgtEl>
+                                          <p:spTgt spid="3">
+                                            <p:txEl>
+                                              <p:pRg st="0" end="0"/>
+                                            </p:txEl>
+                                          </p:spTgt>
+                                        </p:tgtEl>
+                                        <p:attrNameLst>
+                                          <p:attrName>style.visibility</p:attrName>
+                                        </p:attrNameLst>
+                                      </p:cBhvr>
+                                      <p:to>
+                                        <p:strVal val="visible"/>
+                                      </p:to>
+                                    </p:set>
+                                  </p:childTnLst>
+                                </p:cTn>
+                              </p:par>
+                              <p:par>
+                                <p:cTn id="7" presetID="1" presetClass="entr" presetSubtype="0" fill="hold" nodeType="withEffect">
+                                  <p:stCondLst>
+                                    <p:cond delay="0"/>
+                                  </p:stCondLst>
+                                  <p:childTnLst>
+                                    <p:set>
+                                      <p:cBhvr>
+                                        <p:cTn id="8" dur="1" fill="hold">
+                                          <p:stCondLst>
+                                            <p:cond delay="0"/>
+                                          </p:stCondLst>
+                                        </p:cTn>
+                                        <p:tgtEl>
+                                          <p:spTgt spid="1036"/>
+                                        </p:tgtEl>
+                                        <p:attrNameLst>
+                                          <p:attrName>style.visibility</p:attrName>
+                                        </p:attrNameLst>
+                                      </p:cBhvr>
+                                      <p:to>
+                                        <p:strVal val="visible"/>
+                                      </p:to>
+                                    </p:set>
+                                  </p:childTnLst>
+                                </p:cTn>
+                              </p:par>
+                            </p:childTnLst>
+                          </p:cTn>
+                        </p:par>
+                      </p:childTnLst>
+                    </p:cTn>
+                  </p:par>
+                  <p:par>
+                    <p:cTn id="9" fill="hold">
+                      <p:stCondLst>
+                        <p:cond delay="indefinite"/>
+                      </p:stCondLst>
+                      <p:childTnLst>
+                        <p:par>
+                          <p:cTn id="10" fill="hold">
+                            <p:stCondLst>
+                              <p:cond delay="0"/>
+                            </p:stCondLst>
+                            <p:childTnLst>
+                              <p:par>
+                                <p:cTn id="11" presetID="1" presetClass="entr" presetSubtype="0" fill="hold" nodeType="clickEffect">
+                                  <p:stCondLst>
+                                    <p:cond delay="0"/>
+                                  </p:stCondLst>
+                                  <p:childTnLst>
+                                    <p:set>
+                                      <p:cBhvr>
+                                        <p:cTn id="12" dur="1" fill="hold">
+                                          <p:stCondLst>
+                                            <p:cond delay="0"/>
+                                          </p:stCondLst>
+                                        </p:cTn>
+                                        <p:tgtEl>
+                                          <p:spTgt spid="3">
+                                            <p:txEl>
+                                              <p:pRg st="1" end="1"/>
+                                            </p:txEl>
+                                          </p:spTgt>
+                                        </p:tgtEl>
+                                        <p:attrNameLst>
+                                          <p:attrName>style.visibility</p:attrName>
+                                        </p:attrNameLst>
+                                      </p:cBhvr>
+                                      <p:to>
+                                        <p:strVal val="visible"/>
+                                      </p:to>
+                                    </p:set>
+                                  </p:childTnLst>
+                                </p:cTn>
+                              </p:par>
+                              <p:par>
+                                <p:cTn id="13" presetID="1" presetClass="entr" presetSubtype="0" fill="hold" nodeType="withEffect">
+                                  <p:stCondLst>
+                                    <p:cond delay="0"/>
+                                  </p:stCondLst>
+                                  <p:childTnLst>
+                                    <p:set>
+                                      <p:cBhvr>
+                                        <p:cTn id="14" dur="1" fill="hold">
+                                          <p:stCondLst>
+                                            <p:cond delay="0"/>
+                                          </p:stCondLst>
+                                        </p:cTn>
+                                        <p:tgtEl>
+                                          <p:spTgt spid="3">
+                                            <p:txEl>
+                                              <p:pRg st="2" end="2"/>
+                                            </p:txEl>
+                                          </p:spTgt>
+                                        </p:tgtEl>
+                                        <p:attrNameLst>
+                                          <p:attrName>style.visibility</p:attrName>
+                                        </p:attrNameLst>
+                                      </p:cBhvr>
+                                      <p:to>
+                                        <p:strVal val="visible"/>
+                                      </p:to>
+                                    </p:set>
+                                  </p:childTnLst>
+                                </p:cTn>
+                              </p:par>
+                              <p:par>
+                                <p:cTn id="15" presetID="1" presetClass="entr" presetSubtype="0" fill="hold" nodeType="withEffect">
+                                  <p:stCondLst>
+                                    <p:cond delay="0"/>
+                                  </p:stCondLst>
+                                  <p:childTnLst>
+                                    <p:set>
+                                      <p:cBhvr>
+                                        <p:cTn id="16" dur="1" fill="hold">
+                                          <p:stCondLst>
+                                            <p:cond delay="0"/>
+                                          </p:stCondLst>
+                                        </p:cTn>
+                                        <p:tgtEl>
+                                          <p:spTgt spid="3">
+                                            <p:txEl>
+                                              <p:pRg st="3" end="3"/>
+                                            </p:txEl>
+                                          </p:spTgt>
+                                        </p:tgtEl>
+                                        <p:attrNameLst>
+                                          <p:attrName>style.visibility</p:attrName>
+                                        </p:attrNameLst>
+                                      </p:cBhvr>
+                                      <p:to>
+                                        <p:strVal val="visible"/>
+                                      </p:to>
+                                    </p:set>
+                                  </p:childTnLst>
+                                </p:cTn>
+                              </p:par>
+                            </p:childTnLst>
+                          </p:cTn>
+                        </p:par>
+                      </p:childTnLst>
+                    </p:cTn>
+                  </p:par>
+                  <p:par>
+                    <p:cTn id="17" fill="hold">
+                      <p:stCondLst>
+                        <p:cond delay="indefinite"/>
+                      </p:stCondLst>
+                      <p:childTnLst>
+                        <p:par>
+                          <p:cTn id="18" fill="hold">
+                            <p:stCondLst>
+                              <p:cond delay="0"/>
+                            </p:stCondLst>
+                            <p:childTnLst>
+                              <p:par>
+                                <p:cTn id="19" presetID="1" presetClass="entr" presetSubtype="0" fill="hold" nodeType="clickEffect">
+                                  <p:stCondLst>
+                                    <p:cond delay="0"/>
+                                  </p:stCondLst>
+                                  <p:childTnLst>
+                                    <p:set>
+                                      <p:cBhvr>
+                                        <p:cTn id="20" dur="1" fill="hold">
+                                          <p:stCondLst>
+                                            <p:cond delay="0"/>
+                                          </p:stCondLst>
+                                        </p:cTn>
+                                        <p:tgtEl>
+                                          <p:spTgt spid="3">
+                                            <p:txEl>
+                                              <p:pRg st="4" end="4"/>
+                                            </p:txEl>
+                                          </p:spTgt>
+                                        </p:tgtEl>
+                                        <p:attrNameLst>
+                                          <p:attrName>style.visibility</p:attrName>
+                                        </p:attrNameLst>
+                                      </p:cBhvr>
+                                      <p:to>
+                                        <p:strVal val="visible"/>
+                                      </p:to>
+                                    </p:set>
+                                  </p:childTnLst>
+                                </p:cTn>
+                              </p:par>
+                            </p:childTnLst>
+                          </p:cTn>
+                        </p:par>
+                      </p:childTnLst>
+                    </p:cTn>
+                  </p:par>
+                  <p:par>
+                    <p:cTn id="21" fill="hold">
+                      <p:stCondLst>
+                        <p:cond delay="indefinite"/>
+                      </p:stCondLst>
+                      <p:childTnLst>
+                        <p:par>
+                          <p:cTn id="22" fill="hold">
+                            <p:stCondLst>
+                              <p:cond delay="0"/>
+                            </p:stCondLst>
+                            <p:childTnLst>
+                              <p:par>
+                                <p:cTn id="23" presetID="1" presetClass="entr" presetSubtype="0" fill="hold" nodeType="clickEffect">
+                                  <p:stCondLst>
+                                    <p:cond delay="0"/>
+                                  </p:stCondLst>
+                                  <p:childTnLst>
+                                    <p:set>
+                                      <p:cBhvr>
+                                        <p:cTn id="24" dur="1" fill="hold">
+                                          <p:stCondLst>
+                                            <p:cond delay="0"/>
+                                          </p:stCondLst>
+                                        </p:cTn>
+                                        <p:tgtEl>
+                                          <p:spTgt spid="3">
+                                            <p:txEl>
+                                              <p:pRg st="5" end="5"/>
+                                            </p:txEl>
+                                          </p:spTgt>
+                                        </p:tgtEl>
+                                        <p:attrNameLst>
+                                          <p:attrName>style.visibility</p:attrName>
+                                        </p:attrNameLst>
+                                      </p:cBhvr>
+                                      <p:to>
+                                        <p:strVal val="visible"/>
+                                      </p:to>
+                                    </p:set>
+                                  </p:childTnLst>
+                                </p:cTn>
+                              </p:par>
+                              <p:par>
+                                <p:cTn id="25" presetID="1" presetClass="entr" presetSubtype="0" fill="hold" nodeType="withEffect">
+                                  <p:stCondLst>
+                                    <p:cond delay="0"/>
+                                  </p:stCondLst>
+                                  <p:childTnLst>
+                                    <p:set>
+                                      <p:cBhvr>
+                                        <p:cTn id="26" dur="1" fill="hold">
+                                          <p:stCondLst>
+                                            <p:cond delay="0"/>
+                                          </p:stCondLst>
+                                        </p:cTn>
+                                        <p:tgtEl>
+                                          <p:spTgt spid="3">
+                                            <p:txEl>
+                                              <p:pRg st="6" end="6"/>
+                                            </p:txEl>
+                                          </p:spTgt>
+                                        </p:tgtEl>
+                                        <p:attrNameLst>
+                                          <p:attrName>style.visibility</p:attrName>
+                                        </p:attrNameLst>
+                                      </p:cBhvr>
+                                      <p:to>
+                                        <p:strVal val="visible"/>
+                                      </p:to>
+                                    </p:set>
+                                  </p:childTnLst>
+                                </p:cTn>
+                              </p:par>
+                            </p:childTnLst>
+                          </p:cTn>
+                        </p:par>
+                      </p:childTnLst>
+                    </p:cTn>
+                  </p:par>
+                </p:childTnLst>
+              </p:cTn>
+              <p:prevCondLst>
+                <p:cond evt="onPrev" delay="0">
+                  <p:tgtEl>
+                    <p:sldTgt/>
+                  </p:tgtEl>
+                </p:cond>
+              </p:prevCondLst>
+              <p:nextCondLst>
+                <p:cond evt="onNext" delay="0">
+                  <p:tgtEl>
+                    <p:sldTgt/>
+                  </p:tgtEl>
+                </p:cond>
+              </p:nextCondLst>
+            </p:seq>
+          </p:childTnLst>
+        </p:cTn>
+      </p:par>
+    </p:tnLst>
+  </p:timing>
+</p:sld>
+</file>
+
+<file path=ppt/slides/slide28.xml><?xml version="1.0" encoding="utf-8"?>
+<p:sld xmlns:a="http://schemas.openxmlformats.org/drawingml/2006/main" xmlns:r="http://schemas.openxmlformats.org/officeDocument/2006/relationships" xmlns:p="http://schemas.openxmlformats.org/presentationml/2006/main">
+  <p:cSld>
+    <p:spTree>
+      <p:nvGrpSpPr>
+        <p:cNvPr id="1" name=""/>
+        <p:cNvGrpSpPr/>
+        <p:nvPr/>
+      </p:nvGrpSpPr>
+      <p:grpSpPr>
+        <a:xfrm>
+          <a:off x="0" y="0"/>
+          <a:ext cx="0" cy="0"/>
+          <a:chOff x="0" y="0"/>
+          <a:chExt cx="0" cy="0"/>
+        </a:xfrm>
+      </p:grpSpPr>
+      <p:pic>
+        <p:nvPicPr>
+          <p:cNvPr id="4" name="Grafik 3"/>
+          <p:cNvPicPr>
+            <a:picLocks noChangeAspect="1"/>
+          </p:cNvPicPr>
+          <p:nvPr/>
+        </p:nvPicPr>
+        <p:blipFill>
+          <a:blip r:embed="rId2">
+            <a:extLst>
+              <a:ext uri="{28A0092B-C50C-407E-A947-70E740481C1C}">
+                <a14:useLocalDpi xmlns:a14="http://schemas.microsoft.com/office/drawing/2010/main" val="0"/>
+              </a:ext>
+            </a:extLst>
+          </a:blip>
+          <a:stretch>
+            <a:fillRect/>
+          </a:stretch>
+        </p:blipFill>
+        <p:spPr>
+          <a:xfrm>
+            <a:off x="1695708" y="567866"/>
+            <a:ext cx="8800585" cy="5722269"/>
+          </a:xfrm>
+          <a:prstGeom prst="rect">
+            <a:avLst/>
+          </a:prstGeom>
+        </p:spPr>
+      </p:pic>
+    </p:spTree>
+    <p:extLst>
+      <p:ext uri="{BB962C8B-B14F-4D97-AF65-F5344CB8AC3E}">
+        <p14:creationId xmlns:p14="http://schemas.microsoft.com/office/powerpoint/2010/main" val="4178739069"/>
+      </p:ext>
+    </p:extLst>
+  </p:cSld>
+  <p:clrMapOvr>
+    <a:masterClrMapping/>
+  </p:clrMapOvr>
+  <p:timing>
+    <p:tnLst>
+      <p:par>
+        <p:cTn id="1" dur="indefinite" restart="never" nodeType="tmRoot"/>
+      </p:par>
+    </p:tnLst>
+  </p:timing>
+</p:sld>
+</file>
+
+<file path=ppt/slides/slide29.xml><?xml version="1.0" encoding="utf-8"?>
+<p:sld xmlns:a="http://schemas.openxmlformats.org/drawingml/2006/main" xmlns:r="http://schemas.openxmlformats.org/officeDocument/2006/relationships" xmlns:p="http://schemas.openxmlformats.org/presentationml/2006/main">
+  <p:cSld>
+    <p:spTree>
+      <p:nvGrpSpPr>
+        <p:cNvPr id="1" name=""/>
+        <p:cNvGrpSpPr/>
+        <p:nvPr/>
+      </p:nvGrpSpPr>
+      <p:grpSpPr>
+        <a:xfrm>
+          <a:off x="0" y="0"/>
+          <a:ext cx="0" cy="0"/>
+          <a:chOff x="0" y="0"/>
+          <a:chExt cx="0" cy="0"/>
+        </a:xfrm>
+      </p:grpSpPr>
+      <p:pic>
+        <p:nvPicPr>
+          <p:cNvPr id="2" name="Grafik 1"/>
+          <p:cNvPicPr>
+            <a:picLocks noChangeAspect="1"/>
+          </p:cNvPicPr>
+          <p:nvPr/>
+        </p:nvPicPr>
+        <p:blipFill>
+          <a:blip r:embed="rId2">
+            <a:extLst>
+              <a:ext uri="{28A0092B-C50C-407E-A947-70E740481C1C}">
+                <a14:useLocalDpi xmlns:a14="http://schemas.microsoft.com/office/drawing/2010/main" val="0"/>
+              </a:ext>
+            </a:extLst>
+          </a:blip>
+          <a:stretch>
+            <a:fillRect/>
+          </a:stretch>
+        </p:blipFill>
+        <p:spPr>
+          <a:xfrm>
+            <a:off x="3843213" y="0"/>
+            <a:ext cx="4505575" cy="6858000"/>
+          </a:xfrm>
+          <a:prstGeom prst="rect">
+            <a:avLst/>
+          </a:prstGeom>
+        </p:spPr>
+      </p:pic>
+    </p:spTree>
+    <p:extLst>
+      <p:ext uri="{BB962C8B-B14F-4D97-AF65-F5344CB8AC3E}">
+        <p14:creationId xmlns:p14="http://schemas.microsoft.com/office/powerpoint/2010/main" val="565943781"/>
       </p:ext>
     </p:extLst>
   </p:cSld>
@@ -13919,15 +16448,977 @@
           <a:p>
             <a:r>
               <a:rPr lang="de-DE" dirty="0" smtClean="0"/>
-              <a:t>Unsere </a:t>
-            </a:r>
-            <a:r>
-              <a:rPr lang="de-DE" dirty="0" err="1" smtClean="0"/>
-              <a:t>vorausPlanung</a:t>
-            </a:r>
+              <a:t>Idee</a:t>
+            </a:r>
+            <a:endParaRPr lang="de-DE" dirty="0"/>
+          </a:p>
+        </p:txBody>
+      </p:sp>
+      <p:sp>
+        <p:nvSpPr>
+          <p:cNvPr id="3" name="Inhaltsplatzhalter 2"/>
+          <p:cNvSpPr>
+            <a:spLocks noGrp="1"/>
+          </p:cNvSpPr>
+          <p:nvPr>
+            <p:ph idx="1"/>
+          </p:nvPr>
+        </p:nvSpPr>
+        <p:spPr/>
+        <p:txBody>
+          <a:bodyPr/>
+          <a:lstStyle/>
+          <a:p>
             <a:r>
               <a:rPr lang="de-DE" dirty="0" smtClean="0"/>
+              <a:t>User erstellen sich einen Account</a:t>
+            </a:r>
+          </a:p>
+          <a:p>
+            <a:r>
+              <a:rPr lang="de-DE" dirty="0" smtClean="0"/>
+              <a:t>Markieren Filme, welche ihnen gefallen haben</a:t>
+            </a:r>
+          </a:p>
+          <a:p>
+            <a:r>
+              <a:rPr lang="de-DE" dirty="0" smtClean="0"/>
+              <a:t>Der integrierte Algorithmus erstellt eine Liste ähnlicher/vorgeschlagener Filme</a:t>
+            </a:r>
+          </a:p>
+          <a:p>
+            <a:r>
+              <a:rPr lang="de-DE" dirty="0" smtClean="0"/>
+              <a:t>Liste wird mit jedem hinzugefügten Film aktualisiert und auf den User zugeschnitten optimiert</a:t>
+            </a:r>
+            <a:endParaRPr lang="de-DE" dirty="0"/>
+          </a:p>
+        </p:txBody>
+      </p:sp>
+    </p:spTree>
+    <p:extLst>
+      <p:ext uri="{BB962C8B-B14F-4D97-AF65-F5344CB8AC3E}">
+        <p14:creationId xmlns:p14="http://schemas.microsoft.com/office/powerpoint/2010/main" val="100394962"/>
+      </p:ext>
+    </p:extLst>
+  </p:cSld>
+  <p:clrMapOvr>
+    <a:masterClrMapping/>
+  </p:clrMapOvr>
+  <p:timing>
+    <p:tnLst>
+      <p:par>
+        <p:cTn id="1" dur="indefinite" restart="never" nodeType="tmRoot">
+          <p:childTnLst>
+            <p:seq concurrent="1" nextAc="seek">
+              <p:cTn id="2" dur="indefinite" nodeType="mainSeq">
+                <p:childTnLst>
+                  <p:par>
+                    <p:cTn id="3" fill="hold">
+                      <p:stCondLst>
+                        <p:cond delay="indefinite"/>
+                      </p:stCondLst>
+                      <p:childTnLst>
+                        <p:par>
+                          <p:cTn id="4" fill="hold">
+                            <p:stCondLst>
+                              <p:cond delay="0"/>
+                            </p:stCondLst>
+                            <p:childTnLst>
+                              <p:par>
+                                <p:cTn id="5" presetID="1" presetClass="entr" presetSubtype="0" fill="hold" nodeType="clickEffect">
+                                  <p:stCondLst>
+                                    <p:cond delay="0"/>
+                                  </p:stCondLst>
+                                  <p:childTnLst>
+                                    <p:set>
+                                      <p:cBhvr>
+                                        <p:cTn id="6" dur="1" fill="hold">
+                                          <p:stCondLst>
+                                            <p:cond delay="0"/>
+                                          </p:stCondLst>
+                                        </p:cTn>
+                                        <p:tgtEl>
+                                          <p:spTgt spid="3">
+                                            <p:txEl>
+                                              <p:pRg st="0" end="0"/>
+                                            </p:txEl>
+                                          </p:spTgt>
+                                        </p:tgtEl>
+                                        <p:attrNameLst>
+                                          <p:attrName>style.visibility</p:attrName>
+                                        </p:attrNameLst>
+                                      </p:cBhvr>
+                                      <p:to>
+                                        <p:strVal val="visible"/>
+                                      </p:to>
+                                    </p:set>
+                                  </p:childTnLst>
+                                </p:cTn>
+                              </p:par>
+                              <p:par>
+                                <p:cTn id="7" presetID="1" presetClass="entr" presetSubtype="0" fill="hold" nodeType="withEffect">
+                                  <p:stCondLst>
+                                    <p:cond delay="0"/>
+                                  </p:stCondLst>
+                                  <p:childTnLst>
+                                    <p:set>
+                                      <p:cBhvr>
+                                        <p:cTn id="8" dur="1" fill="hold">
+                                          <p:stCondLst>
+                                            <p:cond delay="0"/>
+                                          </p:stCondLst>
+                                        </p:cTn>
+                                        <p:tgtEl>
+                                          <p:spTgt spid="3">
+                                            <p:txEl>
+                                              <p:pRg st="1" end="1"/>
+                                            </p:txEl>
+                                          </p:spTgt>
+                                        </p:tgtEl>
+                                        <p:attrNameLst>
+                                          <p:attrName>style.visibility</p:attrName>
+                                        </p:attrNameLst>
+                                      </p:cBhvr>
+                                      <p:to>
+                                        <p:strVal val="visible"/>
+                                      </p:to>
+                                    </p:set>
+                                  </p:childTnLst>
+                                </p:cTn>
+                              </p:par>
+                              <p:par>
+                                <p:cTn id="9" presetID="1" presetClass="entr" presetSubtype="0" fill="hold" nodeType="withEffect">
+                                  <p:stCondLst>
+                                    <p:cond delay="0"/>
+                                  </p:stCondLst>
+                                  <p:childTnLst>
+                                    <p:set>
+                                      <p:cBhvr>
+                                        <p:cTn id="10" dur="1" fill="hold">
+                                          <p:stCondLst>
+                                            <p:cond delay="0"/>
+                                          </p:stCondLst>
+                                        </p:cTn>
+                                        <p:tgtEl>
+                                          <p:spTgt spid="3">
+                                            <p:txEl>
+                                              <p:pRg st="2" end="2"/>
+                                            </p:txEl>
+                                          </p:spTgt>
+                                        </p:tgtEl>
+                                        <p:attrNameLst>
+                                          <p:attrName>style.visibility</p:attrName>
+                                        </p:attrNameLst>
+                                      </p:cBhvr>
+                                      <p:to>
+                                        <p:strVal val="visible"/>
+                                      </p:to>
+                                    </p:set>
+                                  </p:childTnLst>
+                                </p:cTn>
+                              </p:par>
+                              <p:par>
+                                <p:cTn id="11" presetID="1" presetClass="entr" presetSubtype="0" fill="hold" nodeType="withEffect">
+                                  <p:stCondLst>
+                                    <p:cond delay="0"/>
+                                  </p:stCondLst>
+                                  <p:childTnLst>
+                                    <p:set>
+                                      <p:cBhvr>
+                                        <p:cTn id="12" dur="1" fill="hold">
+                                          <p:stCondLst>
+                                            <p:cond delay="0"/>
+                                          </p:stCondLst>
+                                        </p:cTn>
+                                        <p:tgtEl>
+                                          <p:spTgt spid="3">
+                                            <p:txEl>
+                                              <p:pRg st="3" end="3"/>
+                                            </p:txEl>
+                                          </p:spTgt>
+                                        </p:tgtEl>
+                                        <p:attrNameLst>
+                                          <p:attrName>style.visibility</p:attrName>
+                                        </p:attrNameLst>
+                                      </p:cBhvr>
+                                      <p:to>
+                                        <p:strVal val="visible"/>
+                                      </p:to>
+                                    </p:set>
+                                  </p:childTnLst>
+                                </p:cTn>
+                              </p:par>
+                            </p:childTnLst>
+                          </p:cTn>
+                        </p:par>
+                      </p:childTnLst>
+                    </p:cTn>
+                  </p:par>
+                </p:childTnLst>
+              </p:cTn>
+              <p:prevCondLst>
+                <p:cond evt="onPrev" delay="0">
+                  <p:tgtEl>
+                    <p:sldTgt/>
+                  </p:tgtEl>
+                </p:cond>
+              </p:prevCondLst>
+              <p:nextCondLst>
+                <p:cond evt="onNext" delay="0">
+                  <p:tgtEl>
+                    <p:sldTgt/>
+                  </p:tgtEl>
+                </p:cond>
+              </p:nextCondLst>
+            </p:seq>
+          </p:childTnLst>
+        </p:cTn>
+      </p:par>
+    </p:tnLst>
+  </p:timing>
+</p:sld>
+</file>
+
+<file path=ppt/slides/slide30.xml><?xml version="1.0" encoding="utf-8"?>
+<p:sld xmlns:a="http://schemas.openxmlformats.org/drawingml/2006/main" xmlns:r="http://schemas.openxmlformats.org/officeDocument/2006/relationships" xmlns:p="http://schemas.openxmlformats.org/presentationml/2006/main">
+  <p:cSld>
+    <p:spTree>
+      <p:nvGrpSpPr>
+        <p:cNvPr id="1" name=""/>
+        <p:cNvGrpSpPr/>
+        <p:nvPr/>
+      </p:nvGrpSpPr>
+      <p:grpSpPr>
+        <a:xfrm>
+          <a:off x="0" y="0"/>
+          <a:ext cx="0" cy="0"/>
+          <a:chOff x="0" y="0"/>
+          <a:chExt cx="0" cy="0"/>
+        </a:xfrm>
+      </p:grpSpPr>
+      <p:sp>
+        <p:nvSpPr>
+          <p:cNvPr id="2" name="Titel 1"/>
+          <p:cNvSpPr>
+            <a:spLocks noGrp="1"/>
+          </p:cNvSpPr>
+          <p:nvPr>
+            <p:ph type="title"/>
+          </p:nvPr>
+        </p:nvSpPr>
+        <p:spPr/>
+        <p:txBody>
+          <a:bodyPr/>
+          <a:lstStyle/>
+          <a:p>
+            <a:r>
+              <a:rPr lang="de-DE" dirty="0" smtClean="0"/>
+              <a:t>Qualitäts-Code</a:t>
+            </a:r>
+            <a:endParaRPr lang="de-DE" dirty="0"/>
+          </a:p>
+        </p:txBody>
+      </p:sp>
+      <p:sp>
+        <p:nvSpPr>
+          <p:cNvPr id="3" name="Inhaltsplatzhalter 2"/>
+          <p:cNvSpPr>
+            <a:spLocks noGrp="1"/>
+          </p:cNvSpPr>
+          <p:nvPr>
+            <p:ph idx="1"/>
+          </p:nvPr>
+        </p:nvSpPr>
+        <p:spPr>
+          <a:xfrm>
+            <a:off x="1141412" y="2249486"/>
+            <a:ext cx="9905999" cy="4151313"/>
+          </a:xfrm>
+        </p:spPr>
+        <p:txBody>
+          <a:bodyPr>
+            <a:normAutofit fontScale="92500" lnSpcReduction="10000"/>
+          </a:bodyPr>
+          <a:lstStyle/>
+          <a:p>
+            <a:r>
+              <a:rPr lang="de-DE" dirty="0" smtClean="0"/>
+              <a:t>Kontinuierliche Integration </a:t>
+            </a:r>
+            <a:r>
+              <a:rPr lang="de-DE" dirty="0"/>
+              <a:t>mit Travis CI</a:t>
+            </a:r>
+          </a:p>
+          <a:p>
+            <a:pPr lvl="1"/>
+            <a:r>
+              <a:rPr lang="de-DE" dirty="0"/>
+              <a:t>Plattform zur Integration </a:t>
+            </a:r>
+            <a:r>
+              <a:rPr lang="de-DE" dirty="0" smtClean="0"/>
+              <a:t>der automatisierten Tests</a:t>
+            </a:r>
+          </a:p>
+          <a:p>
+            <a:pPr lvl="1"/>
+            <a:r>
+              <a:rPr lang="de-DE" dirty="0" smtClean="0"/>
+              <a:t>Erstellt übersichtlichen Bericht</a:t>
+            </a:r>
+          </a:p>
+          <a:p>
+            <a:pPr lvl="1"/>
+            <a:r>
+              <a:rPr lang="de-DE" dirty="0" smtClean="0"/>
+              <a:t>Überwacht Testumfang gesamt</a:t>
+            </a:r>
+          </a:p>
+          <a:p>
+            <a:r>
+              <a:rPr lang="de-DE" dirty="0" smtClean="0"/>
+              <a:t>Design-Patterns</a:t>
+            </a:r>
+          </a:p>
+          <a:p>
+            <a:pPr lvl="1"/>
+            <a:r>
+              <a:rPr lang="de-DE" dirty="0" smtClean="0"/>
+              <a:t>Adapter Pattern für kompatible Listendarstellung der </a:t>
+            </a:r>
+            <a:r>
+              <a:rPr lang="de-DE" dirty="0" smtClean="0"/>
+              <a:t>Filme</a:t>
+            </a:r>
+          </a:p>
+          <a:p>
+            <a:pPr lvl="1"/>
+            <a:r>
+              <a:rPr lang="de-DE" dirty="0" smtClean="0"/>
+              <a:t>Nutzen des MVC Patterns</a:t>
+            </a:r>
+            <a:endParaRPr lang="de-DE" dirty="0" smtClean="0"/>
+          </a:p>
+          <a:p>
+            <a:r>
+              <a:rPr lang="de-DE" dirty="0" smtClean="0"/>
+              <a:t>Metriken</a:t>
+            </a:r>
+          </a:p>
+          <a:p>
+            <a:pPr lvl="1"/>
+            <a:r>
+              <a:rPr lang="en-US" dirty="0" smtClean="0"/>
+              <a:t>Code </a:t>
+            </a:r>
+            <a:r>
+              <a:rPr lang="en-US" dirty="0" err="1" smtClean="0"/>
+              <a:t>Qualität</a:t>
+            </a:r>
+            <a:r>
+              <a:rPr lang="en-US" dirty="0" smtClean="0"/>
               <a:t> </a:t>
+            </a:r>
+            <a:r>
+              <a:rPr lang="en-US" dirty="0" err="1" smtClean="0"/>
+              <a:t>wird</a:t>
+            </a:r>
+            <a:r>
+              <a:rPr lang="en-US" dirty="0" smtClean="0"/>
+              <a:t> von </a:t>
+            </a:r>
+            <a:r>
+              <a:rPr lang="en-US" dirty="0" err="1" smtClean="0"/>
+              <a:t>Codacy</a:t>
+            </a:r>
+            <a:r>
+              <a:rPr lang="en-US" dirty="0" smtClean="0"/>
+              <a:t> </a:t>
+            </a:r>
+            <a:r>
+              <a:rPr lang="en-US" dirty="0" err="1" smtClean="0"/>
+              <a:t>überwacht</a:t>
+            </a:r>
+            <a:endParaRPr lang="en-US" dirty="0" smtClean="0"/>
+          </a:p>
+          <a:p>
+            <a:pPr lvl="1"/>
+            <a:r>
+              <a:rPr lang="en-US" dirty="0" smtClean="0"/>
+              <a:t>Commit triggered via </a:t>
+            </a:r>
+            <a:r>
+              <a:rPr lang="en-US" dirty="0" err="1" smtClean="0"/>
+              <a:t>Webhook</a:t>
+            </a:r>
+            <a:r>
+              <a:rPr lang="en-US" dirty="0" smtClean="0"/>
+              <a:t> </a:t>
+            </a:r>
+            <a:r>
+              <a:rPr lang="en-US" dirty="0" err="1" smtClean="0"/>
+              <a:t>analyse</a:t>
+            </a:r>
+            <a:r>
+              <a:rPr lang="en-US" dirty="0" smtClean="0"/>
+              <a:t> des Codes</a:t>
+            </a:r>
+            <a:endParaRPr lang="de-DE" dirty="0"/>
+          </a:p>
+        </p:txBody>
+      </p:sp>
+      <p:sp>
+        <p:nvSpPr>
+          <p:cNvPr id="4" name="AutoShape 2" descr="Bildergebnis für travis ci logo"/>
+          <p:cNvSpPr>
+            <a:spLocks noChangeAspect="1" noChangeArrowheads="1"/>
+          </p:cNvSpPr>
+          <p:nvPr/>
+        </p:nvSpPr>
+        <p:spPr bwMode="auto">
+          <a:xfrm>
+            <a:off x="155575" y="-144463"/>
+            <a:ext cx="304800" cy="304801"/>
+          </a:xfrm>
+          <a:prstGeom prst="rect">
+            <a:avLst/>
+          </a:prstGeom>
+          <a:noFill/>
+          <a:extLst>
+            <a:ext uri="{909E8E84-426E-40DD-AFC4-6F175D3DCCD1}">
+              <a14:hiddenFill xmlns:a14="http://schemas.microsoft.com/office/drawing/2010/main">
+                <a:solidFill>
+                  <a:srgbClr val="FFFFFF"/>
+                </a:solidFill>
+              </a14:hiddenFill>
+            </a:ext>
+          </a:extLst>
+        </p:spPr>
+        <p:txBody>
+          <a:bodyPr vert="horz" wrap="square" lIns="91440" tIns="45720" rIns="91440" bIns="45720" numCol="1" anchor="t" anchorCtr="0" compatLnSpc="1">
+            <a:prstTxWarp prst="textNoShape">
+              <a:avLst/>
+            </a:prstTxWarp>
+          </a:bodyPr>
+          <a:lstStyle/>
+          <a:p>
+            <a:endParaRPr lang="de-DE"/>
+          </a:p>
+        </p:txBody>
+      </p:sp>
+      <p:sp>
+        <p:nvSpPr>
+          <p:cNvPr id="5" name="AutoShape 5" descr="Bildergebnis für travis ci logo"/>
+          <p:cNvSpPr>
+            <a:spLocks noChangeAspect="1" noChangeArrowheads="1"/>
+          </p:cNvSpPr>
+          <p:nvPr/>
+        </p:nvSpPr>
+        <p:spPr bwMode="auto">
+          <a:xfrm>
+            <a:off x="307975" y="7937"/>
+            <a:ext cx="304800" cy="304801"/>
+          </a:xfrm>
+          <a:prstGeom prst="rect">
+            <a:avLst/>
+          </a:prstGeom>
+          <a:noFill/>
+          <a:extLst>
+            <a:ext uri="{909E8E84-426E-40DD-AFC4-6F175D3DCCD1}">
+              <a14:hiddenFill xmlns:a14="http://schemas.microsoft.com/office/drawing/2010/main">
+                <a:solidFill>
+                  <a:srgbClr val="FFFFFF"/>
+                </a:solidFill>
+              </a14:hiddenFill>
+            </a:ext>
+          </a:extLst>
+        </p:spPr>
+        <p:txBody>
+          <a:bodyPr vert="horz" wrap="square" lIns="91440" tIns="45720" rIns="91440" bIns="45720" numCol="1" anchor="t" anchorCtr="0" compatLnSpc="1">
+            <a:prstTxWarp prst="textNoShape">
+              <a:avLst/>
+            </a:prstTxWarp>
+          </a:bodyPr>
+          <a:lstStyle/>
+          <a:p>
+            <a:endParaRPr lang="de-DE"/>
+          </a:p>
+        </p:txBody>
+      </p:sp>
+      <p:sp>
+        <p:nvSpPr>
+          <p:cNvPr id="6" name="AutoShape 7" descr="Bildergebnis für travis ci logo"/>
+          <p:cNvSpPr>
+            <a:spLocks noChangeAspect="1" noChangeArrowheads="1"/>
+          </p:cNvSpPr>
+          <p:nvPr/>
+        </p:nvSpPr>
+        <p:spPr bwMode="auto">
+          <a:xfrm>
+            <a:off x="460375" y="160337"/>
+            <a:ext cx="304800" cy="304801"/>
+          </a:xfrm>
+          <a:prstGeom prst="rect">
+            <a:avLst/>
+          </a:prstGeom>
+          <a:noFill/>
+          <a:extLst>
+            <a:ext uri="{909E8E84-426E-40DD-AFC4-6F175D3DCCD1}">
+              <a14:hiddenFill xmlns:a14="http://schemas.microsoft.com/office/drawing/2010/main">
+                <a:solidFill>
+                  <a:srgbClr val="FFFFFF"/>
+                </a:solidFill>
+              </a14:hiddenFill>
+            </a:ext>
+          </a:extLst>
+        </p:spPr>
+        <p:txBody>
+          <a:bodyPr vert="horz" wrap="square" lIns="91440" tIns="45720" rIns="91440" bIns="45720" numCol="1" anchor="t" anchorCtr="0" compatLnSpc="1">
+            <a:prstTxWarp prst="textNoShape">
+              <a:avLst/>
+            </a:prstTxWarp>
+          </a:bodyPr>
+          <a:lstStyle/>
+          <a:p>
+            <a:endParaRPr lang="de-DE"/>
+          </a:p>
+        </p:txBody>
+      </p:sp>
+      <p:sp>
+        <p:nvSpPr>
+          <p:cNvPr id="7" name="AutoShape 9" descr="Bildergebnis für travis ci"/>
+          <p:cNvSpPr>
+            <a:spLocks noChangeAspect="1" noChangeArrowheads="1"/>
+          </p:cNvSpPr>
+          <p:nvPr/>
+        </p:nvSpPr>
+        <p:spPr bwMode="auto">
+          <a:xfrm>
+            <a:off x="612775" y="312737"/>
+            <a:ext cx="304800" cy="304801"/>
+          </a:xfrm>
+          <a:prstGeom prst="rect">
+            <a:avLst/>
+          </a:prstGeom>
+          <a:noFill/>
+          <a:extLst>
+            <a:ext uri="{909E8E84-426E-40DD-AFC4-6F175D3DCCD1}">
+              <a14:hiddenFill xmlns:a14="http://schemas.microsoft.com/office/drawing/2010/main">
+                <a:solidFill>
+                  <a:srgbClr val="FFFFFF"/>
+                </a:solidFill>
+              </a14:hiddenFill>
+            </a:ext>
+          </a:extLst>
+        </p:spPr>
+        <p:txBody>
+          <a:bodyPr vert="horz" wrap="square" lIns="91440" tIns="45720" rIns="91440" bIns="45720" numCol="1" anchor="t" anchorCtr="0" compatLnSpc="1">
+            <a:prstTxWarp prst="textNoShape">
+              <a:avLst/>
+            </a:prstTxWarp>
+          </a:bodyPr>
+          <a:lstStyle/>
+          <a:p>
+            <a:endParaRPr lang="de-DE"/>
+          </a:p>
+        </p:txBody>
+      </p:sp>
+      <p:pic>
+        <p:nvPicPr>
+          <p:cNvPr id="1036" name="Picture 12" descr="Bildergebnis für travis ci"/>
+          <p:cNvPicPr>
+            <a:picLocks noChangeAspect="1" noChangeArrowheads="1"/>
+          </p:cNvPicPr>
+          <p:nvPr/>
+        </p:nvPicPr>
+        <p:blipFill>
+          <a:blip r:embed="rId2">
+            <a:extLst>
+              <a:ext uri="{28A0092B-C50C-407E-A947-70E740481C1C}">
+                <a14:useLocalDpi xmlns:a14="http://schemas.microsoft.com/office/drawing/2010/main" val="0"/>
+              </a:ext>
+            </a:extLst>
+          </a:blip>
+          <a:srcRect/>
+          <a:stretch>
+            <a:fillRect/>
+          </a:stretch>
+        </p:blipFill>
+        <p:spPr bwMode="auto">
+          <a:xfrm>
+            <a:off x="8492136" y="2010214"/>
+            <a:ext cx="3696420" cy="1232140"/>
+          </a:xfrm>
+          <a:prstGeom prst="rect">
+            <a:avLst/>
+          </a:prstGeom>
+          <a:noFill/>
+          <a:extLst>
+            <a:ext uri="{909E8E84-426E-40DD-AFC4-6F175D3DCCD1}">
+              <a14:hiddenFill xmlns:a14="http://schemas.microsoft.com/office/drawing/2010/main">
+                <a:solidFill>
+                  <a:srgbClr val="FFFFFF"/>
+                </a:solidFill>
+              </a14:hiddenFill>
+            </a:ext>
+          </a:extLst>
+        </p:spPr>
+      </p:pic>
+      <p:pic>
+        <p:nvPicPr>
+          <p:cNvPr id="1038" name="Picture 14" descr="Bildergebnis für codacy"/>
+          <p:cNvPicPr>
+            <a:picLocks noChangeAspect="1" noChangeArrowheads="1"/>
+          </p:cNvPicPr>
+          <p:nvPr/>
+        </p:nvPicPr>
+        <p:blipFill>
+          <a:blip r:embed="rId3">
+            <a:extLst>
+              <a:ext uri="{28A0092B-C50C-407E-A947-70E740481C1C}">
+                <a14:useLocalDpi xmlns:a14="http://schemas.microsoft.com/office/drawing/2010/main" val="0"/>
+              </a:ext>
+            </a:extLst>
+          </a:blip>
+          <a:srcRect/>
+          <a:stretch>
+            <a:fillRect/>
+          </a:stretch>
+        </p:blipFill>
+        <p:spPr bwMode="auto">
+          <a:xfrm>
+            <a:off x="8398352" y="4949162"/>
+            <a:ext cx="1429408" cy="1429408"/>
+          </a:xfrm>
+          <a:prstGeom prst="rect">
+            <a:avLst/>
+          </a:prstGeom>
+          <a:noFill/>
+          <a:extLst>
+            <a:ext uri="{909E8E84-426E-40DD-AFC4-6F175D3DCCD1}">
+              <a14:hiddenFill xmlns:a14="http://schemas.microsoft.com/office/drawing/2010/main">
+                <a:solidFill>
+                  <a:srgbClr val="FFFFFF"/>
+                </a:solidFill>
+              </a14:hiddenFill>
+            </a:ext>
+          </a:extLst>
+        </p:spPr>
+      </p:pic>
+    </p:spTree>
+    <p:extLst>
+      <p:ext uri="{BB962C8B-B14F-4D97-AF65-F5344CB8AC3E}">
+        <p14:creationId xmlns:p14="http://schemas.microsoft.com/office/powerpoint/2010/main" val="888148398"/>
+      </p:ext>
+    </p:extLst>
+  </p:cSld>
+  <p:clrMapOvr>
+    <a:masterClrMapping/>
+  </p:clrMapOvr>
+  <p:timing>
+    <p:tnLst>
+      <p:par>
+        <p:cTn id="1" dur="indefinite" restart="never" nodeType="tmRoot">
+          <p:childTnLst>
+            <p:seq concurrent="1" nextAc="seek">
+              <p:cTn id="2" dur="indefinite" nodeType="mainSeq">
+                <p:childTnLst>
+                  <p:par>
+                    <p:cTn id="3" fill="hold">
+                      <p:stCondLst>
+                        <p:cond delay="indefinite"/>
+                      </p:stCondLst>
+                      <p:childTnLst>
+                        <p:par>
+                          <p:cTn id="4" fill="hold">
+                            <p:stCondLst>
+                              <p:cond delay="0"/>
+                            </p:stCondLst>
+                            <p:childTnLst>
+                              <p:par>
+                                <p:cTn id="5" presetID="1" presetClass="entr" presetSubtype="0" fill="hold" nodeType="clickEffect">
+                                  <p:stCondLst>
+                                    <p:cond delay="0"/>
+                                  </p:stCondLst>
+                                  <p:childTnLst>
+                                    <p:set>
+                                      <p:cBhvr>
+                                        <p:cTn id="6" dur="1" fill="hold">
+                                          <p:stCondLst>
+                                            <p:cond delay="0"/>
+                                          </p:stCondLst>
+                                        </p:cTn>
+                                        <p:tgtEl>
+                                          <p:spTgt spid="3">
+                                            <p:txEl>
+                                              <p:pRg st="7" end="7"/>
+                                            </p:txEl>
+                                          </p:spTgt>
+                                        </p:tgtEl>
+                                        <p:attrNameLst>
+                                          <p:attrName>style.visibility</p:attrName>
+                                        </p:attrNameLst>
+                                      </p:cBhvr>
+                                      <p:to>
+                                        <p:strVal val="visible"/>
+                                      </p:to>
+                                    </p:set>
+                                  </p:childTnLst>
+                                </p:cTn>
+                              </p:par>
+                              <p:par>
+                                <p:cTn id="7" presetID="1" presetClass="entr" presetSubtype="0" fill="hold" nodeType="withEffect">
+                                  <p:stCondLst>
+                                    <p:cond delay="0"/>
+                                  </p:stCondLst>
+                                  <p:childTnLst>
+                                    <p:set>
+                                      <p:cBhvr>
+                                        <p:cTn id="8" dur="1" fill="hold">
+                                          <p:stCondLst>
+                                            <p:cond delay="0"/>
+                                          </p:stCondLst>
+                                        </p:cTn>
+                                        <p:tgtEl>
+                                          <p:spTgt spid="1038"/>
+                                        </p:tgtEl>
+                                        <p:attrNameLst>
+                                          <p:attrName>style.visibility</p:attrName>
+                                        </p:attrNameLst>
+                                      </p:cBhvr>
+                                      <p:to>
+                                        <p:strVal val="visible"/>
+                                      </p:to>
+                                    </p:set>
+                                  </p:childTnLst>
+                                </p:cTn>
+                              </p:par>
+                            </p:childTnLst>
+                          </p:cTn>
+                        </p:par>
+                      </p:childTnLst>
+                    </p:cTn>
+                  </p:par>
+                  <p:par>
+                    <p:cTn id="9" fill="hold">
+                      <p:stCondLst>
+                        <p:cond delay="indefinite"/>
+                      </p:stCondLst>
+                      <p:childTnLst>
+                        <p:par>
+                          <p:cTn id="10" fill="hold">
+                            <p:stCondLst>
+                              <p:cond delay="0"/>
+                            </p:stCondLst>
+                            <p:childTnLst>
+                              <p:par>
+                                <p:cTn id="11" presetID="1" presetClass="entr" presetSubtype="0" fill="hold" nodeType="clickEffect">
+                                  <p:stCondLst>
+                                    <p:cond delay="0"/>
+                                  </p:stCondLst>
+                                  <p:childTnLst>
+                                    <p:set>
+                                      <p:cBhvr>
+                                        <p:cTn id="12" dur="1" fill="hold">
+                                          <p:stCondLst>
+                                            <p:cond delay="0"/>
+                                          </p:stCondLst>
+                                        </p:cTn>
+                                        <p:tgtEl>
+                                          <p:spTgt spid="3">
+                                            <p:txEl>
+                                              <p:pRg st="8" end="8"/>
+                                            </p:txEl>
+                                          </p:spTgt>
+                                        </p:tgtEl>
+                                        <p:attrNameLst>
+                                          <p:attrName>style.visibility</p:attrName>
+                                        </p:attrNameLst>
+                                      </p:cBhvr>
+                                      <p:to>
+                                        <p:strVal val="visible"/>
+                                      </p:to>
+                                    </p:set>
+                                  </p:childTnLst>
+                                </p:cTn>
+                              </p:par>
+                              <p:par>
+                                <p:cTn id="13" presetID="1" presetClass="entr" presetSubtype="0" fill="hold" nodeType="withEffect">
+                                  <p:stCondLst>
+                                    <p:cond delay="0"/>
+                                  </p:stCondLst>
+                                  <p:childTnLst>
+                                    <p:set>
+                                      <p:cBhvr>
+                                        <p:cTn id="14" dur="1" fill="hold">
+                                          <p:stCondLst>
+                                            <p:cond delay="0"/>
+                                          </p:stCondLst>
+                                        </p:cTn>
+                                        <p:tgtEl>
+                                          <p:spTgt spid="3">
+                                            <p:txEl>
+                                              <p:pRg st="9" end="9"/>
+                                            </p:txEl>
+                                          </p:spTgt>
+                                        </p:tgtEl>
+                                        <p:attrNameLst>
+                                          <p:attrName>style.visibility</p:attrName>
+                                        </p:attrNameLst>
+                                      </p:cBhvr>
+                                      <p:to>
+                                        <p:strVal val="visible"/>
+                                      </p:to>
+                                    </p:set>
+                                  </p:childTnLst>
+                                </p:cTn>
+                              </p:par>
+                            </p:childTnLst>
+                          </p:cTn>
+                        </p:par>
+                      </p:childTnLst>
+                    </p:cTn>
+                  </p:par>
+                </p:childTnLst>
+              </p:cTn>
+              <p:prevCondLst>
+                <p:cond evt="onPrev" delay="0">
+                  <p:tgtEl>
+                    <p:sldTgt/>
+                  </p:tgtEl>
+                </p:cond>
+              </p:prevCondLst>
+              <p:nextCondLst>
+                <p:cond evt="onNext" delay="0">
+                  <p:tgtEl>
+                    <p:sldTgt/>
+                  </p:tgtEl>
+                </p:cond>
+              </p:nextCondLst>
+            </p:seq>
+          </p:childTnLst>
+        </p:cTn>
+      </p:par>
+    </p:tnLst>
+  </p:timing>
+</p:sld>
+</file>
+
+<file path=ppt/slides/slide31.xml><?xml version="1.0" encoding="utf-8"?>
+<p:sld xmlns:a="http://schemas.openxmlformats.org/drawingml/2006/main" xmlns:r="http://schemas.openxmlformats.org/officeDocument/2006/relationships" xmlns:p="http://schemas.openxmlformats.org/presentationml/2006/main">
+  <p:cSld>
+    <p:spTree>
+      <p:nvGrpSpPr>
+        <p:cNvPr id="1" name=""/>
+        <p:cNvGrpSpPr/>
+        <p:nvPr/>
+      </p:nvGrpSpPr>
+      <p:grpSpPr>
+        <a:xfrm>
+          <a:off x="0" y="0"/>
+          <a:ext cx="0" cy="0"/>
+          <a:chOff x="0" y="0"/>
+          <a:chExt cx="0" cy="0"/>
+        </a:xfrm>
+      </p:grpSpPr>
+      <p:pic>
+        <p:nvPicPr>
+          <p:cNvPr id="1026" name="Picture 2" descr="C:\Users\Simon\Desktop\SoftwareEngineering_Midterm_Presentation\codecov.png"/>
+          <p:cNvPicPr>
+            <a:picLocks noChangeAspect="1" noChangeArrowheads="1"/>
+          </p:cNvPicPr>
+          <p:nvPr/>
+        </p:nvPicPr>
+        <p:blipFill>
+          <a:blip r:embed="rId2">
+            <a:extLst>
+              <a:ext uri="{28A0092B-C50C-407E-A947-70E740481C1C}">
+                <a14:useLocalDpi xmlns:a14="http://schemas.microsoft.com/office/drawing/2010/main" val="0"/>
+              </a:ext>
+            </a:extLst>
+          </a:blip>
+          <a:srcRect/>
+          <a:stretch>
+            <a:fillRect/>
+          </a:stretch>
+        </p:blipFill>
+        <p:spPr bwMode="auto">
+          <a:xfrm>
+            <a:off x="1666082" y="2624138"/>
+            <a:ext cx="8859837" cy="1609725"/>
+          </a:xfrm>
+          <a:prstGeom prst="rect">
+            <a:avLst/>
+          </a:prstGeom>
+          <a:noFill/>
+          <a:extLst>
+            <a:ext uri="{909E8E84-426E-40DD-AFC4-6F175D3DCCD1}">
+              <a14:hiddenFill xmlns:a14="http://schemas.microsoft.com/office/drawing/2010/main">
+                <a:solidFill>
+                  <a:srgbClr val="FFFFFF"/>
+                </a:solidFill>
+              </a14:hiddenFill>
+            </a:ext>
+          </a:extLst>
+        </p:spPr>
+      </p:pic>
+    </p:spTree>
+    <p:extLst>
+      <p:ext uri="{BB962C8B-B14F-4D97-AF65-F5344CB8AC3E}">
+        <p14:creationId xmlns:p14="http://schemas.microsoft.com/office/powerpoint/2010/main" val="617256288"/>
+      </p:ext>
+    </p:extLst>
+  </p:cSld>
+  <p:clrMapOvr>
+    <a:masterClrMapping/>
+  </p:clrMapOvr>
+  <p:timing>
+    <p:tnLst>
+      <p:par>
+        <p:cTn id="1" dur="indefinite" restart="never" nodeType="tmRoot"/>
+      </p:par>
+    </p:tnLst>
+  </p:timing>
+</p:sld>
+</file>
+
+<file path=ppt/slides/slide32.xml><?xml version="1.0" encoding="utf-8"?>
+<p:sld xmlns:a="http://schemas.openxmlformats.org/drawingml/2006/main" xmlns:r="http://schemas.openxmlformats.org/officeDocument/2006/relationships" xmlns:p="http://schemas.openxmlformats.org/presentationml/2006/main">
+  <p:cSld>
+    <p:spTree>
+      <p:nvGrpSpPr>
+        <p:cNvPr id="1" name=""/>
+        <p:cNvGrpSpPr/>
+        <p:nvPr/>
+      </p:nvGrpSpPr>
+      <p:grpSpPr>
+        <a:xfrm>
+          <a:off x="0" y="0"/>
+          <a:ext cx="0" cy="0"/>
+          <a:chOff x="0" y="0"/>
+          <a:chExt cx="0" cy="0"/>
+        </a:xfrm>
+      </p:grpSpPr>
+      <p:sp>
+        <p:nvSpPr>
+          <p:cNvPr id="2" name="Titel 1"/>
+          <p:cNvSpPr>
+            <a:spLocks noGrp="1"/>
+          </p:cNvSpPr>
+          <p:nvPr>
+            <p:ph type="title"/>
+          </p:nvPr>
+        </p:nvSpPr>
+        <p:spPr/>
+        <p:txBody>
+          <a:bodyPr/>
+          <a:lstStyle/>
+          <a:p>
+            <a:r>
+              <a:rPr lang="de-DE" dirty="0" smtClean="0"/>
+              <a:t>Technische Funktionalitäten</a:t>
             </a:r>
             <a:endParaRPr lang="de-DE" dirty="0"/>
           </a:p>
@@ -13951,78 +17442,428 @@
           <a:lstStyle/>
           <a:p>
             <a:r>
-              <a:rPr lang="de-DE" sz="2200" dirty="0"/>
-              <a:t>Planung für Reibungslosen Entwicklungsablauf und Qualitätskontrolle</a:t>
+              <a:rPr lang="de-DE" dirty="0" smtClean="0"/>
+              <a:t>Demo</a:t>
+            </a:r>
+          </a:p>
+          <a:p>
+            <a:r>
+              <a:rPr lang="de-DE" dirty="0" smtClean="0"/>
+              <a:t>Bis dato implementierte Funktionalitäten</a:t>
             </a:r>
           </a:p>
           <a:p>
             <a:pPr lvl="1"/>
             <a:r>
-              <a:rPr lang="de-DE" sz="1900" dirty="0"/>
-              <a:t>SRS (Software </a:t>
-            </a:r>
-            <a:r>
-              <a:rPr lang="de-DE" sz="1900" dirty="0" err="1"/>
-              <a:t>Requirements</a:t>
-            </a:r>
-            <a:r>
-              <a:rPr lang="de-DE" sz="1900" dirty="0"/>
-              <a:t> </a:t>
-            </a:r>
-            <a:r>
-              <a:rPr lang="de-DE" sz="1900" dirty="0" err="1"/>
-              <a:t>Specification</a:t>
-            </a:r>
-            <a:r>
-              <a:rPr lang="de-DE" sz="1900" dirty="0"/>
-              <a:t>)</a:t>
-            </a:r>
-          </a:p>
-          <a:p>
-            <a:pPr lvl="1"/>
-            <a:r>
-              <a:rPr lang="de-DE" sz="1900" dirty="0"/>
-              <a:t>Standardisiert vom IEEE (Institute </a:t>
-            </a:r>
-            <a:r>
-              <a:rPr lang="de-DE" sz="1900" dirty="0" err="1"/>
-              <a:t>of</a:t>
-            </a:r>
-            <a:r>
-              <a:rPr lang="de-DE" sz="1900" dirty="0"/>
-              <a:t> </a:t>
-            </a:r>
-            <a:r>
-              <a:rPr lang="de-DE" sz="1900" dirty="0" err="1"/>
-              <a:t>Electrical</a:t>
-            </a:r>
-            <a:r>
-              <a:rPr lang="de-DE" sz="1900" dirty="0"/>
-              <a:t> </a:t>
-            </a:r>
-            <a:r>
-              <a:rPr lang="de-DE" sz="1900" dirty="0" err="1"/>
-              <a:t>and</a:t>
-            </a:r>
-            <a:r>
-              <a:rPr lang="de-DE" sz="1900" dirty="0"/>
-              <a:t> Electronic Engineers)</a:t>
-            </a:r>
-          </a:p>
-          <a:p>
-            <a:pPr lvl="1"/>
-            <a:r>
-              <a:rPr lang="de-DE" sz="1900" dirty="0"/>
-              <a:t>Beinhaltet Lasten-/Pflichtenheft (genaue Dokumentation Ihrer Anforderungen)</a:t>
-            </a:r>
-            <a:endParaRPr lang="de-DE" sz="1900" dirty="0"/>
+              <a:rPr lang="de-DE" dirty="0" smtClean="0"/>
+              <a:t>Alle geplanten Funktionalitäten</a:t>
+            </a:r>
+          </a:p>
+          <a:p>
+            <a:endParaRPr lang="de-DE" dirty="0" smtClean="0"/>
           </a:p>
         </p:txBody>
       </p:sp>
     </p:spTree>
     <p:extLst>
       <p:ext uri="{BB962C8B-B14F-4D97-AF65-F5344CB8AC3E}">
-        <p14:creationId xmlns:p14="http://schemas.microsoft.com/office/powerpoint/2010/main" val="625540485"/>
+        <p14:creationId xmlns:p14="http://schemas.microsoft.com/office/powerpoint/2010/main" val="3128819621"/>
+      </p:ext>
+    </p:extLst>
+  </p:cSld>
+  <p:clrMapOvr>
+    <a:masterClrMapping/>
+  </p:clrMapOvr>
+  <p:timing>
+    <p:tnLst>
+      <p:par>
+        <p:cTn id="1" dur="indefinite" restart="never" nodeType="tmRoot">
+          <p:childTnLst>
+            <p:seq concurrent="1" nextAc="seek">
+              <p:cTn id="2" dur="indefinite" nodeType="mainSeq">
+                <p:childTnLst>
+                  <p:par>
+                    <p:cTn id="3" fill="hold">
+                      <p:stCondLst>
+                        <p:cond delay="indefinite"/>
+                      </p:stCondLst>
+                      <p:childTnLst>
+                        <p:par>
+                          <p:cTn id="4" fill="hold">
+                            <p:stCondLst>
+                              <p:cond delay="0"/>
+                            </p:stCondLst>
+                            <p:childTnLst>
+                              <p:par>
+                                <p:cTn id="5" presetID="1" presetClass="entr" presetSubtype="0" fill="hold" nodeType="clickEffect">
+                                  <p:stCondLst>
+                                    <p:cond delay="0"/>
+                                  </p:stCondLst>
+                                  <p:childTnLst>
+                                    <p:set>
+                                      <p:cBhvr>
+                                        <p:cTn id="6" dur="1" fill="hold">
+                                          <p:stCondLst>
+                                            <p:cond delay="0"/>
+                                          </p:stCondLst>
+                                        </p:cTn>
+                                        <p:tgtEl>
+                                          <p:spTgt spid="3">
+                                            <p:txEl>
+                                              <p:pRg st="0" end="0"/>
+                                            </p:txEl>
+                                          </p:spTgt>
+                                        </p:tgtEl>
+                                        <p:attrNameLst>
+                                          <p:attrName>style.visibility</p:attrName>
+                                        </p:attrNameLst>
+                                      </p:cBhvr>
+                                      <p:to>
+                                        <p:strVal val="visible"/>
+                                      </p:to>
+                                    </p:set>
+                                  </p:childTnLst>
+                                </p:cTn>
+                              </p:par>
+                            </p:childTnLst>
+                          </p:cTn>
+                        </p:par>
+                      </p:childTnLst>
+                    </p:cTn>
+                  </p:par>
+                  <p:par>
+                    <p:cTn id="7" fill="hold">
+                      <p:stCondLst>
+                        <p:cond delay="indefinite"/>
+                      </p:stCondLst>
+                      <p:childTnLst>
+                        <p:par>
+                          <p:cTn id="8" fill="hold">
+                            <p:stCondLst>
+                              <p:cond delay="0"/>
+                            </p:stCondLst>
+                            <p:childTnLst>
+                              <p:par>
+                                <p:cTn id="9" presetID="1" presetClass="entr" presetSubtype="0" fill="hold" nodeType="clickEffect">
+                                  <p:stCondLst>
+                                    <p:cond delay="0"/>
+                                  </p:stCondLst>
+                                  <p:childTnLst>
+                                    <p:set>
+                                      <p:cBhvr>
+                                        <p:cTn id="10" dur="1" fill="hold">
+                                          <p:stCondLst>
+                                            <p:cond delay="0"/>
+                                          </p:stCondLst>
+                                        </p:cTn>
+                                        <p:tgtEl>
+                                          <p:spTgt spid="3">
+                                            <p:txEl>
+                                              <p:pRg st="1" end="1"/>
+                                            </p:txEl>
+                                          </p:spTgt>
+                                        </p:tgtEl>
+                                        <p:attrNameLst>
+                                          <p:attrName>style.visibility</p:attrName>
+                                        </p:attrNameLst>
+                                      </p:cBhvr>
+                                      <p:to>
+                                        <p:strVal val="visible"/>
+                                      </p:to>
+                                    </p:set>
+                                  </p:childTnLst>
+                                </p:cTn>
+                              </p:par>
+                            </p:childTnLst>
+                          </p:cTn>
+                        </p:par>
+                      </p:childTnLst>
+                    </p:cTn>
+                  </p:par>
+                  <p:par>
+                    <p:cTn id="11" fill="hold">
+                      <p:stCondLst>
+                        <p:cond delay="indefinite"/>
+                      </p:stCondLst>
+                      <p:childTnLst>
+                        <p:par>
+                          <p:cTn id="12" fill="hold">
+                            <p:stCondLst>
+                              <p:cond delay="0"/>
+                            </p:stCondLst>
+                            <p:childTnLst>
+                              <p:par>
+                                <p:cTn id="13" presetID="1" presetClass="entr" presetSubtype="0" fill="hold" nodeType="clickEffect">
+                                  <p:stCondLst>
+                                    <p:cond delay="0"/>
+                                  </p:stCondLst>
+                                  <p:childTnLst>
+                                    <p:set>
+                                      <p:cBhvr>
+                                        <p:cTn id="14" dur="1" fill="hold">
+                                          <p:stCondLst>
+                                            <p:cond delay="0"/>
+                                          </p:stCondLst>
+                                        </p:cTn>
+                                        <p:tgtEl>
+                                          <p:spTgt spid="3">
+                                            <p:txEl>
+                                              <p:pRg st="2" end="2"/>
+                                            </p:txEl>
+                                          </p:spTgt>
+                                        </p:tgtEl>
+                                        <p:attrNameLst>
+                                          <p:attrName>style.visibility</p:attrName>
+                                        </p:attrNameLst>
+                                      </p:cBhvr>
+                                      <p:to>
+                                        <p:strVal val="visible"/>
+                                      </p:to>
+                                    </p:set>
+                                  </p:childTnLst>
+                                </p:cTn>
+                              </p:par>
+                            </p:childTnLst>
+                          </p:cTn>
+                        </p:par>
+                      </p:childTnLst>
+                    </p:cTn>
+                  </p:par>
+                </p:childTnLst>
+              </p:cTn>
+              <p:prevCondLst>
+                <p:cond evt="onPrev" delay="0">
+                  <p:tgtEl>
+                    <p:sldTgt/>
+                  </p:tgtEl>
+                </p:cond>
+              </p:prevCondLst>
+              <p:nextCondLst>
+                <p:cond evt="onNext" delay="0">
+                  <p:tgtEl>
+                    <p:sldTgt/>
+                  </p:tgtEl>
+                </p:cond>
+              </p:nextCondLst>
+            </p:seq>
+          </p:childTnLst>
+        </p:cTn>
+      </p:par>
+    </p:tnLst>
+  </p:timing>
+</p:sld>
+</file>
+
+<file path=ppt/slides/slide33.xml><?xml version="1.0" encoding="utf-8"?>
+<p:sld xmlns:a="http://schemas.openxmlformats.org/drawingml/2006/main" xmlns:r="http://schemas.openxmlformats.org/officeDocument/2006/relationships" xmlns:p="http://schemas.openxmlformats.org/presentationml/2006/main">
+  <p:cSld>
+    <p:spTree>
+      <p:nvGrpSpPr>
+        <p:cNvPr id="1" name=""/>
+        <p:cNvGrpSpPr/>
+        <p:nvPr/>
+      </p:nvGrpSpPr>
+      <p:grpSpPr>
+        <a:xfrm>
+          <a:off x="0" y="0"/>
+          <a:ext cx="0" cy="0"/>
+          <a:chOff x="0" y="0"/>
+          <a:chExt cx="0" cy="0"/>
+        </a:xfrm>
+      </p:grpSpPr>
+      <p:sp>
+        <p:nvSpPr>
+          <p:cNvPr id="2" name="Titel 1"/>
+          <p:cNvSpPr>
+            <a:spLocks noGrp="1"/>
+          </p:cNvSpPr>
+          <p:nvPr>
+            <p:ph type="title"/>
+          </p:nvPr>
+        </p:nvSpPr>
+        <p:spPr/>
+        <p:txBody>
+          <a:bodyPr/>
+          <a:lstStyle/>
+          <a:p>
+            <a:r>
+              <a:rPr lang="de-DE" dirty="0" smtClean="0"/>
+              <a:t>Präsentation</a:t>
+            </a:r>
+            <a:endParaRPr lang="de-DE" dirty="0"/>
+          </a:p>
+        </p:txBody>
+      </p:sp>
+      <p:sp>
+        <p:nvSpPr>
+          <p:cNvPr id="3" name="Inhaltsplatzhalter 2"/>
+          <p:cNvSpPr>
+            <a:spLocks noGrp="1"/>
+          </p:cNvSpPr>
+          <p:nvPr>
+            <p:ph idx="1"/>
+          </p:nvPr>
+        </p:nvSpPr>
+        <p:spPr/>
+        <p:txBody>
+          <a:bodyPr/>
+          <a:lstStyle/>
+          <a:p>
+            <a:r>
+              <a:rPr lang="de-DE" dirty="0" smtClean="0"/>
+              <a:t>Live Test</a:t>
+            </a:r>
+            <a:endParaRPr lang="de-DE" dirty="0"/>
+          </a:p>
+        </p:txBody>
+      </p:sp>
+    </p:spTree>
+    <p:extLst>
+      <p:ext uri="{BB962C8B-B14F-4D97-AF65-F5344CB8AC3E}">
+        <p14:creationId xmlns:p14="http://schemas.microsoft.com/office/powerpoint/2010/main" val="1830894185"/>
+      </p:ext>
+    </p:extLst>
+  </p:cSld>
+  <p:clrMapOvr>
+    <a:masterClrMapping/>
+  </p:clrMapOvr>
+  <p:timing>
+    <p:tnLst>
+      <p:par>
+        <p:cTn id="1" dur="indefinite" restart="never" nodeType="tmRoot">
+          <p:childTnLst>
+            <p:seq concurrent="1" nextAc="seek">
+              <p:cTn id="2" dur="indefinite" nodeType="mainSeq">
+                <p:childTnLst>
+                  <p:par>
+                    <p:cTn id="3" fill="hold">
+                      <p:stCondLst>
+                        <p:cond delay="indefinite"/>
+                      </p:stCondLst>
+                      <p:childTnLst>
+                        <p:par>
+                          <p:cTn id="4" fill="hold">
+                            <p:stCondLst>
+                              <p:cond delay="0"/>
+                            </p:stCondLst>
+                            <p:childTnLst>
+                              <p:par>
+                                <p:cTn id="5" presetID="1" presetClass="entr" presetSubtype="0" fill="hold" nodeType="clickEffect">
+                                  <p:stCondLst>
+                                    <p:cond delay="0"/>
+                                  </p:stCondLst>
+                                  <p:childTnLst>
+                                    <p:set>
+                                      <p:cBhvr>
+                                        <p:cTn id="6" dur="1" fill="hold">
+                                          <p:stCondLst>
+                                            <p:cond delay="0"/>
+                                          </p:stCondLst>
+                                        </p:cTn>
+                                        <p:tgtEl>
+                                          <p:spTgt spid="3">
+                                            <p:txEl>
+                                              <p:pRg st="0" end="0"/>
+                                            </p:txEl>
+                                          </p:spTgt>
+                                        </p:tgtEl>
+                                        <p:attrNameLst>
+                                          <p:attrName>style.visibility</p:attrName>
+                                        </p:attrNameLst>
+                                      </p:cBhvr>
+                                      <p:to>
+                                        <p:strVal val="visible"/>
+                                      </p:to>
+                                    </p:set>
+                                  </p:childTnLst>
+                                </p:cTn>
+                              </p:par>
+                            </p:childTnLst>
+                          </p:cTn>
+                        </p:par>
+                      </p:childTnLst>
+                    </p:cTn>
+                  </p:par>
+                </p:childTnLst>
+              </p:cTn>
+              <p:prevCondLst>
+                <p:cond evt="onPrev" delay="0">
+                  <p:tgtEl>
+                    <p:sldTgt/>
+                  </p:tgtEl>
+                </p:cond>
+              </p:prevCondLst>
+              <p:nextCondLst>
+                <p:cond evt="onNext" delay="0">
+                  <p:tgtEl>
+                    <p:sldTgt/>
+                  </p:tgtEl>
+                </p:cond>
+              </p:nextCondLst>
+            </p:seq>
+          </p:childTnLst>
+        </p:cTn>
+      </p:par>
+    </p:tnLst>
+  </p:timing>
+</p:sld>
+</file>
+
+<file path=ppt/slides/slide34.xml><?xml version="1.0" encoding="utf-8"?>
+<p:sld xmlns:a="http://schemas.openxmlformats.org/drawingml/2006/main" xmlns:r="http://schemas.openxmlformats.org/officeDocument/2006/relationships" xmlns:p="http://schemas.openxmlformats.org/presentationml/2006/main">
+  <p:cSld>
+    <p:spTree>
+      <p:nvGrpSpPr>
+        <p:cNvPr id="1" name=""/>
+        <p:cNvGrpSpPr/>
+        <p:nvPr/>
+      </p:nvGrpSpPr>
+      <p:grpSpPr>
+        <a:xfrm>
+          <a:off x="0" y="0"/>
+          <a:ext cx="0" cy="0"/>
+          <a:chOff x="0" y="0"/>
+          <a:chExt cx="0" cy="0"/>
+        </a:xfrm>
+      </p:grpSpPr>
+      <p:sp>
+        <p:nvSpPr>
+          <p:cNvPr id="2" name="Titel 1"/>
+          <p:cNvSpPr>
+            <a:spLocks noGrp="1"/>
+          </p:cNvSpPr>
+          <p:nvPr>
+            <p:ph type="title"/>
+          </p:nvPr>
+        </p:nvSpPr>
+        <p:spPr>
+          <a:xfrm>
+            <a:off x="1143001" y="2420205"/>
+            <a:ext cx="9905998" cy="2017590"/>
+          </a:xfrm>
+        </p:spPr>
+        <p:txBody>
+          <a:bodyPr>
+            <a:normAutofit/>
+          </a:bodyPr>
+          <a:lstStyle/>
+          <a:p>
+            <a:r>
+              <a:rPr lang="de-DE" sz="2400" dirty="0" smtClean="0"/>
+              <a:t>Für weitere fragen stehen wir ihnen gerne zur </a:t>
+            </a:r>
+            <a:r>
+              <a:rPr lang="de-DE" sz="2400" dirty="0" err="1" smtClean="0"/>
+              <a:t>verfügung</a:t>
+            </a:r>
+            <a:endParaRPr lang="de-DE" sz="2400" dirty="0"/>
+          </a:p>
+        </p:txBody>
+      </p:sp>
+    </p:spTree>
+    <p:extLst>
+      <p:ext uri="{BB962C8B-B14F-4D97-AF65-F5344CB8AC3E}">
+        <p14:creationId xmlns:p14="http://schemas.microsoft.com/office/powerpoint/2010/main" val="983586435"/>
       </p:ext>
     </p:extLst>
   </p:cSld>
@@ -14056,40 +17897,118 @@
           <a:chExt cx="0" cy="0"/>
         </a:xfrm>
       </p:grpSpPr>
-      <p:pic>
-        <p:nvPicPr>
-          <p:cNvPr id="4" name="Grafik 3"/>
-          <p:cNvPicPr>
-            <a:picLocks noChangeAspect="1"/>
-          </p:cNvPicPr>
-          <p:nvPr/>
-        </p:nvPicPr>
-        <p:blipFill>
-          <a:blip r:embed="rId2">
-            <a:extLst>
-              <a:ext uri="{28A0092B-C50C-407E-A947-70E740481C1C}">
-                <a14:useLocalDpi xmlns:a14="http://schemas.microsoft.com/office/drawing/2010/main" val="0"/>
-              </a:ext>
-            </a:extLst>
-          </a:blip>
-          <a:stretch>
-            <a:fillRect/>
-          </a:stretch>
-        </p:blipFill>
-        <p:spPr>
-          <a:xfrm>
-            <a:off x="3228432" y="0"/>
-            <a:ext cx="5735136" cy="6858000"/>
-          </a:xfrm>
-          <a:prstGeom prst="rect">
-            <a:avLst/>
-          </a:prstGeom>
-        </p:spPr>
-      </p:pic>
+      <p:sp>
+        <p:nvSpPr>
+          <p:cNvPr id="2" name="Titel 1"/>
+          <p:cNvSpPr>
+            <a:spLocks noGrp="1"/>
+          </p:cNvSpPr>
+          <p:nvPr>
+            <p:ph type="title"/>
+          </p:nvPr>
+        </p:nvSpPr>
+        <p:spPr/>
+        <p:txBody>
+          <a:bodyPr/>
+          <a:lstStyle/>
+          <a:p>
+            <a:r>
+              <a:rPr lang="de-DE" dirty="0" smtClean="0"/>
+              <a:t>Unsere Sicherheiten</a:t>
+            </a:r>
+            <a:endParaRPr lang="de-DE" dirty="0"/>
+          </a:p>
+        </p:txBody>
+      </p:sp>
+      <p:sp>
+        <p:nvSpPr>
+          <p:cNvPr id="3" name="Inhaltsplatzhalter 2"/>
+          <p:cNvSpPr>
+            <a:spLocks noGrp="1"/>
+          </p:cNvSpPr>
+          <p:nvPr>
+            <p:ph idx="1"/>
+          </p:nvPr>
+        </p:nvSpPr>
+        <p:spPr/>
+        <p:txBody>
+          <a:bodyPr>
+            <a:normAutofit/>
+          </a:bodyPr>
+          <a:lstStyle/>
+          <a:p>
+            <a:r>
+              <a:rPr lang="de-DE" sz="2000" dirty="0"/>
+              <a:t>Planung für Reibungslosen Entwicklungsablauf und Qualitätskontrolle</a:t>
+            </a:r>
+          </a:p>
+          <a:p>
+            <a:pPr lvl="1"/>
+            <a:r>
+              <a:rPr lang="de-DE" sz="1700" dirty="0"/>
+              <a:t>SRS (Software </a:t>
+            </a:r>
+            <a:r>
+              <a:rPr lang="de-DE" sz="1700" dirty="0" err="1"/>
+              <a:t>Requirements</a:t>
+            </a:r>
+            <a:r>
+              <a:rPr lang="de-DE" sz="1700" dirty="0"/>
+              <a:t> </a:t>
+            </a:r>
+            <a:r>
+              <a:rPr lang="de-DE" sz="1700" dirty="0" err="1"/>
+              <a:t>Specification</a:t>
+            </a:r>
+            <a:r>
+              <a:rPr lang="de-DE" sz="1700" dirty="0"/>
+              <a:t>)</a:t>
+            </a:r>
+          </a:p>
+          <a:p>
+            <a:pPr lvl="1"/>
+            <a:r>
+              <a:rPr lang="de-DE" sz="1700" dirty="0"/>
+              <a:t>Standardisiert vom IEEE (Institute </a:t>
+            </a:r>
+            <a:r>
+              <a:rPr lang="de-DE" sz="1700" dirty="0" err="1"/>
+              <a:t>of</a:t>
+            </a:r>
+            <a:r>
+              <a:rPr lang="de-DE" sz="1700" dirty="0"/>
+              <a:t> </a:t>
+            </a:r>
+            <a:r>
+              <a:rPr lang="de-DE" sz="1700" dirty="0" err="1"/>
+              <a:t>Electrical</a:t>
+            </a:r>
+            <a:r>
+              <a:rPr lang="de-DE" sz="1700" dirty="0"/>
+              <a:t> </a:t>
+            </a:r>
+            <a:r>
+              <a:rPr lang="de-DE" sz="1700" dirty="0" err="1"/>
+              <a:t>and</a:t>
+            </a:r>
+            <a:r>
+              <a:rPr lang="de-DE" sz="1700" dirty="0"/>
+              <a:t> Electronic Engineers)</a:t>
+            </a:r>
+          </a:p>
+          <a:p>
+            <a:pPr lvl="1"/>
+            <a:r>
+              <a:rPr lang="de-DE" sz="1700" dirty="0"/>
+              <a:t>Beinhaltet Lasten-/Pflichtenheft (genaue Dokumentation Ihrer Anforderungen)</a:t>
+            </a:r>
+          </a:p>
+        </p:txBody>
+      </p:sp>
     </p:spTree>
     <p:extLst>
       <p:ext uri="{BB962C8B-B14F-4D97-AF65-F5344CB8AC3E}">
-        <p14:creationId xmlns:p14="http://schemas.microsoft.com/office/powerpoint/2010/main" val="3539742780"/>
+        <p14:creationId xmlns:p14="http://schemas.microsoft.com/office/powerpoint/2010/main" val="625540485"/>
       </p:ext>
     </p:extLst>
   </p:cSld>
@@ -14099,7 +18018,190 @@
   <p:timing>
     <p:tnLst>
       <p:par>
-        <p:cTn id="1" dur="indefinite" restart="never" nodeType="tmRoot"/>
+        <p:cTn id="1" dur="indefinite" restart="never" nodeType="tmRoot">
+          <p:childTnLst>
+            <p:seq concurrent="1" nextAc="seek">
+              <p:cTn id="2" dur="indefinite" nodeType="mainSeq">
+                <p:childTnLst>
+                  <p:par>
+                    <p:cTn id="3" fill="hold">
+                      <p:stCondLst>
+                        <p:cond delay="indefinite"/>
+                      </p:stCondLst>
+                      <p:childTnLst>
+                        <p:par>
+                          <p:cTn id="4" fill="hold">
+                            <p:stCondLst>
+                              <p:cond delay="0"/>
+                            </p:stCondLst>
+                            <p:childTnLst>
+                              <p:par>
+                                <p:cTn id="5" presetID="1" presetClass="entr" presetSubtype="0" fill="hold" nodeType="clickEffect">
+                                  <p:stCondLst>
+                                    <p:cond delay="0"/>
+                                  </p:stCondLst>
+                                  <p:childTnLst>
+                                    <p:set>
+                                      <p:cBhvr>
+                                        <p:cTn id="6" dur="1" fill="hold">
+                                          <p:stCondLst>
+                                            <p:cond delay="0"/>
+                                          </p:stCondLst>
+                                        </p:cTn>
+                                        <p:tgtEl>
+                                          <p:spTgt spid="3">
+                                            <p:txEl>
+                                              <p:pRg st="0" end="0"/>
+                                            </p:txEl>
+                                          </p:spTgt>
+                                        </p:tgtEl>
+                                        <p:attrNameLst>
+                                          <p:attrName>style.visibility</p:attrName>
+                                        </p:attrNameLst>
+                                      </p:cBhvr>
+                                      <p:to>
+                                        <p:strVal val="visible"/>
+                                      </p:to>
+                                    </p:set>
+                                  </p:childTnLst>
+                                </p:cTn>
+                              </p:par>
+                            </p:childTnLst>
+                          </p:cTn>
+                        </p:par>
+                      </p:childTnLst>
+                    </p:cTn>
+                  </p:par>
+                  <p:par>
+                    <p:cTn id="7" fill="hold">
+                      <p:stCondLst>
+                        <p:cond delay="indefinite"/>
+                      </p:stCondLst>
+                      <p:childTnLst>
+                        <p:par>
+                          <p:cTn id="8" fill="hold">
+                            <p:stCondLst>
+                              <p:cond delay="0"/>
+                            </p:stCondLst>
+                            <p:childTnLst>
+                              <p:par>
+                                <p:cTn id="9" presetID="1" presetClass="entr" presetSubtype="0" fill="hold" nodeType="clickEffect">
+                                  <p:stCondLst>
+                                    <p:cond delay="0"/>
+                                  </p:stCondLst>
+                                  <p:childTnLst>
+                                    <p:set>
+                                      <p:cBhvr>
+                                        <p:cTn id="10" dur="1" fill="hold">
+                                          <p:stCondLst>
+                                            <p:cond delay="0"/>
+                                          </p:stCondLst>
+                                        </p:cTn>
+                                        <p:tgtEl>
+                                          <p:spTgt spid="3">
+                                            <p:txEl>
+                                              <p:pRg st="1" end="1"/>
+                                            </p:txEl>
+                                          </p:spTgt>
+                                        </p:tgtEl>
+                                        <p:attrNameLst>
+                                          <p:attrName>style.visibility</p:attrName>
+                                        </p:attrNameLst>
+                                      </p:cBhvr>
+                                      <p:to>
+                                        <p:strVal val="visible"/>
+                                      </p:to>
+                                    </p:set>
+                                  </p:childTnLst>
+                                </p:cTn>
+                              </p:par>
+                              <p:par>
+                                <p:cTn id="11" presetID="1" presetClass="entr" presetSubtype="0" fill="hold" nodeType="withEffect">
+                                  <p:stCondLst>
+                                    <p:cond delay="0"/>
+                                  </p:stCondLst>
+                                  <p:childTnLst>
+                                    <p:set>
+                                      <p:cBhvr>
+                                        <p:cTn id="12" dur="1" fill="hold">
+                                          <p:stCondLst>
+                                            <p:cond delay="0"/>
+                                          </p:stCondLst>
+                                        </p:cTn>
+                                        <p:tgtEl>
+                                          <p:spTgt spid="3">
+                                            <p:txEl>
+                                              <p:pRg st="2" end="2"/>
+                                            </p:txEl>
+                                          </p:spTgt>
+                                        </p:tgtEl>
+                                        <p:attrNameLst>
+                                          <p:attrName>style.visibility</p:attrName>
+                                        </p:attrNameLst>
+                                      </p:cBhvr>
+                                      <p:to>
+                                        <p:strVal val="visible"/>
+                                      </p:to>
+                                    </p:set>
+                                  </p:childTnLst>
+                                </p:cTn>
+                              </p:par>
+                              <p:par>
+                                <p:cTn id="13" presetID="1" presetClass="entr" presetSubtype="0" fill="hold" nodeType="withEffect">
+                                  <p:stCondLst>
+                                    <p:cond delay="0"/>
+                                  </p:stCondLst>
+                                  <p:childTnLst>
+                                    <p:set>
+                                      <p:cBhvr>
+                                        <p:cTn id="14" dur="1" fill="hold">
+                                          <p:stCondLst>
+                                            <p:cond delay="0"/>
+                                          </p:stCondLst>
+                                        </p:cTn>
+                                        <p:tgtEl>
+                                          <p:spTgt spid="3">
+                                            <p:txEl>
+                                              <p:pRg st="3" end="3"/>
+                                            </p:txEl>
+                                          </p:spTgt>
+                                        </p:tgtEl>
+                                        <p:attrNameLst>
+                                          <p:attrName>style.visibility</p:attrName>
+                                        </p:attrNameLst>
+                                      </p:cBhvr>
+                                      <p:to>
+                                        <p:strVal val="visible"/>
+                                      </p:to>
+                                    </p:set>
+                                  </p:childTnLst>
+                                </p:cTn>
+                              </p:par>
+                            </p:childTnLst>
+                          </p:cTn>
+                        </p:par>
+                      </p:childTnLst>
+                    </p:cTn>
+                  </p:par>
+                </p:childTnLst>
+              </p:cTn>
+              <p:prevCondLst>
+                <p:cond evt="onPrev" delay="0">
+                  <p:tgtEl>
+                    <p:sldTgt/>
+                  </p:tgtEl>
+                </p:cond>
+              </p:prevCondLst>
+              <p:nextCondLst>
+                <p:cond evt="onNext" delay="0">
+                  <p:tgtEl>
+                    <p:sldTgt/>
+                  </p:tgtEl>
+                </p:cond>
+              </p:nextCondLst>
+            </p:seq>
+          </p:childTnLst>
+        </p:cTn>
       </p:par>
     </p:tnLst>
   </p:timing>
@@ -14140,15 +18242,7 @@
           <a:p>
             <a:r>
               <a:rPr lang="de-DE" dirty="0" smtClean="0"/>
-              <a:t>Unsere </a:t>
-            </a:r>
-            <a:r>
-              <a:rPr lang="de-DE" dirty="0" err="1" smtClean="0"/>
-              <a:t>vorausPlanung</a:t>
-            </a:r>
-            <a:r>
-              <a:rPr lang="de-DE" dirty="0" smtClean="0"/>
-              <a:t> </a:t>
+              <a:t>SRS</a:t>
             </a:r>
             <a:endParaRPr lang="de-DE" dirty="0"/>
           </a:p>
@@ -14172,119 +18266,40 @@
           <a:lstStyle/>
           <a:p>
             <a:r>
-              <a:rPr lang="de-DE" sz="2200" dirty="0"/>
-              <a:t>Planung für Reibungslosen Entwicklungsablauf und Qualitätskontrolle</a:t>
-            </a:r>
-          </a:p>
-          <a:p>
-            <a:pPr lvl="1"/>
-            <a:r>
-              <a:rPr lang="de-DE" sz="1900" dirty="0"/>
-              <a:t>SRS (Software </a:t>
-            </a:r>
-            <a:r>
-              <a:rPr lang="de-DE" sz="1900" dirty="0" err="1"/>
-              <a:t>Requirements</a:t>
-            </a:r>
-            <a:r>
-              <a:rPr lang="de-DE" sz="1900" dirty="0"/>
-              <a:t> </a:t>
-            </a:r>
-            <a:r>
-              <a:rPr lang="de-DE" sz="1900" dirty="0" err="1"/>
-              <a:t>Specification</a:t>
-            </a:r>
-            <a:r>
-              <a:rPr lang="de-DE" sz="1900" dirty="0"/>
-              <a:t>)</a:t>
-            </a:r>
-          </a:p>
-          <a:p>
-            <a:pPr lvl="1"/>
-            <a:r>
-              <a:rPr lang="de-DE" sz="1900" dirty="0"/>
-              <a:t>Standardisiert vom IEEE (Institute </a:t>
-            </a:r>
-            <a:r>
-              <a:rPr lang="de-DE" sz="1900" dirty="0" err="1"/>
-              <a:t>of</a:t>
-            </a:r>
-            <a:r>
-              <a:rPr lang="de-DE" sz="1900" dirty="0"/>
-              <a:t> </a:t>
-            </a:r>
-            <a:r>
-              <a:rPr lang="de-DE" sz="1900" dirty="0" err="1"/>
-              <a:t>Electrical</a:t>
-            </a:r>
-            <a:r>
-              <a:rPr lang="de-DE" sz="1900" dirty="0"/>
-              <a:t> </a:t>
-            </a:r>
-            <a:r>
-              <a:rPr lang="de-DE" sz="1900" dirty="0" err="1"/>
-              <a:t>and</a:t>
-            </a:r>
-            <a:r>
-              <a:rPr lang="de-DE" sz="1900" dirty="0"/>
-              <a:t> Electronic Engineers)</a:t>
-            </a:r>
-          </a:p>
-          <a:p>
-            <a:pPr lvl="1"/>
-            <a:r>
-              <a:rPr lang="de-DE" sz="1900" dirty="0"/>
-              <a:t>Beinhaltet Lasten-/Pflichtenheft (genaue Dokumentation Ihrer Anforderungen)</a:t>
-            </a:r>
-          </a:p>
-          <a:p>
-            <a:r>
-              <a:rPr lang="de-DE" sz="2200" dirty="0" smtClean="0"/>
-              <a:t>Visualisierung des funktionalen Umfangs</a:t>
-            </a:r>
-            <a:endParaRPr lang="de-DE" sz="2200" dirty="0" smtClean="0"/>
-          </a:p>
-          <a:p>
-            <a:pPr lvl="1"/>
-            <a:r>
-              <a:rPr lang="de-DE" sz="1900" dirty="0" smtClean="0"/>
-              <a:t>Nutzen der universell verständlichen UML (Unified Modeling Language)</a:t>
-            </a:r>
-          </a:p>
-          <a:p>
-            <a:pPr lvl="1"/>
-            <a:r>
-              <a:rPr lang="de-DE" sz="1900" dirty="0" smtClean="0"/>
-              <a:t>Standardisiert von der ISO (International Organisation </a:t>
-            </a:r>
-            <a:r>
-              <a:rPr lang="de-DE" sz="1900" dirty="0" err="1" smtClean="0"/>
-              <a:t>for</a:t>
-            </a:r>
-            <a:r>
-              <a:rPr lang="de-DE" sz="1900" dirty="0" smtClean="0"/>
-              <a:t> </a:t>
-            </a:r>
-            <a:r>
-              <a:rPr lang="de-DE" sz="1900" dirty="0" err="1" smtClean="0"/>
-              <a:t>Standardization</a:t>
-            </a:r>
-            <a:r>
-              <a:rPr lang="de-DE" sz="1900" dirty="0" smtClean="0"/>
-              <a:t>)</a:t>
-            </a:r>
-            <a:endParaRPr lang="de-DE" sz="1900" dirty="0" smtClean="0"/>
-          </a:p>
-          <a:p>
-            <a:pPr lvl="1"/>
-            <a:endParaRPr lang="de-DE" dirty="0" smtClean="0"/>
+              <a:rPr lang="de-DE" dirty="0" smtClean="0"/>
+              <a:t>Ist Dokument mit standardisiertem Inhaltsverzeichnis</a:t>
+            </a:r>
+          </a:p>
+          <a:p>
+            <a:r>
+              <a:rPr lang="de-DE" dirty="0" smtClean="0"/>
+              <a:t>Enthält frühe detaillierte Planung vor Start des Projekts</a:t>
+            </a:r>
+          </a:p>
+          <a:p>
+            <a:r>
+              <a:rPr lang="de-DE" dirty="0" smtClean="0"/>
+              <a:t>Legt klare Zielsetzung im Bereich Funktionsumfang </a:t>
+            </a:r>
+          </a:p>
+          <a:p>
+            <a:r>
+              <a:rPr lang="de-DE" dirty="0" smtClean="0"/>
+              <a:t>Verhindert Unstimmigkeiten während Entwicklung der App</a:t>
+            </a:r>
+          </a:p>
+          <a:p>
+            <a:r>
+              <a:rPr lang="de-DE" dirty="0" smtClean="0"/>
+              <a:t>Ermöglicht Qualitäts- und Erfolgskontrolle bei Abschluss des Projekts</a:t>
+            </a:r>
           </a:p>
         </p:txBody>
       </p:sp>
     </p:spTree>
     <p:extLst>
       <p:ext uri="{BB962C8B-B14F-4D97-AF65-F5344CB8AC3E}">
-        <p14:creationId xmlns:p14="http://schemas.microsoft.com/office/powerpoint/2010/main" val="4172726597"/>
+        <p14:creationId xmlns:p14="http://schemas.microsoft.com/office/powerpoint/2010/main" val="3848992362"/>
       </p:ext>
     </p:extLst>
   </p:cSld>
@@ -14294,7 +18309,203 @@
   <p:timing>
     <p:tnLst>
       <p:par>
-        <p:cTn id="1" dur="indefinite" restart="never" nodeType="tmRoot"/>
+        <p:cTn id="1" dur="indefinite" restart="never" nodeType="tmRoot">
+          <p:childTnLst>
+            <p:seq concurrent="1" nextAc="seek">
+              <p:cTn id="2" dur="indefinite" nodeType="mainSeq">
+                <p:childTnLst>
+                  <p:par>
+                    <p:cTn id="3" fill="hold">
+                      <p:stCondLst>
+                        <p:cond delay="indefinite"/>
+                      </p:stCondLst>
+                      <p:childTnLst>
+                        <p:par>
+                          <p:cTn id="4" fill="hold">
+                            <p:stCondLst>
+                              <p:cond delay="0"/>
+                            </p:stCondLst>
+                            <p:childTnLst>
+                              <p:par>
+                                <p:cTn id="5" presetID="1" presetClass="entr" presetSubtype="0" fill="hold" nodeType="clickEffect">
+                                  <p:stCondLst>
+                                    <p:cond delay="0"/>
+                                  </p:stCondLst>
+                                  <p:childTnLst>
+                                    <p:set>
+                                      <p:cBhvr>
+                                        <p:cTn id="6" dur="1" fill="hold">
+                                          <p:stCondLst>
+                                            <p:cond delay="0"/>
+                                          </p:stCondLst>
+                                        </p:cTn>
+                                        <p:tgtEl>
+                                          <p:spTgt spid="3">
+                                            <p:txEl>
+                                              <p:pRg st="0" end="0"/>
+                                            </p:txEl>
+                                          </p:spTgt>
+                                        </p:tgtEl>
+                                        <p:attrNameLst>
+                                          <p:attrName>style.visibility</p:attrName>
+                                        </p:attrNameLst>
+                                      </p:cBhvr>
+                                      <p:to>
+                                        <p:strVal val="visible"/>
+                                      </p:to>
+                                    </p:set>
+                                  </p:childTnLst>
+                                </p:cTn>
+                              </p:par>
+                              <p:par>
+                                <p:cTn id="7" presetID="1" presetClass="entr" presetSubtype="0" fill="hold" nodeType="withEffect">
+                                  <p:stCondLst>
+                                    <p:cond delay="0"/>
+                                  </p:stCondLst>
+                                  <p:childTnLst>
+                                    <p:set>
+                                      <p:cBhvr>
+                                        <p:cTn id="8" dur="1" fill="hold">
+                                          <p:stCondLst>
+                                            <p:cond delay="0"/>
+                                          </p:stCondLst>
+                                        </p:cTn>
+                                        <p:tgtEl>
+                                          <p:spTgt spid="3">
+                                            <p:txEl>
+                                              <p:pRg st="1" end="1"/>
+                                            </p:txEl>
+                                          </p:spTgt>
+                                        </p:tgtEl>
+                                        <p:attrNameLst>
+                                          <p:attrName>style.visibility</p:attrName>
+                                        </p:attrNameLst>
+                                      </p:cBhvr>
+                                      <p:to>
+                                        <p:strVal val="visible"/>
+                                      </p:to>
+                                    </p:set>
+                                  </p:childTnLst>
+                                </p:cTn>
+                              </p:par>
+                              <p:par>
+                                <p:cTn id="9" presetID="1" presetClass="entr" presetSubtype="0" fill="hold" nodeType="withEffect">
+                                  <p:stCondLst>
+                                    <p:cond delay="0"/>
+                                  </p:stCondLst>
+                                  <p:childTnLst>
+                                    <p:set>
+                                      <p:cBhvr>
+                                        <p:cTn id="10" dur="1" fill="hold">
+                                          <p:stCondLst>
+                                            <p:cond delay="0"/>
+                                          </p:stCondLst>
+                                        </p:cTn>
+                                        <p:tgtEl>
+                                          <p:spTgt spid="3">
+                                            <p:txEl>
+                                              <p:pRg st="2" end="2"/>
+                                            </p:txEl>
+                                          </p:spTgt>
+                                        </p:tgtEl>
+                                        <p:attrNameLst>
+                                          <p:attrName>style.visibility</p:attrName>
+                                        </p:attrNameLst>
+                                      </p:cBhvr>
+                                      <p:to>
+                                        <p:strVal val="visible"/>
+                                      </p:to>
+                                    </p:set>
+                                  </p:childTnLst>
+                                </p:cTn>
+                              </p:par>
+                              <p:par>
+                                <p:cTn id="11" presetID="1" presetClass="entr" presetSubtype="0" fill="hold" nodeType="withEffect">
+                                  <p:stCondLst>
+                                    <p:cond delay="0"/>
+                                  </p:stCondLst>
+                                  <p:childTnLst>
+                                    <p:set>
+                                      <p:cBhvr>
+                                        <p:cTn id="12" dur="1" fill="hold">
+                                          <p:stCondLst>
+                                            <p:cond delay="0"/>
+                                          </p:stCondLst>
+                                        </p:cTn>
+                                        <p:tgtEl>
+                                          <p:spTgt spid="3">
+                                            <p:txEl>
+                                              <p:pRg st="3" end="3"/>
+                                            </p:txEl>
+                                          </p:spTgt>
+                                        </p:tgtEl>
+                                        <p:attrNameLst>
+                                          <p:attrName>style.visibility</p:attrName>
+                                        </p:attrNameLst>
+                                      </p:cBhvr>
+                                      <p:to>
+                                        <p:strVal val="visible"/>
+                                      </p:to>
+                                    </p:set>
+                                  </p:childTnLst>
+                                </p:cTn>
+                              </p:par>
+                              <p:par>
+                                <p:cTn id="13" presetID="1" presetClass="entr" presetSubtype="0" fill="hold" nodeType="withEffect">
+                                  <p:stCondLst>
+                                    <p:cond delay="0"/>
+                                  </p:stCondLst>
+                                  <p:childTnLst>
+                                    <p:set>
+                                      <p:cBhvr>
+                                        <p:cTn id="14" dur="1" fill="hold">
+                                          <p:stCondLst>
+                                            <p:cond delay="0"/>
+                                          </p:stCondLst>
+                                        </p:cTn>
+                                        <p:tgtEl>
+                                          <p:spTgt spid="3">
+                                            <p:txEl>
+                                              <p:pRg st="4" end="4"/>
+                                            </p:txEl>
+                                          </p:spTgt>
+                                        </p:tgtEl>
+                                        <p:attrNameLst>
+                                          <p:attrName>style.visibility</p:attrName>
+                                        </p:attrNameLst>
+                                      </p:cBhvr>
+                                      <p:to>
+                                        <p:strVal val="visible"/>
+                                      </p:to>
+                                    </p:set>
+                                  </p:childTnLst>
+                                </p:cTn>
+                              </p:par>
+                            </p:childTnLst>
+                          </p:cTn>
+                        </p:par>
+                      </p:childTnLst>
+                    </p:cTn>
+                  </p:par>
+                </p:childTnLst>
+              </p:cTn>
+              <p:prevCondLst>
+                <p:cond evt="onPrev" delay="0">
+                  <p:tgtEl>
+                    <p:sldTgt/>
+                  </p:tgtEl>
+                </p:cond>
+              </p:prevCondLst>
+              <p:nextCondLst>
+                <p:cond evt="onNext" delay="0">
+                  <p:tgtEl>
+                    <p:sldTgt/>
+                  </p:tgtEl>
+                </p:cond>
+              </p:nextCondLst>
+            </p:seq>
+          </p:childTnLst>
+        </p:cTn>
       </p:par>
     </p:tnLst>
   </p:timing>
@@ -14318,9 +18529,47 @@
           <a:chExt cx="0" cy="0"/>
         </a:xfrm>
       </p:grpSpPr>
+      <p:sp>
+        <p:nvSpPr>
+          <p:cNvPr id="2" name="Titel 1"/>
+          <p:cNvSpPr>
+            <a:spLocks noGrp="1"/>
+          </p:cNvSpPr>
+          <p:nvPr>
+            <p:ph type="title"/>
+          </p:nvPr>
+        </p:nvSpPr>
+        <p:spPr/>
+        <p:txBody>
+          <a:bodyPr/>
+          <a:lstStyle/>
+          <a:p>
+            <a:endParaRPr lang="de-DE"/>
+          </a:p>
+        </p:txBody>
+      </p:sp>
+      <p:sp>
+        <p:nvSpPr>
+          <p:cNvPr id="3" name="Inhaltsplatzhalter 2"/>
+          <p:cNvSpPr>
+            <a:spLocks noGrp="1"/>
+          </p:cNvSpPr>
+          <p:nvPr>
+            <p:ph idx="1"/>
+          </p:nvPr>
+        </p:nvSpPr>
+        <p:spPr/>
+        <p:txBody>
+          <a:bodyPr/>
+          <a:lstStyle/>
+          <a:p>
+            <a:endParaRPr lang="de-DE" dirty="0"/>
+          </a:p>
+        </p:txBody>
+      </p:sp>
       <p:pic>
         <p:nvPicPr>
-          <p:cNvPr id="4" name="Grafik 3"/>
+          <p:cNvPr id="5" name="Grafik 4"/>
           <p:cNvPicPr>
             <a:picLocks noChangeAspect="1"/>
           </p:cNvPicPr>
@@ -14340,8 +18589,8 @@
         </p:blipFill>
         <p:spPr>
           <a:xfrm>
-            <a:off x="1017804" y="455993"/>
-            <a:ext cx="10156392" cy="5946015"/>
+            <a:off x="685097" y="0"/>
+            <a:ext cx="10818628" cy="6858000"/>
           </a:xfrm>
           <a:prstGeom prst="rect">
             <a:avLst/>
@@ -14401,16 +18650,136 @@
           <a:lstStyle/>
           <a:p>
             <a:r>
+              <a:rPr lang="de-DE" dirty="0" err="1" smtClean="0"/>
+              <a:t>Use</a:t>
+            </a:r>
+            <a:r>
               <a:rPr lang="de-DE" dirty="0" smtClean="0"/>
+              <a:t>-Cases</a:t>
+            </a:r>
+            <a:endParaRPr lang="de-DE" dirty="0"/>
+          </a:p>
+        </p:txBody>
+      </p:sp>
+      <p:pic>
+        <p:nvPicPr>
+          <p:cNvPr id="4" name="Grafik 3"/>
+          <p:cNvPicPr>
+            <a:picLocks noChangeAspect="1"/>
+          </p:cNvPicPr>
+          <p:nvPr/>
+        </p:nvPicPr>
+        <p:blipFill>
+          <a:blip r:embed="rId2">
+            <a:extLst>
+              <a:ext uri="{28A0092B-C50C-407E-A947-70E740481C1C}">
+                <a14:useLocalDpi xmlns:a14="http://schemas.microsoft.com/office/drawing/2010/main" val="0"/>
+              </a:ext>
+            </a:extLst>
+          </a:blip>
+          <a:stretch>
+            <a:fillRect/>
+          </a:stretch>
+        </p:blipFill>
+        <p:spPr>
+          <a:xfrm>
+            <a:off x="778732" y="1923533"/>
+            <a:ext cx="5704445" cy="4080509"/>
+          </a:xfrm>
+          <a:prstGeom prst="rect">
+            <a:avLst/>
+          </a:prstGeom>
+        </p:spPr>
+      </p:pic>
+      <p:pic>
+        <p:nvPicPr>
+          <p:cNvPr id="5" name="Grafik 4"/>
+          <p:cNvPicPr>
+            <a:picLocks noChangeAspect="1"/>
+          </p:cNvPicPr>
+          <p:nvPr/>
+        </p:nvPicPr>
+        <p:blipFill>
+          <a:blip r:embed="rId3">
+            <a:extLst>
+              <a:ext uri="{28A0092B-C50C-407E-A947-70E740481C1C}">
+                <a14:useLocalDpi xmlns:a14="http://schemas.microsoft.com/office/drawing/2010/main" val="0"/>
+              </a:ext>
+            </a:extLst>
+          </a:blip>
+          <a:stretch>
+            <a:fillRect/>
+          </a:stretch>
+        </p:blipFill>
+        <p:spPr>
+          <a:xfrm>
+            <a:off x="7895109" y="2188427"/>
+            <a:ext cx="1914525" cy="3724275"/>
+          </a:xfrm>
+          <a:prstGeom prst="rect">
+            <a:avLst/>
+          </a:prstGeom>
+        </p:spPr>
+      </p:pic>
+    </p:spTree>
+    <p:extLst>
+      <p:ext uri="{BB962C8B-B14F-4D97-AF65-F5344CB8AC3E}">
+        <p14:creationId xmlns:p14="http://schemas.microsoft.com/office/powerpoint/2010/main" val="2347470733"/>
+      </p:ext>
+    </p:extLst>
+  </p:cSld>
+  <p:clrMapOvr>
+    <a:masterClrMapping/>
+  </p:clrMapOvr>
+  <p:timing>
+    <p:tnLst>
+      <p:par>
+        <p:cTn id="1" dur="indefinite" restart="never" nodeType="tmRoot"/>
+      </p:par>
+    </p:tnLst>
+  </p:timing>
+</p:sld>
+</file>
+
+<file path=ppt/slides/slide8.xml><?xml version="1.0" encoding="utf-8"?>
+<p:sld xmlns:a="http://schemas.openxmlformats.org/drawingml/2006/main" xmlns:r="http://schemas.openxmlformats.org/officeDocument/2006/relationships" xmlns:p="http://schemas.openxmlformats.org/presentationml/2006/main">
+  <p:cSld>
+    <p:spTree>
+      <p:nvGrpSpPr>
+        <p:cNvPr id="1" name=""/>
+        <p:cNvGrpSpPr/>
+        <p:nvPr/>
+      </p:nvGrpSpPr>
+      <p:grpSpPr>
+        <a:xfrm>
+          <a:off x="0" y="0"/>
+          <a:ext cx="0" cy="0"/>
+          <a:chOff x="0" y="0"/>
+          <a:chExt cx="0" cy="0"/>
+        </a:xfrm>
+      </p:grpSpPr>
+      <p:sp>
+        <p:nvSpPr>
+          <p:cNvPr id="2" name="Titel 1"/>
+          <p:cNvSpPr>
+            <a:spLocks noGrp="1"/>
+          </p:cNvSpPr>
+          <p:nvPr>
+            <p:ph type="title"/>
+          </p:nvPr>
+        </p:nvSpPr>
+        <p:spPr/>
+        <p:txBody>
+          <a:bodyPr/>
+          <a:lstStyle/>
+          <a:p>
+            <a:r>
+              <a:rPr lang="de-DE" dirty="0"/>
               <a:t>Unsere </a:t>
             </a:r>
             <a:r>
-              <a:rPr lang="de-DE" dirty="0" err="1" smtClean="0"/>
-              <a:t>vorausPlanung</a:t>
-            </a:r>
-            <a:r>
               <a:rPr lang="de-DE" dirty="0" smtClean="0"/>
-              <a:t> </a:t>
+              <a:t>Sicherheiten</a:t>
             </a:r>
             <a:endParaRPr lang="de-DE" dirty="0"/>
           </a:p>
@@ -14502,8 +18871,17 @@
           <a:p>
             <a:r>
               <a:rPr lang="de-DE" dirty="0"/>
-              <a:t>Visualisierung des funktionalen Umfangs</a:t>
-            </a:r>
+              <a:t>Visualisierung des funktionalen </a:t>
+            </a:r>
+            <a:r>
+              <a:rPr lang="de-DE" dirty="0" smtClean="0"/>
+              <a:t>Umfangs in Form von </a:t>
+            </a:r>
+            <a:r>
+              <a:rPr lang="de-DE" dirty="0" err="1" smtClean="0"/>
+              <a:t>Use-cases</a:t>
+            </a:r>
+            <a:endParaRPr lang="de-DE" dirty="0"/>
           </a:p>
           <a:p>
             <a:pPr lvl="1"/>
@@ -14538,26 +18916,14 @@
           <a:p>
             <a:r>
               <a:rPr lang="de-DE" dirty="0" smtClean="0"/>
-              <a:t>Verifikation </a:t>
-            </a:r>
+              <a:t>Verifikation der technische Voraussetzungen</a:t>
+            </a:r>
+          </a:p>
+          <a:p>
+            <a:pPr lvl="1"/>
             <a:r>
               <a:rPr lang="de-DE" dirty="0" smtClean="0"/>
-              <a:t>der technische Voraussetzungen</a:t>
-            </a:r>
-          </a:p>
-          <a:p>
-            <a:pPr lvl="1"/>
-            <a:r>
-              <a:rPr lang="de-DE" dirty="0" smtClean="0"/>
-              <a:t>Benutzung und </a:t>
-            </a:r>
-            <a:r>
-              <a:rPr lang="de-DE" dirty="0" smtClean="0"/>
-              <a:t>Wartung von ausgewählter international etablierter </a:t>
-            </a:r>
-            <a:r>
-              <a:rPr lang="de-DE" dirty="0" smtClean="0"/>
-              <a:t>Software/Hardware </a:t>
+              <a:t>Benutzung und Wartung von ausgewählter international etablierter Software/Hardware </a:t>
             </a:r>
           </a:p>
           <a:p>
@@ -14579,14 +18945,264 @@
   <p:timing>
     <p:tnLst>
       <p:par>
-        <p:cTn id="1" dur="indefinite" restart="never" nodeType="tmRoot"/>
+        <p:cTn id="1" dur="indefinite" restart="never" nodeType="tmRoot">
+          <p:childTnLst>
+            <p:seq concurrent="1" nextAc="seek">
+              <p:cTn id="2" dur="indefinite" nodeType="mainSeq">
+                <p:childTnLst>
+                  <p:par>
+                    <p:cTn id="3" fill="hold">
+                      <p:stCondLst>
+                        <p:cond delay="indefinite"/>
+                      </p:stCondLst>
+                      <p:childTnLst>
+                        <p:par>
+                          <p:cTn id="4" fill="hold">
+                            <p:stCondLst>
+                              <p:cond delay="0"/>
+                            </p:stCondLst>
+                            <p:childTnLst>
+                              <p:par>
+                                <p:cTn id="5" presetID="1" presetClass="entr" presetSubtype="0" fill="hold" nodeType="clickEffect">
+                                  <p:stCondLst>
+                                    <p:cond delay="0"/>
+                                  </p:stCondLst>
+                                  <p:childTnLst>
+                                    <p:set>
+                                      <p:cBhvr>
+                                        <p:cTn id="6" dur="1" fill="hold">
+                                          <p:stCondLst>
+                                            <p:cond delay="0"/>
+                                          </p:stCondLst>
+                                        </p:cTn>
+                                        <p:tgtEl>
+                                          <p:spTgt spid="3">
+                                            <p:txEl>
+                                              <p:pRg st="4" end="4"/>
+                                            </p:txEl>
+                                          </p:spTgt>
+                                        </p:tgtEl>
+                                        <p:attrNameLst>
+                                          <p:attrName>style.visibility</p:attrName>
+                                        </p:attrNameLst>
+                                      </p:cBhvr>
+                                      <p:to>
+                                        <p:strVal val="visible"/>
+                                      </p:to>
+                                    </p:set>
+                                  </p:childTnLst>
+                                </p:cTn>
+                              </p:par>
+                            </p:childTnLst>
+                          </p:cTn>
+                        </p:par>
+                      </p:childTnLst>
+                    </p:cTn>
+                  </p:par>
+                  <p:par>
+                    <p:cTn id="7" fill="hold">
+                      <p:stCondLst>
+                        <p:cond delay="indefinite"/>
+                      </p:stCondLst>
+                      <p:childTnLst>
+                        <p:par>
+                          <p:cTn id="8" fill="hold">
+                            <p:stCondLst>
+                              <p:cond delay="0"/>
+                            </p:stCondLst>
+                            <p:childTnLst>
+                              <p:par>
+                                <p:cTn id="9" presetID="1" presetClass="entr" presetSubtype="0" fill="hold" nodeType="clickEffect">
+                                  <p:stCondLst>
+                                    <p:cond delay="0"/>
+                                  </p:stCondLst>
+                                  <p:childTnLst>
+                                    <p:set>
+                                      <p:cBhvr>
+                                        <p:cTn id="10" dur="1" fill="hold">
+                                          <p:stCondLst>
+                                            <p:cond delay="0"/>
+                                          </p:stCondLst>
+                                        </p:cTn>
+                                        <p:tgtEl>
+                                          <p:spTgt spid="3">
+                                            <p:txEl>
+                                              <p:pRg st="5" end="5"/>
+                                            </p:txEl>
+                                          </p:spTgt>
+                                        </p:tgtEl>
+                                        <p:attrNameLst>
+                                          <p:attrName>style.visibility</p:attrName>
+                                        </p:attrNameLst>
+                                      </p:cBhvr>
+                                      <p:to>
+                                        <p:strVal val="visible"/>
+                                      </p:to>
+                                    </p:set>
+                                  </p:childTnLst>
+                                </p:cTn>
+                              </p:par>
+                              <p:par>
+                                <p:cTn id="11" presetID="1" presetClass="entr" presetSubtype="0" fill="hold" nodeType="withEffect">
+                                  <p:stCondLst>
+                                    <p:cond delay="0"/>
+                                  </p:stCondLst>
+                                  <p:childTnLst>
+                                    <p:set>
+                                      <p:cBhvr>
+                                        <p:cTn id="12" dur="1" fill="hold">
+                                          <p:stCondLst>
+                                            <p:cond delay="0"/>
+                                          </p:stCondLst>
+                                        </p:cTn>
+                                        <p:tgtEl>
+                                          <p:spTgt spid="3">
+                                            <p:txEl>
+                                              <p:pRg st="6" end="6"/>
+                                            </p:txEl>
+                                          </p:spTgt>
+                                        </p:tgtEl>
+                                        <p:attrNameLst>
+                                          <p:attrName>style.visibility</p:attrName>
+                                        </p:attrNameLst>
+                                      </p:cBhvr>
+                                      <p:to>
+                                        <p:strVal val="visible"/>
+                                      </p:to>
+                                    </p:set>
+                                  </p:childTnLst>
+                                </p:cTn>
+                              </p:par>
+                            </p:childTnLst>
+                          </p:cTn>
+                        </p:par>
+                      </p:childTnLst>
+                    </p:cTn>
+                  </p:par>
+                  <p:par>
+                    <p:cTn id="13" fill="hold">
+                      <p:stCondLst>
+                        <p:cond delay="indefinite"/>
+                      </p:stCondLst>
+                      <p:childTnLst>
+                        <p:par>
+                          <p:cTn id="14" fill="hold">
+                            <p:stCondLst>
+                              <p:cond delay="0"/>
+                            </p:stCondLst>
+                            <p:childTnLst>
+                              <p:par>
+                                <p:cTn id="15" presetID="1" presetClass="entr" presetSubtype="0" fill="hold" nodeType="clickEffect">
+                                  <p:stCondLst>
+                                    <p:cond delay="0"/>
+                                  </p:stCondLst>
+                                  <p:childTnLst>
+                                    <p:set>
+                                      <p:cBhvr>
+                                        <p:cTn id="16" dur="1" fill="hold">
+                                          <p:stCondLst>
+                                            <p:cond delay="0"/>
+                                          </p:stCondLst>
+                                        </p:cTn>
+                                        <p:tgtEl>
+                                          <p:spTgt spid="3">
+                                            <p:txEl>
+                                              <p:pRg st="7" end="7"/>
+                                            </p:txEl>
+                                          </p:spTgt>
+                                        </p:tgtEl>
+                                        <p:attrNameLst>
+                                          <p:attrName>style.visibility</p:attrName>
+                                        </p:attrNameLst>
+                                      </p:cBhvr>
+                                      <p:to>
+                                        <p:strVal val="visible"/>
+                                      </p:to>
+                                    </p:set>
+                                  </p:childTnLst>
+                                </p:cTn>
+                              </p:par>
+                            </p:childTnLst>
+                          </p:cTn>
+                        </p:par>
+                      </p:childTnLst>
+                    </p:cTn>
+                  </p:par>
+                  <p:par>
+                    <p:cTn id="17" fill="hold">
+                      <p:stCondLst>
+                        <p:cond delay="indefinite"/>
+                      </p:stCondLst>
+                      <p:childTnLst>
+                        <p:par>
+                          <p:cTn id="18" fill="hold">
+                            <p:stCondLst>
+                              <p:cond delay="0"/>
+                            </p:stCondLst>
+                            <p:childTnLst>
+                              <p:par>
+                                <p:cTn id="19" presetID="1" presetClass="entr" presetSubtype="0" fill="hold" nodeType="clickEffect">
+                                  <p:stCondLst>
+                                    <p:cond delay="0"/>
+                                  </p:stCondLst>
+                                  <p:childTnLst>
+                                    <p:set>
+                                      <p:cBhvr>
+                                        <p:cTn id="20" dur="1" fill="hold">
+                                          <p:stCondLst>
+                                            <p:cond delay="0"/>
+                                          </p:stCondLst>
+                                        </p:cTn>
+                                        <p:tgtEl>
+                                          <p:spTgt spid="3">
+                                            <p:txEl>
+                                              <p:pRg st="8" end="8"/>
+                                            </p:txEl>
+                                          </p:spTgt>
+                                        </p:tgtEl>
+                                        <p:attrNameLst>
+                                          <p:attrName>style.visibility</p:attrName>
+                                        </p:attrNameLst>
+                                      </p:cBhvr>
+                                      <p:to>
+                                        <p:strVal val="visible"/>
+                                      </p:to>
+                                    </p:set>
+                                  </p:childTnLst>
+                                </p:cTn>
+                              </p:par>
+                            </p:childTnLst>
+                          </p:cTn>
+                        </p:par>
+                      </p:childTnLst>
+                    </p:cTn>
+                  </p:par>
+                </p:childTnLst>
+              </p:cTn>
+              <p:prevCondLst>
+                <p:cond evt="onPrev" delay="0">
+                  <p:tgtEl>
+                    <p:sldTgt/>
+                  </p:tgtEl>
+                </p:cond>
+              </p:prevCondLst>
+              <p:nextCondLst>
+                <p:cond evt="onNext" delay="0">
+                  <p:tgtEl>
+                    <p:sldTgt/>
+                  </p:tgtEl>
+                </p:cond>
+              </p:nextCondLst>
+            </p:seq>
+          </p:childTnLst>
+        </p:cTn>
       </p:par>
     </p:tnLst>
   </p:timing>
 </p:sld>
 </file>
 
-<file path=ppt/slides/slide8.xml><?xml version="1.0" encoding="utf-8"?>
+<file path=ppt/slides/slide9.xml><?xml version="1.0" encoding="utf-8"?>
 <p:sld xmlns:a="http://schemas.openxmlformats.org/drawingml/2006/main" xmlns:r="http://schemas.openxmlformats.org/officeDocument/2006/relationships" xmlns:p="http://schemas.openxmlformats.org/presentationml/2006/main">
   <p:cSld>
     <p:spTree>
@@ -14727,129 +19343,6 @@
     <p:extLst>
       <p:ext uri="{BB962C8B-B14F-4D97-AF65-F5344CB8AC3E}">
         <p14:creationId xmlns:p14="http://schemas.microsoft.com/office/powerpoint/2010/main" val="2379305900"/>
-      </p:ext>
-    </p:extLst>
-  </p:cSld>
-  <p:clrMapOvr>
-    <a:masterClrMapping/>
-  </p:clrMapOvr>
-  <p:timing>
-    <p:tnLst>
-      <p:par>
-        <p:cTn id="1" dur="indefinite" restart="never" nodeType="tmRoot"/>
-      </p:par>
-    </p:tnLst>
-  </p:timing>
-</p:sld>
-</file>
-
-<file path=ppt/slides/slide9.xml><?xml version="1.0" encoding="utf-8"?>
-<p:sld xmlns:a="http://schemas.openxmlformats.org/drawingml/2006/main" xmlns:r="http://schemas.openxmlformats.org/officeDocument/2006/relationships" xmlns:p="http://schemas.openxmlformats.org/presentationml/2006/main">
-  <p:cSld>
-    <p:spTree>
-      <p:nvGrpSpPr>
-        <p:cNvPr id="1" name=""/>
-        <p:cNvGrpSpPr/>
-        <p:nvPr/>
-      </p:nvGrpSpPr>
-      <p:grpSpPr>
-        <a:xfrm>
-          <a:off x="0" y="0"/>
-          <a:ext cx="0" cy="0"/>
-          <a:chOff x="0" y="0"/>
-          <a:chExt cx="0" cy="0"/>
-        </a:xfrm>
-      </p:grpSpPr>
-      <p:sp>
-        <p:nvSpPr>
-          <p:cNvPr id="2" name="Titel 1"/>
-          <p:cNvSpPr>
-            <a:spLocks noGrp="1"/>
-          </p:cNvSpPr>
-          <p:nvPr>
-            <p:ph type="title"/>
-          </p:nvPr>
-        </p:nvSpPr>
-        <p:spPr/>
-        <p:txBody>
-          <a:bodyPr/>
-          <a:lstStyle/>
-          <a:p>
-            <a:r>
-              <a:rPr lang="de-DE" dirty="0" smtClean="0"/>
-              <a:t>Unsere Methodik</a:t>
-            </a:r>
-            <a:endParaRPr lang="de-DE" dirty="0"/>
-          </a:p>
-        </p:txBody>
-      </p:sp>
-      <p:sp>
-        <p:nvSpPr>
-          <p:cNvPr id="3" name="Inhaltsplatzhalter 2"/>
-          <p:cNvSpPr>
-            <a:spLocks noGrp="1"/>
-          </p:cNvSpPr>
-          <p:nvPr>
-            <p:ph idx="1"/>
-          </p:nvPr>
-        </p:nvSpPr>
-        <p:spPr/>
-        <p:txBody>
-          <a:bodyPr/>
-          <a:lstStyle/>
-          <a:p>
-            <a:r>
-              <a:rPr lang="de-DE" dirty="0" smtClean="0"/>
-              <a:t>Projektzerlegung und in Phasen geteilte Spezifizierung</a:t>
-            </a:r>
-          </a:p>
-          <a:p>
-            <a:pPr lvl="1"/>
-            <a:r>
-              <a:rPr lang="de-DE" dirty="0" smtClean="0"/>
-              <a:t>Nutzen des RUP (Rational Unified </a:t>
-            </a:r>
-            <a:r>
-              <a:rPr lang="de-DE" dirty="0" err="1" smtClean="0"/>
-              <a:t>Process</a:t>
-            </a:r>
-            <a:r>
-              <a:rPr lang="de-DE" dirty="0" smtClean="0"/>
-              <a:t>)</a:t>
-            </a:r>
-          </a:p>
-          <a:p>
-            <a:pPr lvl="1"/>
-            <a:r>
-              <a:rPr lang="de-DE" dirty="0" smtClean="0"/>
-              <a:t>Frühe tiefgehende architektonische </a:t>
-            </a:r>
-            <a:r>
-              <a:rPr lang="de-DE" dirty="0" smtClean="0"/>
-              <a:t>Planung</a:t>
-            </a:r>
-          </a:p>
-          <a:p>
-            <a:pPr lvl="1"/>
-            <a:r>
-              <a:rPr lang="de-DE" dirty="0" smtClean="0"/>
-              <a:t>Iterative phasengeteilte Vorgehensweise ermöglicht leichte spätere Änderungen</a:t>
-            </a:r>
-            <a:endParaRPr lang="de-DE" dirty="0" smtClean="0"/>
-          </a:p>
-          <a:p>
-            <a:endParaRPr lang="de-DE" dirty="0" smtClean="0"/>
-          </a:p>
-          <a:p>
-            <a:pPr lvl="1"/>
-            <a:endParaRPr lang="de-DE" dirty="0" smtClean="0"/>
-          </a:p>
-        </p:txBody>
-      </p:sp>
-    </p:spTree>
-    <p:extLst>
-      <p:ext uri="{BB962C8B-B14F-4D97-AF65-F5344CB8AC3E}">
-        <p14:creationId xmlns:p14="http://schemas.microsoft.com/office/powerpoint/2010/main" val="705459828"/>
       </p:ext>
     </p:extLst>
   </p:cSld>
